--- a/1_AI Course Presentation.pptx
+++ b/1_AI Course Presentation.pptx
@@ -1,6 +1,6 @@
 
 <file path=ppt/presentation.xml><?xml version="1.0" encoding="utf-8"?>
-<p:presentation xmlns:a="http://schemas.openxmlformats.org/drawingml/2006/main" xmlns:r="http://schemas.openxmlformats.org/officeDocument/2006/relationships" xmlns:mc="http://schemas.openxmlformats.org/markup-compatibility/2006" xmlns:mv="urn:schemas-microsoft-com:mac:vml" xmlns:p="http://schemas.openxmlformats.org/presentationml/2006/main" xmlns:c="http://schemas.openxmlformats.org/drawingml/2006/chart" xmlns:dgm="http://schemas.openxmlformats.org/drawingml/2006/diagram" xmlns:o="urn:schemas-microsoft-com:office:office" xmlns:v="urn:schemas-microsoft-com:vml" xmlns:pvml="urn:schemas-microsoft-com:office:powerpoint" xmlns:com="http://schemas.openxmlformats.org/drawingml/2006/compatibility" xmlns:p14="http://schemas.microsoft.com/office/powerpoint/2010/main" xmlns:p15="http://schemas.microsoft.com/office/powerpoint/2012/main" autoCompressPictures="0" embedTrueTypeFonts="1" strictFirstAndLastChars="0" saveSubsetFonts="1">
+<p:presentation xmlns:a="http://schemas.openxmlformats.org/drawingml/2006/main" xmlns:r="http://schemas.openxmlformats.org/officeDocument/2006/relationships" xmlns:mc="http://schemas.openxmlformats.org/markup-compatibility/2006" xmlns:mv="urn:schemas-microsoft-com:mac:vml" xmlns:p="http://schemas.openxmlformats.org/presentationml/2006/main" xmlns:c="http://schemas.openxmlformats.org/drawingml/2006/chart" xmlns:dgm="http://schemas.openxmlformats.org/drawingml/2006/diagram" xmlns:o="urn:schemas-microsoft-com:office:office" xmlns:v="urn:schemas-microsoft-com:vml" xmlns:pvml="urn:schemas-microsoft-com:office:powerpoint" xmlns:com="http://schemas.openxmlformats.org/drawingml/2006/compatibility" xmlns:p14="http://schemas.microsoft.com/office/powerpoint/2010/main" xmlns:p15="http://schemas.microsoft.com/office/powerpoint/2012/main" xmlns:ahyp="http://schemas.microsoft.com/office/drawing/2018/hyperlinkcolor" autoCompressPictures="0" embedTrueTypeFonts="1" strictFirstAndLastChars="0" saveSubsetFonts="1">
   <p:sldMasterIdLst>
     <p:sldMasterId id="2147483659" r:id="rId4"/>
   </p:sldMasterIdLst>
@@ -25,21 +25,24 @@
     <p:sldId id="270" r:id="rId20"/>
     <p:sldId id="271" r:id="rId21"/>
     <p:sldId id="272" r:id="rId22"/>
+    <p:sldId id="273" r:id="rId23"/>
+    <p:sldId id="274" r:id="rId24"/>
+    <p:sldId id="275" r:id="rId25"/>
   </p:sldIdLst>
   <p:sldSz cy="5143500" cx="9144000"/>
   <p:notesSz cx="6858000" cy="9144000"/>
   <p:embeddedFontLst>
     <p:embeddedFont>
       <p:font typeface="PT Sans Narrow"/>
-      <p:regular r:id="rId23"/>
-      <p:bold r:id="rId24"/>
+      <p:regular r:id="rId26"/>
+      <p:bold r:id="rId27"/>
     </p:embeddedFont>
     <p:embeddedFont>
       <p:font typeface="Open Sans"/>
-      <p:regular r:id="rId25"/>
-      <p:bold r:id="rId26"/>
-      <p:italic r:id="rId27"/>
-      <p:boldItalic r:id="rId28"/>
+      <p:regular r:id="rId28"/>
+      <p:bold r:id="rId29"/>
+      <p:italic r:id="rId30"/>
+      <p:boldItalic r:id="rId31"/>
     </p:embeddedFont>
   </p:embeddedFontLst>
   <p:defaultTextStyle>
@@ -291,7 +294,7 @@
 </file>
 
 <file path=ppt/notesMasters/notesMaster1.xml><?xml version="1.0" encoding="utf-8"?>
-<p:notesMaster xmlns:a="http://schemas.openxmlformats.org/drawingml/2006/main" xmlns:r="http://schemas.openxmlformats.org/officeDocument/2006/relationships" xmlns:mc="http://schemas.openxmlformats.org/markup-compatibility/2006" xmlns:mv="urn:schemas-microsoft-com:mac:vml" xmlns:p="http://schemas.openxmlformats.org/presentationml/2006/main" xmlns:c="http://schemas.openxmlformats.org/drawingml/2006/chart" xmlns:dgm="http://schemas.openxmlformats.org/drawingml/2006/diagram" xmlns:o="urn:schemas-microsoft-com:office:office" xmlns:v="urn:schemas-microsoft-com:vml" xmlns:pvml="urn:schemas-microsoft-com:office:powerpoint" xmlns:com="http://schemas.openxmlformats.org/drawingml/2006/compatibility" xmlns:p14="http://schemas.microsoft.com/office/powerpoint/2010/main" xmlns:p15="http://schemas.microsoft.com/office/powerpoint/2012/main">
+<p:notesMaster xmlns:a="http://schemas.openxmlformats.org/drawingml/2006/main" xmlns:r="http://schemas.openxmlformats.org/officeDocument/2006/relationships" xmlns:mc="http://schemas.openxmlformats.org/markup-compatibility/2006" xmlns:mv="urn:schemas-microsoft-com:mac:vml" xmlns:p="http://schemas.openxmlformats.org/presentationml/2006/main" xmlns:c="http://schemas.openxmlformats.org/drawingml/2006/chart" xmlns:dgm="http://schemas.openxmlformats.org/drawingml/2006/diagram" xmlns:o="urn:schemas-microsoft-com:office:office" xmlns:v="urn:schemas-microsoft-com:vml" xmlns:pvml="urn:schemas-microsoft-com:office:powerpoint" xmlns:com="http://schemas.openxmlformats.org/drawingml/2006/compatibility" xmlns:p14="http://schemas.microsoft.com/office/powerpoint/2010/main" xmlns:p15="http://schemas.microsoft.com/office/powerpoint/2012/main" xmlns:ahyp="http://schemas.microsoft.com/office/drawing/2018/hyperlinkcolor">
   <p:cSld>
     <p:spTree>
       <p:nvGrpSpPr>
@@ -717,7 +720,7 @@
 </file>
 
 <file path=ppt/notesSlides/notesSlide1.xml><?xml version="1.0" encoding="utf-8"?>
-<p:notes xmlns:a="http://schemas.openxmlformats.org/drawingml/2006/main" xmlns:r="http://schemas.openxmlformats.org/officeDocument/2006/relationships" xmlns:mc="http://schemas.openxmlformats.org/markup-compatibility/2006" xmlns:mv="urn:schemas-microsoft-com:mac:vml" xmlns:p="http://schemas.openxmlformats.org/presentationml/2006/main" xmlns:c="http://schemas.openxmlformats.org/drawingml/2006/chart" xmlns:dgm="http://schemas.openxmlformats.org/drawingml/2006/diagram" xmlns:o="urn:schemas-microsoft-com:office:office" xmlns:v="urn:schemas-microsoft-com:vml" xmlns:pvml="urn:schemas-microsoft-com:office:powerpoint" xmlns:com="http://schemas.openxmlformats.org/drawingml/2006/compatibility" xmlns:p14="http://schemas.microsoft.com/office/powerpoint/2010/main" xmlns:p15="http://schemas.microsoft.com/office/powerpoint/2012/main" showMasterPhAnim="0" showMasterSp="0">
+<p:notes xmlns:a="http://schemas.openxmlformats.org/drawingml/2006/main" xmlns:r="http://schemas.openxmlformats.org/officeDocument/2006/relationships" xmlns:mc="http://schemas.openxmlformats.org/markup-compatibility/2006" xmlns:mv="urn:schemas-microsoft-com:mac:vml" xmlns:p="http://schemas.openxmlformats.org/presentationml/2006/main" xmlns:c="http://schemas.openxmlformats.org/drawingml/2006/chart" xmlns:dgm="http://schemas.openxmlformats.org/drawingml/2006/diagram" xmlns:o="urn:schemas-microsoft-com:office:office" xmlns:v="urn:schemas-microsoft-com:vml" xmlns:pvml="urn:schemas-microsoft-com:office:powerpoint" xmlns:com="http://schemas.openxmlformats.org/drawingml/2006/compatibility" xmlns:p14="http://schemas.microsoft.com/office/powerpoint/2010/main" xmlns:p15="http://schemas.microsoft.com/office/powerpoint/2012/main" xmlns:ahyp="http://schemas.microsoft.com/office/drawing/2018/hyperlinkcolor" showMasterPhAnim="0" showMasterSp="0">
   <p:cSld>
     <p:spTree>
       <p:nvGrpSpPr>
@@ -801,7 +804,8 @@
               <a:buNone/>
             </a:pPr>
             <a:r>
-              <a:t/>
+              <a:rPr lang="en"/>
+              <a:t>Ayaan</a:t>
             </a:r>
             <a:endParaRPr/>
           </a:p>
@@ -816,11 +820,11 @@
 </file>
 
 <file path=ppt/notesSlides/notesSlide10.xml><?xml version="1.0" encoding="utf-8"?>
-<p:notes xmlns:a="http://schemas.openxmlformats.org/drawingml/2006/main" xmlns:r="http://schemas.openxmlformats.org/officeDocument/2006/relationships" xmlns:mc="http://schemas.openxmlformats.org/markup-compatibility/2006" xmlns:mv="urn:schemas-microsoft-com:mac:vml" xmlns:p="http://schemas.openxmlformats.org/presentationml/2006/main" xmlns:c="http://schemas.openxmlformats.org/drawingml/2006/chart" xmlns:dgm="http://schemas.openxmlformats.org/drawingml/2006/diagram" xmlns:o="urn:schemas-microsoft-com:office:office" xmlns:v="urn:schemas-microsoft-com:vml" xmlns:pvml="urn:schemas-microsoft-com:office:powerpoint" xmlns:com="http://schemas.openxmlformats.org/drawingml/2006/compatibility" xmlns:p14="http://schemas.microsoft.com/office/powerpoint/2010/main" xmlns:p15="http://schemas.microsoft.com/office/powerpoint/2012/main" showMasterPhAnim="0" showMasterSp="0">
+<p:notes xmlns:a="http://schemas.openxmlformats.org/drawingml/2006/main" xmlns:r="http://schemas.openxmlformats.org/officeDocument/2006/relationships" xmlns:mc="http://schemas.openxmlformats.org/markup-compatibility/2006" xmlns:mv="urn:schemas-microsoft-com:mac:vml" xmlns:p="http://schemas.openxmlformats.org/presentationml/2006/main" xmlns:c="http://schemas.openxmlformats.org/drawingml/2006/chart" xmlns:dgm="http://schemas.openxmlformats.org/drawingml/2006/diagram" xmlns:o="urn:schemas-microsoft-com:office:office" xmlns:v="urn:schemas-microsoft-com:vml" xmlns:pvml="urn:schemas-microsoft-com:office:powerpoint" xmlns:com="http://schemas.openxmlformats.org/drawingml/2006/compatibility" xmlns:p14="http://schemas.microsoft.com/office/powerpoint/2010/main" xmlns:p15="http://schemas.microsoft.com/office/powerpoint/2012/main" xmlns:ahyp="http://schemas.microsoft.com/office/drawing/2018/hyperlinkcolor" showMasterPhAnim="0" showMasterSp="0">
   <p:cSld>
     <p:spTree>
       <p:nvGrpSpPr>
-        <p:cNvPr id="118" name="Shape 118"/>
+        <p:cNvPr id="119" name="Shape 119"/>
         <p:cNvGrpSpPr/>
         <p:nvPr/>
       </p:nvGrpSpPr>
@@ -834,7 +838,7 @@
       </p:grpSpPr>
       <p:sp>
         <p:nvSpPr>
-          <p:cNvPr id="119" name="Google Shape;119;g8721ee253b_1_25:notes"/>
+          <p:cNvPr id="120" name="Google Shape;120;g8721ee253b_1_20:notes"/>
           <p:cNvSpPr/>
           <p:nvPr>
             <p:ph idx="2" type="sldImg"/>
@@ -869,7 +873,7 @@
       </p:sp>
       <p:sp>
         <p:nvSpPr>
-          <p:cNvPr id="120" name="Google Shape;120;g8721ee253b_1_25:notes"/>
+          <p:cNvPr id="121" name="Google Shape;121;g8721ee253b_1_20:notes"/>
           <p:cNvSpPr txBox="1"/>
           <p:nvPr>
             <p:ph idx="1" type="body"/>
@@ -900,7 +904,8 @@
               <a:buNone/>
             </a:pPr>
             <a:r>
-              <a:t/>
+              <a:rPr lang="en"/>
+              <a:t>Ayaan</a:t>
             </a:r>
             <a:endParaRPr/>
           </a:p>
@@ -915,11 +920,11 @@
 </file>
 
 <file path=ppt/notesSlides/notesSlide11.xml><?xml version="1.0" encoding="utf-8"?>
-<p:notes xmlns:a="http://schemas.openxmlformats.org/drawingml/2006/main" xmlns:r="http://schemas.openxmlformats.org/officeDocument/2006/relationships" xmlns:mc="http://schemas.openxmlformats.org/markup-compatibility/2006" xmlns:mv="urn:schemas-microsoft-com:mac:vml" xmlns:p="http://schemas.openxmlformats.org/presentationml/2006/main" xmlns:c="http://schemas.openxmlformats.org/drawingml/2006/chart" xmlns:dgm="http://schemas.openxmlformats.org/drawingml/2006/diagram" xmlns:o="urn:schemas-microsoft-com:office:office" xmlns:v="urn:schemas-microsoft-com:vml" xmlns:pvml="urn:schemas-microsoft-com:office:powerpoint" xmlns:com="http://schemas.openxmlformats.org/drawingml/2006/compatibility" xmlns:p14="http://schemas.microsoft.com/office/powerpoint/2010/main" xmlns:p15="http://schemas.microsoft.com/office/powerpoint/2012/main" showMasterPhAnim="0" showMasterSp="0">
+<p:notes xmlns:a="http://schemas.openxmlformats.org/drawingml/2006/main" xmlns:r="http://schemas.openxmlformats.org/officeDocument/2006/relationships" xmlns:mc="http://schemas.openxmlformats.org/markup-compatibility/2006" xmlns:mv="urn:schemas-microsoft-com:mac:vml" xmlns:p="http://schemas.openxmlformats.org/presentationml/2006/main" xmlns:c="http://schemas.openxmlformats.org/drawingml/2006/chart" xmlns:dgm="http://schemas.openxmlformats.org/drawingml/2006/diagram" xmlns:o="urn:schemas-microsoft-com:office:office" xmlns:v="urn:schemas-microsoft-com:vml" xmlns:pvml="urn:schemas-microsoft-com:office:powerpoint" xmlns:com="http://schemas.openxmlformats.org/drawingml/2006/compatibility" xmlns:p14="http://schemas.microsoft.com/office/powerpoint/2010/main" xmlns:p15="http://schemas.microsoft.com/office/powerpoint/2012/main" xmlns:ahyp="http://schemas.microsoft.com/office/drawing/2018/hyperlinkcolor" showMasterPhAnim="0" showMasterSp="0">
   <p:cSld>
     <p:spTree>
       <p:nvGrpSpPr>
-        <p:cNvPr id="124" name="Shape 124"/>
+        <p:cNvPr id="125" name="Shape 125"/>
         <p:cNvGrpSpPr/>
         <p:nvPr/>
       </p:nvGrpSpPr>
@@ -933,7 +938,7 @@
       </p:grpSpPr>
       <p:sp>
         <p:nvSpPr>
-          <p:cNvPr id="125" name="Google Shape;125;g8721ee253b_1_73:notes"/>
+          <p:cNvPr id="126" name="Google Shape;126;g8721ee253b_1_25:notes"/>
           <p:cNvSpPr/>
           <p:nvPr>
             <p:ph idx="2" type="sldImg"/>
@@ -968,7 +973,7 @@
       </p:sp>
       <p:sp>
         <p:nvSpPr>
-          <p:cNvPr id="126" name="Google Shape;126;g8721ee253b_1_73:notes"/>
+          <p:cNvPr id="127" name="Google Shape;127;g8721ee253b_1_25:notes"/>
           <p:cNvSpPr txBox="1"/>
           <p:nvPr>
             <p:ph idx="1" type="body"/>
@@ -999,7 +1004,8 @@
               <a:buNone/>
             </a:pPr>
             <a:r>
-              <a:t/>
+              <a:rPr lang="en"/>
+              <a:t>Viraaj</a:t>
             </a:r>
             <a:endParaRPr/>
           </a:p>
@@ -1014,11 +1020,11 @@
 </file>
 
 <file path=ppt/notesSlides/notesSlide12.xml><?xml version="1.0" encoding="utf-8"?>
-<p:notes xmlns:a="http://schemas.openxmlformats.org/drawingml/2006/main" xmlns:r="http://schemas.openxmlformats.org/officeDocument/2006/relationships" xmlns:mc="http://schemas.openxmlformats.org/markup-compatibility/2006" xmlns:mv="urn:schemas-microsoft-com:mac:vml" xmlns:p="http://schemas.openxmlformats.org/presentationml/2006/main" xmlns:c="http://schemas.openxmlformats.org/drawingml/2006/chart" xmlns:dgm="http://schemas.openxmlformats.org/drawingml/2006/diagram" xmlns:o="urn:schemas-microsoft-com:office:office" xmlns:v="urn:schemas-microsoft-com:vml" xmlns:pvml="urn:schemas-microsoft-com:office:powerpoint" xmlns:com="http://schemas.openxmlformats.org/drawingml/2006/compatibility" xmlns:p14="http://schemas.microsoft.com/office/powerpoint/2010/main" xmlns:p15="http://schemas.microsoft.com/office/powerpoint/2012/main" showMasterPhAnim="0" showMasterSp="0">
+<p:notes xmlns:a="http://schemas.openxmlformats.org/drawingml/2006/main" xmlns:r="http://schemas.openxmlformats.org/officeDocument/2006/relationships" xmlns:mc="http://schemas.openxmlformats.org/markup-compatibility/2006" xmlns:mv="urn:schemas-microsoft-com:mac:vml" xmlns:p="http://schemas.openxmlformats.org/presentationml/2006/main" xmlns:c="http://schemas.openxmlformats.org/drawingml/2006/chart" xmlns:dgm="http://schemas.openxmlformats.org/drawingml/2006/diagram" xmlns:o="urn:schemas-microsoft-com:office:office" xmlns:v="urn:schemas-microsoft-com:vml" xmlns:pvml="urn:schemas-microsoft-com:office:powerpoint" xmlns:com="http://schemas.openxmlformats.org/drawingml/2006/compatibility" xmlns:p14="http://schemas.microsoft.com/office/powerpoint/2010/main" xmlns:p15="http://schemas.microsoft.com/office/powerpoint/2012/main" xmlns:ahyp="http://schemas.microsoft.com/office/drawing/2018/hyperlinkcolor" showMasterPhAnim="0" showMasterSp="0">
   <p:cSld>
     <p:spTree>
       <p:nvGrpSpPr>
-        <p:cNvPr id="130" name="Shape 130"/>
+        <p:cNvPr id="131" name="Shape 131"/>
         <p:cNvGrpSpPr/>
         <p:nvPr/>
       </p:nvGrpSpPr>
@@ -1032,7 +1038,7 @@
       </p:grpSpPr>
       <p:sp>
         <p:nvSpPr>
-          <p:cNvPr id="131" name="Google Shape;131;g8721ee253b_1_82:notes"/>
+          <p:cNvPr id="132" name="Google Shape;132;g8721ee253b_1_73:notes"/>
           <p:cNvSpPr/>
           <p:nvPr>
             <p:ph idx="2" type="sldImg"/>
@@ -1067,7 +1073,7 @@
       </p:sp>
       <p:sp>
         <p:nvSpPr>
-          <p:cNvPr id="132" name="Google Shape;132;g8721ee253b_1_82:notes"/>
+          <p:cNvPr id="133" name="Google Shape;133;g8721ee253b_1_73:notes"/>
           <p:cNvSpPr txBox="1"/>
           <p:nvPr>
             <p:ph idx="1" type="body"/>
@@ -1098,7 +1104,8 @@
               <a:buNone/>
             </a:pPr>
             <a:r>
-              <a:t/>
+              <a:rPr lang="en"/>
+              <a:t>Ayaan</a:t>
             </a:r>
             <a:endParaRPr/>
           </a:p>
@@ -1113,11 +1120,11 @@
 </file>
 
 <file path=ppt/notesSlides/notesSlide13.xml><?xml version="1.0" encoding="utf-8"?>
-<p:notes xmlns:a="http://schemas.openxmlformats.org/drawingml/2006/main" xmlns:r="http://schemas.openxmlformats.org/officeDocument/2006/relationships" xmlns:mc="http://schemas.openxmlformats.org/markup-compatibility/2006" xmlns:mv="urn:schemas-microsoft-com:mac:vml" xmlns:p="http://schemas.openxmlformats.org/presentationml/2006/main" xmlns:c="http://schemas.openxmlformats.org/drawingml/2006/chart" xmlns:dgm="http://schemas.openxmlformats.org/drawingml/2006/diagram" xmlns:o="urn:schemas-microsoft-com:office:office" xmlns:v="urn:schemas-microsoft-com:vml" xmlns:pvml="urn:schemas-microsoft-com:office:powerpoint" xmlns:com="http://schemas.openxmlformats.org/drawingml/2006/compatibility" xmlns:p14="http://schemas.microsoft.com/office/powerpoint/2010/main" xmlns:p15="http://schemas.microsoft.com/office/powerpoint/2012/main" showMasterPhAnim="0" showMasterSp="0">
+<p:notes xmlns:a="http://schemas.openxmlformats.org/drawingml/2006/main" xmlns:r="http://schemas.openxmlformats.org/officeDocument/2006/relationships" xmlns:mc="http://schemas.openxmlformats.org/markup-compatibility/2006" xmlns:mv="urn:schemas-microsoft-com:mac:vml" xmlns:p="http://schemas.openxmlformats.org/presentationml/2006/main" xmlns:c="http://schemas.openxmlformats.org/drawingml/2006/chart" xmlns:dgm="http://schemas.openxmlformats.org/drawingml/2006/diagram" xmlns:o="urn:schemas-microsoft-com:office:office" xmlns:v="urn:schemas-microsoft-com:vml" xmlns:pvml="urn:schemas-microsoft-com:office:powerpoint" xmlns:com="http://schemas.openxmlformats.org/drawingml/2006/compatibility" xmlns:p14="http://schemas.microsoft.com/office/powerpoint/2010/main" xmlns:p15="http://schemas.microsoft.com/office/powerpoint/2012/main" xmlns:ahyp="http://schemas.microsoft.com/office/drawing/2018/hyperlinkcolor" showMasterPhAnim="0" showMasterSp="0">
   <p:cSld>
     <p:spTree>
       <p:nvGrpSpPr>
-        <p:cNvPr id="136" name="Shape 136"/>
+        <p:cNvPr id="137" name="Shape 137"/>
         <p:cNvGrpSpPr/>
         <p:nvPr/>
       </p:nvGrpSpPr>
@@ -1131,7 +1138,7 @@
       </p:grpSpPr>
       <p:sp>
         <p:nvSpPr>
-          <p:cNvPr id="137" name="Google Shape;137;g8721ee253b_2_14:notes"/>
+          <p:cNvPr id="138" name="Google Shape;138;g8721ee253b_1_82:notes"/>
           <p:cNvSpPr/>
           <p:nvPr>
             <p:ph idx="2" type="sldImg"/>
@@ -1166,7 +1173,7 @@
       </p:sp>
       <p:sp>
         <p:nvSpPr>
-          <p:cNvPr id="138" name="Google Shape;138;g8721ee253b_2_14:notes"/>
+          <p:cNvPr id="139" name="Google Shape;139;g8721ee253b_1_82:notes"/>
           <p:cNvSpPr txBox="1"/>
           <p:nvPr>
             <p:ph idx="1" type="body"/>
@@ -1197,7 +1204,8 @@
               <a:buNone/>
             </a:pPr>
             <a:r>
-              <a:t/>
+              <a:rPr lang="en"/>
+              <a:t>Viraaj</a:t>
             </a:r>
             <a:endParaRPr/>
           </a:p>
@@ -1212,11 +1220,11 @@
 </file>
 
 <file path=ppt/notesSlides/notesSlide14.xml><?xml version="1.0" encoding="utf-8"?>
-<p:notes xmlns:a="http://schemas.openxmlformats.org/drawingml/2006/main" xmlns:r="http://schemas.openxmlformats.org/officeDocument/2006/relationships" xmlns:mc="http://schemas.openxmlformats.org/markup-compatibility/2006" xmlns:mv="urn:schemas-microsoft-com:mac:vml" xmlns:p="http://schemas.openxmlformats.org/presentationml/2006/main" xmlns:c="http://schemas.openxmlformats.org/drawingml/2006/chart" xmlns:dgm="http://schemas.openxmlformats.org/drawingml/2006/diagram" xmlns:o="urn:schemas-microsoft-com:office:office" xmlns:v="urn:schemas-microsoft-com:vml" xmlns:pvml="urn:schemas-microsoft-com:office:powerpoint" xmlns:com="http://schemas.openxmlformats.org/drawingml/2006/compatibility" xmlns:p14="http://schemas.microsoft.com/office/powerpoint/2010/main" xmlns:p15="http://schemas.microsoft.com/office/powerpoint/2012/main" showMasterPhAnim="0" showMasterSp="0">
+<p:notes xmlns:a="http://schemas.openxmlformats.org/drawingml/2006/main" xmlns:r="http://schemas.openxmlformats.org/officeDocument/2006/relationships" xmlns:mc="http://schemas.openxmlformats.org/markup-compatibility/2006" xmlns:mv="urn:schemas-microsoft-com:mac:vml" xmlns:p="http://schemas.openxmlformats.org/presentationml/2006/main" xmlns:c="http://schemas.openxmlformats.org/drawingml/2006/chart" xmlns:dgm="http://schemas.openxmlformats.org/drawingml/2006/diagram" xmlns:o="urn:schemas-microsoft-com:office:office" xmlns:v="urn:schemas-microsoft-com:vml" xmlns:pvml="urn:schemas-microsoft-com:office:powerpoint" xmlns:com="http://schemas.openxmlformats.org/drawingml/2006/compatibility" xmlns:p14="http://schemas.microsoft.com/office/powerpoint/2010/main" xmlns:p15="http://schemas.microsoft.com/office/powerpoint/2012/main" xmlns:ahyp="http://schemas.microsoft.com/office/drawing/2018/hyperlinkcolor" showMasterPhAnim="0" showMasterSp="0">
   <p:cSld>
     <p:spTree>
       <p:nvGrpSpPr>
-        <p:cNvPr id="142" name="Shape 142"/>
+        <p:cNvPr id="143" name="Shape 143"/>
         <p:cNvGrpSpPr/>
         <p:nvPr/>
       </p:nvGrpSpPr>
@@ -1230,7 +1238,7 @@
       </p:grpSpPr>
       <p:sp>
         <p:nvSpPr>
-          <p:cNvPr id="143" name="Google Shape;143;g8721ee253b_1_67:notes"/>
+          <p:cNvPr id="144" name="Google Shape;144;g8a82b49f1f_0_2:notes"/>
           <p:cNvSpPr/>
           <p:nvPr>
             <p:ph idx="2" type="sldImg"/>
@@ -1265,7 +1273,7 @@
       </p:sp>
       <p:sp>
         <p:nvSpPr>
-          <p:cNvPr id="144" name="Google Shape;144;g8721ee253b_1_67:notes"/>
+          <p:cNvPr id="145" name="Google Shape;145;g8a82b49f1f_0_2:notes"/>
           <p:cNvSpPr txBox="1"/>
           <p:nvPr>
             <p:ph idx="1" type="body"/>
@@ -1296,7 +1304,8 @@
               <a:buNone/>
             </a:pPr>
             <a:r>
-              <a:t/>
+              <a:rPr lang="en"/>
+              <a:t>Viraaj</a:t>
             </a:r>
             <a:endParaRPr/>
           </a:p>
@@ -1311,11 +1320,11 @@
 </file>
 
 <file path=ppt/notesSlides/notesSlide15.xml><?xml version="1.0" encoding="utf-8"?>
-<p:notes xmlns:a="http://schemas.openxmlformats.org/drawingml/2006/main" xmlns:r="http://schemas.openxmlformats.org/officeDocument/2006/relationships" xmlns:mc="http://schemas.openxmlformats.org/markup-compatibility/2006" xmlns:mv="urn:schemas-microsoft-com:mac:vml" xmlns:p="http://schemas.openxmlformats.org/presentationml/2006/main" xmlns:c="http://schemas.openxmlformats.org/drawingml/2006/chart" xmlns:dgm="http://schemas.openxmlformats.org/drawingml/2006/diagram" xmlns:o="urn:schemas-microsoft-com:office:office" xmlns:v="urn:schemas-microsoft-com:vml" xmlns:pvml="urn:schemas-microsoft-com:office:powerpoint" xmlns:com="http://schemas.openxmlformats.org/drawingml/2006/compatibility" xmlns:p14="http://schemas.microsoft.com/office/powerpoint/2010/main" xmlns:p15="http://schemas.microsoft.com/office/powerpoint/2012/main" showMasterPhAnim="0" showMasterSp="0">
+<p:notes xmlns:a="http://schemas.openxmlformats.org/drawingml/2006/main" xmlns:r="http://schemas.openxmlformats.org/officeDocument/2006/relationships" xmlns:mc="http://schemas.openxmlformats.org/markup-compatibility/2006" xmlns:mv="urn:schemas-microsoft-com:mac:vml" xmlns:p="http://schemas.openxmlformats.org/presentationml/2006/main" xmlns:c="http://schemas.openxmlformats.org/drawingml/2006/chart" xmlns:dgm="http://schemas.openxmlformats.org/drawingml/2006/diagram" xmlns:o="urn:schemas-microsoft-com:office:office" xmlns:v="urn:schemas-microsoft-com:vml" xmlns:pvml="urn:schemas-microsoft-com:office:powerpoint" xmlns:com="http://schemas.openxmlformats.org/drawingml/2006/compatibility" xmlns:p14="http://schemas.microsoft.com/office/powerpoint/2010/main" xmlns:p15="http://schemas.microsoft.com/office/powerpoint/2012/main" xmlns:ahyp="http://schemas.microsoft.com/office/drawing/2018/hyperlinkcolor" showMasterPhAnim="0" showMasterSp="0">
   <p:cSld>
     <p:spTree>
       <p:nvGrpSpPr>
-        <p:cNvPr id="148" name="Shape 148"/>
+        <p:cNvPr id="149" name="Shape 149"/>
         <p:cNvGrpSpPr/>
         <p:nvPr/>
       </p:nvGrpSpPr>
@@ -1329,7 +1338,7 @@
       </p:grpSpPr>
       <p:sp>
         <p:nvSpPr>
-          <p:cNvPr id="149" name="Google Shape;149;g8647b5b1c9_0_0:notes"/>
+          <p:cNvPr id="150" name="Google Shape;150;g8721ee253b_2_14:notes"/>
           <p:cNvSpPr/>
           <p:nvPr>
             <p:ph idx="2" type="sldImg"/>
@@ -1364,7 +1373,7 @@
       </p:sp>
       <p:sp>
         <p:nvSpPr>
-          <p:cNvPr id="150" name="Google Shape;150;g8647b5b1c9_0_0:notes"/>
+          <p:cNvPr id="151" name="Google Shape;151;g8721ee253b_2_14:notes"/>
           <p:cNvSpPr txBox="1"/>
           <p:nvPr>
             <p:ph idx="1" type="body"/>
@@ -1395,7 +1404,8 @@
               <a:buNone/>
             </a:pPr>
             <a:r>
-              <a:t/>
+              <a:rPr lang="en"/>
+              <a:t>Ayaan</a:t>
             </a:r>
             <a:endParaRPr/>
           </a:p>
@@ -1410,11 +1420,11 @@
 </file>
 
 <file path=ppt/notesSlides/notesSlide16.xml><?xml version="1.0" encoding="utf-8"?>
-<p:notes xmlns:a="http://schemas.openxmlformats.org/drawingml/2006/main" xmlns:r="http://schemas.openxmlformats.org/officeDocument/2006/relationships" xmlns:mc="http://schemas.openxmlformats.org/markup-compatibility/2006" xmlns:mv="urn:schemas-microsoft-com:mac:vml" xmlns:p="http://schemas.openxmlformats.org/presentationml/2006/main" xmlns:c="http://schemas.openxmlformats.org/drawingml/2006/chart" xmlns:dgm="http://schemas.openxmlformats.org/drawingml/2006/diagram" xmlns:o="urn:schemas-microsoft-com:office:office" xmlns:v="urn:schemas-microsoft-com:vml" xmlns:pvml="urn:schemas-microsoft-com:office:powerpoint" xmlns:com="http://schemas.openxmlformats.org/drawingml/2006/compatibility" xmlns:p14="http://schemas.microsoft.com/office/powerpoint/2010/main" xmlns:p15="http://schemas.microsoft.com/office/powerpoint/2012/main" showMasterPhAnim="0" showMasterSp="0">
+<p:notes xmlns:a="http://schemas.openxmlformats.org/drawingml/2006/main" xmlns:r="http://schemas.openxmlformats.org/officeDocument/2006/relationships" xmlns:mc="http://schemas.openxmlformats.org/markup-compatibility/2006" xmlns:mv="urn:schemas-microsoft-com:mac:vml" xmlns:p="http://schemas.openxmlformats.org/presentationml/2006/main" xmlns:c="http://schemas.openxmlformats.org/drawingml/2006/chart" xmlns:dgm="http://schemas.openxmlformats.org/drawingml/2006/diagram" xmlns:o="urn:schemas-microsoft-com:office:office" xmlns:v="urn:schemas-microsoft-com:vml" xmlns:pvml="urn:schemas-microsoft-com:office:powerpoint" xmlns:com="http://schemas.openxmlformats.org/drawingml/2006/compatibility" xmlns:p14="http://schemas.microsoft.com/office/powerpoint/2010/main" xmlns:p15="http://schemas.microsoft.com/office/powerpoint/2012/main" xmlns:ahyp="http://schemas.microsoft.com/office/drawing/2018/hyperlinkcolor" showMasterPhAnim="0" showMasterSp="0">
   <p:cSld>
     <p:spTree>
       <p:nvGrpSpPr>
-        <p:cNvPr id="154" name="Shape 154"/>
+        <p:cNvPr id="155" name="Shape 155"/>
         <p:cNvGrpSpPr/>
         <p:nvPr/>
       </p:nvGrpSpPr>
@@ -1428,7 +1438,7 @@
       </p:grpSpPr>
       <p:sp>
         <p:nvSpPr>
-          <p:cNvPr id="155" name="Google Shape;155;g8721ee253b_0_80:notes"/>
+          <p:cNvPr id="156" name="Google Shape;156;g8721ee253b_1_67:notes"/>
           <p:cNvSpPr/>
           <p:nvPr>
             <p:ph idx="2" type="sldImg"/>
@@ -1463,7 +1473,7 @@
       </p:sp>
       <p:sp>
         <p:nvSpPr>
-          <p:cNvPr id="156" name="Google Shape;156;g8721ee253b_0_80:notes"/>
+          <p:cNvPr id="157" name="Google Shape;157;g8721ee253b_1_67:notes"/>
           <p:cNvSpPr txBox="1"/>
           <p:nvPr>
             <p:ph idx="1" type="body"/>
@@ -1494,7 +1504,8 @@
               <a:buNone/>
             </a:pPr>
             <a:r>
-              <a:t/>
+              <a:rPr lang="en"/>
+              <a:t>Ayaan</a:t>
             </a:r>
             <a:endParaRPr/>
           </a:p>
@@ -1509,11 +1520,11 @@
 </file>
 
 <file path=ppt/notesSlides/notesSlide17.xml><?xml version="1.0" encoding="utf-8"?>
-<p:notes xmlns:a="http://schemas.openxmlformats.org/drawingml/2006/main" xmlns:r="http://schemas.openxmlformats.org/officeDocument/2006/relationships" xmlns:mc="http://schemas.openxmlformats.org/markup-compatibility/2006" xmlns:mv="urn:schemas-microsoft-com:mac:vml" xmlns:p="http://schemas.openxmlformats.org/presentationml/2006/main" xmlns:c="http://schemas.openxmlformats.org/drawingml/2006/chart" xmlns:dgm="http://schemas.openxmlformats.org/drawingml/2006/diagram" xmlns:o="urn:schemas-microsoft-com:office:office" xmlns:v="urn:schemas-microsoft-com:vml" xmlns:pvml="urn:schemas-microsoft-com:office:powerpoint" xmlns:com="http://schemas.openxmlformats.org/drawingml/2006/compatibility" xmlns:p14="http://schemas.microsoft.com/office/powerpoint/2010/main" xmlns:p15="http://schemas.microsoft.com/office/powerpoint/2012/main" showMasterPhAnim="0" showMasterSp="0">
+<p:notes xmlns:a="http://schemas.openxmlformats.org/drawingml/2006/main" xmlns:r="http://schemas.openxmlformats.org/officeDocument/2006/relationships" xmlns:mc="http://schemas.openxmlformats.org/markup-compatibility/2006" xmlns:mv="urn:schemas-microsoft-com:mac:vml" xmlns:p="http://schemas.openxmlformats.org/presentationml/2006/main" xmlns:c="http://schemas.openxmlformats.org/drawingml/2006/chart" xmlns:dgm="http://schemas.openxmlformats.org/drawingml/2006/diagram" xmlns:o="urn:schemas-microsoft-com:office:office" xmlns:v="urn:schemas-microsoft-com:vml" xmlns:pvml="urn:schemas-microsoft-com:office:powerpoint" xmlns:com="http://schemas.openxmlformats.org/drawingml/2006/compatibility" xmlns:p14="http://schemas.microsoft.com/office/powerpoint/2010/main" xmlns:p15="http://schemas.microsoft.com/office/powerpoint/2012/main" xmlns:ahyp="http://schemas.microsoft.com/office/drawing/2018/hyperlinkcolor" showMasterPhAnim="0" showMasterSp="0">
   <p:cSld>
     <p:spTree>
       <p:nvGrpSpPr>
-        <p:cNvPr id="160" name="Shape 160"/>
+        <p:cNvPr id="162" name="Shape 162"/>
         <p:cNvGrpSpPr/>
         <p:nvPr/>
       </p:nvGrpSpPr>
@@ -1527,7 +1538,7 @@
       </p:grpSpPr>
       <p:sp>
         <p:nvSpPr>
-          <p:cNvPr id="161" name="Google Shape;161;g8721ee253b_2_9:notes"/>
+          <p:cNvPr id="163" name="Google Shape;163;g8647b5b1c9_0_0:notes"/>
           <p:cNvSpPr/>
           <p:nvPr>
             <p:ph idx="2" type="sldImg"/>
@@ -1562,7 +1573,7 @@
       </p:sp>
       <p:sp>
         <p:nvSpPr>
-          <p:cNvPr id="162" name="Google Shape;162;g8721ee253b_2_9:notes"/>
+          <p:cNvPr id="164" name="Google Shape;164;g8647b5b1c9_0_0:notes"/>
           <p:cNvSpPr txBox="1"/>
           <p:nvPr>
             <p:ph idx="1" type="body"/>
@@ -1593,7 +1604,208 @@
               <a:buNone/>
             </a:pPr>
             <a:r>
-              <a:t/>
+              <a:rPr lang="en"/>
+              <a:t>Ayaan</a:t>
+            </a:r>
+            <a:endParaRPr/>
+          </a:p>
+        </p:txBody>
+      </p:sp>
+    </p:spTree>
+  </p:cSld>
+  <p:clrMapOvr>
+    <a:masterClrMapping/>
+  </p:clrMapOvr>
+</p:notes>
+</file>
+
+<file path=ppt/notesSlides/notesSlide18.xml><?xml version="1.0" encoding="utf-8"?>
+<p:notes xmlns:a="http://schemas.openxmlformats.org/drawingml/2006/main" xmlns:r="http://schemas.openxmlformats.org/officeDocument/2006/relationships" xmlns:mc="http://schemas.openxmlformats.org/markup-compatibility/2006" xmlns:mv="urn:schemas-microsoft-com:mac:vml" xmlns:p="http://schemas.openxmlformats.org/presentationml/2006/main" xmlns:c="http://schemas.openxmlformats.org/drawingml/2006/chart" xmlns:dgm="http://schemas.openxmlformats.org/drawingml/2006/diagram" xmlns:o="urn:schemas-microsoft-com:office:office" xmlns:v="urn:schemas-microsoft-com:vml" xmlns:pvml="urn:schemas-microsoft-com:office:powerpoint" xmlns:com="http://schemas.openxmlformats.org/drawingml/2006/compatibility" xmlns:p14="http://schemas.microsoft.com/office/powerpoint/2010/main" xmlns:p15="http://schemas.microsoft.com/office/powerpoint/2012/main" xmlns:ahyp="http://schemas.microsoft.com/office/drawing/2018/hyperlinkcolor" showMasterPhAnim="0" showMasterSp="0">
+  <p:cSld>
+    <p:spTree>
+      <p:nvGrpSpPr>
+        <p:cNvPr id="168" name="Shape 168"/>
+        <p:cNvGrpSpPr/>
+        <p:nvPr/>
+      </p:nvGrpSpPr>
+      <p:grpSpPr>
+        <a:xfrm>
+          <a:off x="0" y="0"/>
+          <a:ext cx="0" cy="0"/>
+          <a:chOff x="0" y="0"/>
+          <a:chExt cx="0" cy="0"/>
+        </a:xfrm>
+      </p:grpSpPr>
+      <p:sp>
+        <p:nvSpPr>
+          <p:cNvPr id="169" name="Google Shape;169;g8aa5b70fab_1_0:notes"/>
+          <p:cNvSpPr/>
+          <p:nvPr>
+            <p:ph idx="2" type="sldImg"/>
+          </p:nvPr>
+        </p:nvSpPr>
+        <p:spPr>
+          <a:xfrm>
+            <a:off x="381300" y="685800"/>
+            <a:ext cx="6096000" cy="3429000"/>
+          </a:xfrm>
+          <a:custGeom>
+            <a:rect b="b" l="l" r="r" t="t"/>
+            <a:pathLst>
+              <a:path extrusionOk="0" h="120000" w="120000">
+                <a:moveTo>
+                  <a:pt x="0" y="0"/>
+                </a:moveTo>
+                <a:lnTo>
+                  <a:pt x="120000" y="0"/>
+                </a:lnTo>
+                <a:lnTo>
+                  <a:pt x="120000" y="120000"/>
+                </a:lnTo>
+                <a:lnTo>
+                  <a:pt x="0" y="120000"/>
+                </a:lnTo>
+                <a:close/>
+              </a:path>
+            </a:pathLst>
+          </a:custGeom>
+        </p:spPr>
+      </p:sp>
+      <p:sp>
+        <p:nvSpPr>
+          <p:cNvPr id="170" name="Google Shape;170;g8aa5b70fab_1_0:notes"/>
+          <p:cNvSpPr txBox="1"/>
+          <p:nvPr>
+            <p:ph idx="1" type="body"/>
+          </p:nvPr>
+        </p:nvSpPr>
+        <p:spPr>
+          <a:xfrm>
+            <a:off x="685800" y="4343400"/>
+            <a:ext cx="5486400" cy="4114800"/>
+          </a:xfrm>
+          <a:prstGeom prst="rect">
+            <a:avLst/>
+          </a:prstGeom>
+        </p:spPr>
+        <p:txBody>
+          <a:bodyPr anchorCtr="0" anchor="t" bIns="91425" lIns="91425" spcFirstLastPara="1" rIns="91425" wrap="square" tIns="91425">
+            <a:noAutofit/>
+          </a:bodyPr>
+          <a:lstStyle/>
+          <a:p>
+            <a:pPr indent="0" lvl="0" marL="0" rtl="0" algn="l">
+              <a:spcBef>
+                <a:spcPts val="0"/>
+              </a:spcBef>
+              <a:spcAft>
+                <a:spcPts val="0"/>
+              </a:spcAft>
+              <a:buNone/>
+            </a:pPr>
+            <a:r>
+              <a:rPr lang="en"/>
+              <a:t>Viraaj</a:t>
+            </a:r>
+            <a:endParaRPr/>
+          </a:p>
+        </p:txBody>
+      </p:sp>
+    </p:spTree>
+  </p:cSld>
+  <p:clrMapOvr>
+    <a:masterClrMapping/>
+  </p:clrMapOvr>
+</p:notes>
+</file>
+
+<file path=ppt/notesSlides/notesSlide19.xml><?xml version="1.0" encoding="utf-8"?>
+<p:notes xmlns:a="http://schemas.openxmlformats.org/drawingml/2006/main" xmlns:r="http://schemas.openxmlformats.org/officeDocument/2006/relationships" xmlns:mc="http://schemas.openxmlformats.org/markup-compatibility/2006" xmlns:mv="urn:schemas-microsoft-com:mac:vml" xmlns:p="http://schemas.openxmlformats.org/presentationml/2006/main" xmlns:c="http://schemas.openxmlformats.org/drawingml/2006/chart" xmlns:dgm="http://schemas.openxmlformats.org/drawingml/2006/diagram" xmlns:o="urn:schemas-microsoft-com:office:office" xmlns:v="urn:schemas-microsoft-com:vml" xmlns:pvml="urn:schemas-microsoft-com:office:powerpoint" xmlns:com="http://schemas.openxmlformats.org/drawingml/2006/compatibility" xmlns:p14="http://schemas.microsoft.com/office/powerpoint/2010/main" xmlns:p15="http://schemas.microsoft.com/office/powerpoint/2012/main" xmlns:ahyp="http://schemas.microsoft.com/office/drawing/2018/hyperlinkcolor" showMasterPhAnim="0" showMasterSp="0">
+  <p:cSld>
+    <p:spTree>
+      <p:nvGrpSpPr>
+        <p:cNvPr id="174" name="Shape 174"/>
+        <p:cNvGrpSpPr/>
+        <p:nvPr/>
+      </p:nvGrpSpPr>
+      <p:grpSpPr>
+        <a:xfrm>
+          <a:off x="0" y="0"/>
+          <a:ext cx="0" cy="0"/>
+          <a:chOff x="0" y="0"/>
+          <a:chExt cx="0" cy="0"/>
+        </a:xfrm>
+      </p:grpSpPr>
+      <p:sp>
+        <p:nvSpPr>
+          <p:cNvPr id="175" name="Google Shape;175;g8721ee253b_0_80:notes"/>
+          <p:cNvSpPr/>
+          <p:nvPr>
+            <p:ph idx="2" type="sldImg"/>
+          </p:nvPr>
+        </p:nvSpPr>
+        <p:spPr>
+          <a:xfrm>
+            <a:off x="381300" y="685800"/>
+            <a:ext cx="6096000" cy="3429000"/>
+          </a:xfrm>
+          <a:custGeom>
+            <a:rect b="b" l="l" r="r" t="t"/>
+            <a:pathLst>
+              <a:path extrusionOk="0" h="120000" w="120000">
+                <a:moveTo>
+                  <a:pt x="0" y="0"/>
+                </a:moveTo>
+                <a:lnTo>
+                  <a:pt x="120000" y="0"/>
+                </a:lnTo>
+                <a:lnTo>
+                  <a:pt x="120000" y="120000"/>
+                </a:lnTo>
+                <a:lnTo>
+                  <a:pt x="0" y="120000"/>
+                </a:lnTo>
+                <a:close/>
+              </a:path>
+            </a:pathLst>
+          </a:custGeom>
+        </p:spPr>
+      </p:sp>
+      <p:sp>
+        <p:nvSpPr>
+          <p:cNvPr id="176" name="Google Shape;176;g8721ee253b_0_80:notes"/>
+          <p:cNvSpPr txBox="1"/>
+          <p:nvPr>
+            <p:ph idx="1" type="body"/>
+          </p:nvPr>
+        </p:nvSpPr>
+        <p:spPr>
+          <a:xfrm>
+            <a:off x="685800" y="4343400"/>
+            <a:ext cx="5486400" cy="4114800"/>
+          </a:xfrm>
+          <a:prstGeom prst="rect">
+            <a:avLst/>
+          </a:prstGeom>
+        </p:spPr>
+        <p:txBody>
+          <a:bodyPr anchorCtr="0" anchor="t" bIns="91425" lIns="91425" spcFirstLastPara="1" rIns="91425" wrap="square" tIns="91425">
+            <a:noAutofit/>
+          </a:bodyPr>
+          <a:lstStyle/>
+          <a:p>
+            <a:pPr indent="0" lvl="0" marL="0" rtl="0" algn="l">
+              <a:spcBef>
+                <a:spcPts val="0"/>
+              </a:spcBef>
+              <a:spcAft>
+                <a:spcPts val="0"/>
+              </a:spcAft>
+              <a:buNone/>
+            </a:pPr>
+            <a:r>
+              <a:rPr lang="en"/>
+              <a:t>Ayaan</a:t>
             </a:r>
             <a:endParaRPr/>
           </a:p>
@@ -1608,7 +1820,7 @@
 </file>
 
 <file path=ppt/notesSlides/notesSlide2.xml><?xml version="1.0" encoding="utf-8"?>
-<p:notes xmlns:a="http://schemas.openxmlformats.org/drawingml/2006/main" xmlns:r="http://schemas.openxmlformats.org/officeDocument/2006/relationships" xmlns:mc="http://schemas.openxmlformats.org/markup-compatibility/2006" xmlns:mv="urn:schemas-microsoft-com:mac:vml" xmlns:p="http://schemas.openxmlformats.org/presentationml/2006/main" xmlns:c="http://schemas.openxmlformats.org/drawingml/2006/chart" xmlns:dgm="http://schemas.openxmlformats.org/drawingml/2006/diagram" xmlns:o="urn:schemas-microsoft-com:office:office" xmlns:v="urn:schemas-microsoft-com:vml" xmlns:pvml="urn:schemas-microsoft-com:office:powerpoint" xmlns:com="http://schemas.openxmlformats.org/drawingml/2006/compatibility" xmlns:p14="http://schemas.microsoft.com/office/powerpoint/2010/main" xmlns:p15="http://schemas.microsoft.com/office/powerpoint/2012/main" showMasterPhAnim="0" showMasterSp="0">
+<p:notes xmlns:a="http://schemas.openxmlformats.org/drawingml/2006/main" xmlns:r="http://schemas.openxmlformats.org/officeDocument/2006/relationships" xmlns:mc="http://schemas.openxmlformats.org/markup-compatibility/2006" xmlns:mv="urn:schemas-microsoft-com:mac:vml" xmlns:p="http://schemas.openxmlformats.org/presentationml/2006/main" xmlns:c="http://schemas.openxmlformats.org/drawingml/2006/chart" xmlns:dgm="http://schemas.openxmlformats.org/drawingml/2006/diagram" xmlns:o="urn:schemas-microsoft-com:office:office" xmlns:v="urn:schemas-microsoft-com:vml" xmlns:pvml="urn:schemas-microsoft-com:office:powerpoint" xmlns:com="http://schemas.openxmlformats.org/drawingml/2006/compatibility" xmlns:p14="http://schemas.microsoft.com/office/powerpoint/2010/main" xmlns:p15="http://schemas.microsoft.com/office/powerpoint/2012/main" xmlns:ahyp="http://schemas.microsoft.com/office/drawing/2018/hyperlinkcolor" showMasterPhAnim="0" showMasterSp="0">
   <p:cSld>
     <p:spTree>
       <p:nvGrpSpPr>
@@ -1692,7 +1904,8 @@
               <a:buNone/>
             </a:pPr>
             <a:r>
-              <a:t/>
+              <a:rPr lang="en"/>
+              <a:t>Ayaan</a:t>
             </a:r>
             <a:endParaRPr/>
           </a:p>
@@ -1706,12 +1919,12 @@
 </p:notes>
 </file>
 
-<file path=ppt/notesSlides/notesSlide3.xml><?xml version="1.0" encoding="utf-8"?>
-<p:notes xmlns:a="http://schemas.openxmlformats.org/drawingml/2006/main" xmlns:r="http://schemas.openxmlformats.org/officeDocument/2006/relationships" xmlns:mc="http://schemas.openxmlformats.org/markup-compatibility/2006" xmlns:mv="urn:schemas-microsoft-com:mac:vml" xmlns:p="http://schemas.openxmlformats.org/presentationml/2006/main" xmlns:c="http://schemas.openxmlformats.org/drawingml/2006/chart" xmlns:dgm="http://schemas.openxmlformats.org/drawingml/2006/diagram" xmlns:o="urn:schemas-microsoft-com:office:office" xmlns:v="urn:schemas-microsoft-com:vml" xmlns:pvml="urn:schemas-microsoft-com:office:powerpoint" xmlns:com="http://schemas.openxmlformats.org/drawingml/2006/compatibility" xmlns:p14="http://schemas.microsoft.com/office/powerpoint/2010/main" xmlns:p15="http://schemas.microsoft.com/office/powerpoint/2012/main" showMasterPhAnim="0" showMasterSp="0">
+<file path=ppt/notesSlides/notesSlide20.xml><?xml version="1.0" encoding="utf-8"?>
+<p:notes xmlns:a="http://schemas.openxmlformats.org/drawingml/2006/main" xmlns:r="http://schemas.openxmlformats.org/officeDocument/2006/relationships" xmlns:mc="http://schemas.openxmlformats.org/markup-compatibility/2006" xmlns:mv="urn:schemas-microsoft-com:mac:vml" xmlns:p="http://schemas.openxmlformats.org/presentationml/2006/main" xmlns:c="http://schemas.openxmlformats.org/drawingml/2006/chart" xmlns:dgm="http://schemas.openxmlformats.org/drawingml/2006/diagram" xmlns:o="urn:schemas-microsoft-com:office:office" xmlns:v="urn:schemas-microsoft-com:vml" xmlns:pvml="urn:schemas-microsoft-com:office:powerpoint" xmlns:com="http://schemas.openxmlformats.org/drawingml/2006/compatibility" xmlns:p14="http://schemas.microsoft.com/office/powerpoint/2010/main" xmlns:p15="http://schemas.microsoft.com/office/powerpoint/2012/main" xmlns:ahyp="http://schemas.microsoft.com/office/drawing/2018/hyperlinkcolor" showMasterPhAnim="0" showMasterSp="0">
   <p:cSld>
     <p:spTree>
       <p:nvGrpSpPr>
-        <p:cNvPr id="75" name="Shape 75"/>
+        <p:cNvPr id="180" name="Shape 180"/>
         <p:cNvGrpSpPr/>
         <p:nvPr/>
       </p:nvGrpSpPr>
@@ -1725,7 +1938,7 @@
       </p:grpSpPr>
       <p:sp>
         <p:nvSpPr>
-          <p:cNvPr id="76" name="Google Shape;76;g8721ee253b_0_85:notes"/>
+          <p:cNvPr id="181" name="Google Shape;181;g8721ee253b_2_9:notes"/>
           <p:cNvSpPr/>
           <p:nvPr>
             <p:ph idx="2" type="sldImg"/>
@@ -1760,7 +1973,7 @@
       </p:sp>
       <p:sp>
         <p:nvSpPr>
-          <p:cNvPr id="77" name="Google Shape;77;g8721ee253b_0_85:notes"/>
+          <p:cNvPr id="182" name="Google Shape;182;g8721ee253b_2_9:notes"/>
           <p:cNvSpPr txBox="1"/>
           <p:nvPr>
             <p:ph idx="1" type="body"/>
@@ -1791,7 +2004,8 @@
               <a:buNone/>
             </a:pPr>
             <a:r>
-              <a:t/>
+              <a:rPr lang="en"/>
+              <a:t>Ayaan/Viraaj</a:t>
             </a:r>
             <a:endParaRPr/>
           </a:p>
@@ -1805,12 +2019,12 @@
 </p:notes>
 </file>
 
-<file path=ppt/notesSlides/notesSlide4.xml><?xml version="1.0" encoding="utf-8"?>
-<p:notes xmlns:a="http://schemas.openxmlformats.org/drawingml/2006/main" xmlns:r="http://schemas.openxmlformats.org/officeDocument/2006/relationships" xmlns:mc="http://schemas.openxmlformats.org/markup-compatibility/2006" xmlns:mv="urn:schemas-microsoft-com:mac:vml" xmlns:p="http://schemas.openxmlformats.org/presentationml/2006/main" xmlns:c="http://schemas.openxmlformats.org/drawingml/2006/chart" xmlns:dgm="http://schemas.openxmlformats.org/drawingml/2006/diagram" xmlns:o="urn:schemas-microsoft-com:office:office" xmlns:v="urn:schemas-microsoft-com:vml" xmlns:pvml="urn:schemas-microsoft-com:office:powerpoint" xmlns:com="http://schemas.openxmlformats.org/drawingml/2006/compatibility" xmlns:p14="http://schemas.microsoft.com/office/powerpoint/2010/main" xmlns:p15="http://schemas.microsoft.com/office/powerpoint/2012/main" showMasterPhAnim="0" showMasterSp="0">
+<file path=ppt/notesSlides/notesSlide3.xml><?xml version="1.0" encoding="utf-8"?>
+<p:notes xmlns:a="http://schemas.openxmlformats.org/drawingml/2006/main" xmlns:r="http://schemas.openxmlformats.org/officeDocument/2006/relationships" xmlns:mc="http://schemas.openxmlformats.org/markup-compatibility/2006" xmlns:mv="urn:schemas-microsoft-com:mac:vml" xmlns:p="http://schemas.openxmlformats.org/presentationml/2006/main" xmlns:c="http://schemas.openxmlformats.org/drawingml/2006/chart" xmlns:dgm="http://schemas.openxmlformats.org/drawingml/2006/diagram" xmlns:o="urn:schemas-microsoft-com:office:office" xmlns:v="urn:schemas-microsoft-com:vml" xmlns:pvml="urn:schemas-microsoft-com:office:powerpoint" xmlns:com="http://schemas.openxmlformats.org/drawingml/2006/compatibility" xmlns:p14="http://schemas.microsoft.com/office/powerpoint/2010/main" xmlns:p15="http://schemas.microsoft.com/office/powerpoint/2012/main" xmlns:ahyp="http://schemas.microsoft.com/office/drawing/2018/hyperlinkcolor" showMasterPhAnim="0" showMasterSp="0">
   <p:cSld>
     <p:spTree>
       <p:nvGrpSpPr>
-        <p:cNvPr id="80" name="Shape 80"/>
+        <p:cNvPr id="76" name="Shape 76"/>
         <p:cNvGrpSpPr/>
         <p:nvPr/>
       </p:nvGrpSpPr>
@@ -1824,7 +2038,7 @@
       </p:grpSpPr>
       <p:sp>
         <p:nvSpPr>
-          <p:cNvPr id="81" name="Google Shape;81;g8721ee253b_1_5:notes"/>
+          <p:cNvPr id="77" name="Google Shape;77;g8721ee253b_0_85:notes"/>
           <p:cNvSpPr/>
           <p:nvPr>
             <p:ph idx="2" type="sldImg"/>
@@ -1859,7 +2073,7 @@
       </p:sp>
       <p:sp>
         <p:nvSpPr>
-          <p:cNvPr id="82" name="Google Shape;82;g8721ee253b_1_5:notes"/>
+          <p:cNvPr id="78" name="Google Shape;78;g8721ee253b_0_85:notes"/>
           <p:cNvSpPr txBox="1"/>
           <p:nvPr>
             <p:ph idx="1" type="body"/>
@@ -1890,7 +2104,8 @@
               <a:buNone/>
             </a:pPr>
             <a:r>
-              <a:t/>
+              <a:rPr lang="en"/>
+              <a:t>Ayaan</a:t>
             </a:r>
             <a:endParaRPr/>
           </a:p>
@@ -1904,12 +2119,12 @@
 </p:notes>
 </file>
 
-<file path=ppt/notesSlides/notesSlide5.xml><?xml version="1.0" encoding="utf-8"?>
-<p:notes xmlns:a="http://schemas.openxmlformats.org/drawingml/2006/main" xmlns:r="http://schemas.openxmlformats.org/officeDocument/2006/relationships" xmlns:mc="http://schemas.openxmlformats.org/markup-compatibility/2006" xmlns:mv="urn:schemas-microsoft-com:mac:vml" xmlns:p="http://schemas.openxmlformats.org/presentationml/2006/main" xmlns:c="http://schemas.openxmlformats.org/drawingml/2006/chart" xmlns:dgm="http://schemas.openxmlformats.org/drawingml/2006/diagram" xmlns:o="urn:schemas-microsoft-com:office:office" xmlns:v="urn:schemas-microsoft-com:vml" xmlns:pvml="urn:schemas-microsoft-com:office:powerpoint" xmlns:com="http://schemas.openxmlformats.org/drawingml/2006/compatibility" xmlns:p14="http://schemas.microsoft.com/office/powerpoint/2010/main" xmlns:p15="http://schemas.microsoft.com/office/powerpoint/2012/main" showMasterPhAnim="0" showMasterSp="0">
+<file path=ppt/notesSlides/notesSlide4.xml><?xml version="1.0" encoding="utf-8"?>
+<p:notes xmlns:a="http://schemas.openxmlformats.org/drawingml/2006/main" xmlns:r="http://schemas.openxmlformats.org/officeDocument/2006/relationships" xmlns:mc="http://schemas.openxmlformats.org/markup-compatibility/2006" xmlns:mv="urn:schemas-microsoft-com:mac:vml" xmlns:p="http://schemas.openxmlformats.org/presentationml/2006/main" xmlns:c="http://schemas.openxmlformats.org/drawingml/2006/chart" xmlns:dgm="http://schemas.openxmlformats.org/drawingml/2006/diagram" xmlns:o="urn:schemas-microsoft-com:office:office" xmlns:v="urn:schemas-microsoft-com:vml" xmlns:pvml="urn:schemas-microsoft-com:office:powerpoint" xmlns:com="http://schemas.openxmlformats.org/drawingml/2006/compatibility" xmlns:p14="http://schemas.microsoft.com/office/powerpoint/2010/main" xmlns:p15="http://schemas.microsoft.com/office/powerpoint/2012/main" xmlns:ahyp="http://schemas.microsoft.com/office/drawing/2018/hyperlinkcolor" showMasterPhAnim="0" showMasterSp="0">
   <p:cSld>
     <p:spTree>
       <p:nvGrpSpPr>
-        <p:cNvPr id="86" name="Shape 86"/>
+        <p:cNvPr id="81" name="Shape 81"/>
         <p:cNvGrpSpPr/>
         <p:nvPr/>
       </p:nvGrpSpPr>
@@ -1923,7 +2138,7 @@
       </p:grpSpPr>
       <p:sp>
         <p:nvSpPr>
-          <p:cNvPr id="87" name="Google Shape;87;g8721ee253b_1_0:notes"/>
+          <p:cNvPr id="82" name="Google Shape;82;g8aa5b70fab_1_5:notes"/>
           <p:cNvSpPr/>
           <p:nvPr>
             <p:ph idx="2" type="sldImg"/>
@@ -1958,7 +2173,7 @@
       </p:sp>
       <p:sp>
         <p:nvSpPr>
-          <p:cNvPr id="88" name="Google Shape;88;g8721ee253b_1_0:notes"/>
+          <p:cNvPr id="83" name="Google Shape;83;g8aa5b70fab_1_5:notes"/>
           <p:cNvSpPr txBox="1"/>
           <p:nvPr>
             <p:ph idx="1" type="body"/>
@@ -1989,7 +2204,8 @@
               <a:buNone/>
             </a:pPr>
             <a:r>
-              <a:t/>
+              <a:rPr lang="en"/>
+              <a:t>Viraaj</a:t>
             </a:r>
             <a:endParaRPr/>
           </a:p>
@@ -2003,12 +2219,12 @@
 </p:notes>
 </file>
 
-<file path=ppt/notesSlides/notesSlide6.xml><?xml version="1.0" encoding="utf-8"?>
-<p:notes xmlns:a="http://schemas.openxmlformats.org/drawingml/2006/main" xmlns:r="http://schemas.openxmlformats.org/officeDocument/2006/relationships" xmlns:mc="http://schemas.openxmlformats.org/markup-compatibility/2006" xmlns:mv="urn:schemas-microsoft-com:mac:vml" xmlns:p="http://schemas.openxmlformats.org/presentationml/2006/main" xmlns:c="http://schemas.openxmlformats.org/drawingml/2006/chart" xmlns:dgm="http://schemas.openxmlformats.org/drawingml/2006/diagram" xmlns:o="urn:schemas-microsoft-com:office:office" xmlns:v="urn:schemas-microsoft-com:vml" xmlns:pvml="urn:schemas-microsoft-com:office:powerpoint" xmlns:com="http://schemas.openxmlformats.org/drawingml/2006/compatibility" xmlns:p14="http://schemas.microsoft.com/office/powerpoint/2010/main" xmlns:p15="http://schemas.microsoft.com/office/powerpoint/2012/main" showMasterPhAnim="0" showMasterSp="0">
+<file path=ppt/notesSlides/notesSlide5.xml><?xml version="1.0" encoding="utf-8"?>
+<p:notes xmlns:a="http://schemas.openxmlformats.org/drawingml/2006/main" xmlns:r="http://schemas.openxmlformats.org/officeDocument/2006/relationships" xmlns:mc="http://schemas.openxmlformats.org/markup-compatibility/2006" xmlns:mv="urn:schemas-microsoft-com:mac:vml" xmlns:p="http://schemas.openxmlformats.org/presentationml/2006/main" xmlns:c="http://schemas.openxmlformats.org/drawingml/2006/chart" xmlns:dgm="http://schemas.openxmlformats.org/drawingml/2006/diagram" xmlns:o="urn:schemas-microsoft-com:office:office" xmlns:v="urn:schemas-microsoft-com:vml" xmlns:pvml="urn:schemas-microsoft-com:office:powerpoint" xmlns:com="http://schemas.openxmlformats.org/drawingml/2006/compatibility" xmlns:p14="http://schemas.microsoft.com/office/powerpoint/2010/main" xmlns:p15="http://schemas.microsoft.com/office/powerpoint/2012/main" xmlns:ahyp="http://schemas.microsoft.com/office/drawing/2018/hyperlinkcolor" showMasterPhAnim="0" showMasterSp="0">
   <p:cSld>
     <p:spTree>
       <p:nvGrpSpPr>
-        <p:cNvPr id="92" name="Shape 92"/>
+        <p:cNvPr id="87" name="Shape 87"/>
         <p:cNvGrpSpPr/>
         <p:nvPr/>
       </p:nvGrpSpPr>
@@ -2022,7 +2238,7 @@
       </p:grpSpPr>
       <p:sp>
         <p:nvSpPr>
-          <p:cNvPr id="93" name="Google Shape;93;g8721ee253b_1_10:notes"/>
+          <p:cNvPr id="88" name="Google Shape;88;g8721ee253b_1_5:notes"/>
           <p:cNvSpPr/>
           <p:nvPr>
             <p:ph idx="2" type="sldImg"/>
@@ -2057,7 +2273,7 @@
       </p:sp>
       <p:sp>
         <p:nvSpPr>
-          <p:cNvPr id="94" name="Google Shape;94;g8721ee253b_1_10:notes"/>
+          <p:cNvPr id="89" name="Google Shape;89;g8721ee253b_1_5:notes"/>
           <p:cNvSpPr txBox="1"/>
           <p:nvPr>
             <p:ph idx="1" type="body"/>
@@ -2088,7 +2304,8 @@
               <a:buNone/>
             </a:pPr>
             <a:r>
-              <a:t/>
+              <a:rPr lang="en"/>
+              <a:t>Viraaj</a:t>
             </a:r>
             <a:endParaRPr/>
           </a:p>
@@ -2102,12 +2319,12 @@
 </p:notes>
 </file>
 
-<file path=ppt/notesSlides/notesSlide7.xml><?xml version="1.0" encoding="utf-8"?>
-<p:notes xmlns:a="http://schemas.openxmlformats.org/drawingml/2006/main" xmlns:r="http://schemas.openxmlformats.org/officeDocument/2006/relationships" xmlns:mc="http://schemas.openxmlformats.org/markup-compatibility/2006" xmlns:mv="urn:schemas-microsoft-com:mac:vml" xmlns:p="http://schemas.openxmlformats.org/presentationml/2006/main" xmlns:c="http://schemas.openxmlformats.org/drawingml/2006/chart" xmlns:dgm="http://schemas.openxmlformats.org/drawingml/2006/diagram" xmlns:o="urn:schemas-microsoft-com:office:office" xmlns:v="urn:schemas-microsoft-com:vml" xmlns:pvml="urn:schemas-microsoft-com:office:powerpoint" xmlns:com="http://schemas.openxmlformats.org/drawingml/2006/compatibility" xmlns:p14="http://schemas.microsoft.com/office/powerpoint/2010/main" xmlns:p15="http://schemas.microsoft.com/office/powerpoint/2012/main" showMasterPhAnim="0" showMasterSp="0">
+<file path=ppt/notesSlides/notesSlide6.xml><?xml version="1.0" encoding="utf-8"?>
+<p:notes xmlns:a="http://schemas.openxmlformats.org/drawingml/2006/main" xmlns:r="http://schemas.openxmlformats.org/officeDocument/2006/relationships" xmlns:mc="http://schemas.openxmlformats.org/markup-compatibility/2006" xmlns:mv="urn:schemas-microsoft-com:mac:vml" xmlns:p="http://schemas.openxmlformats.org/presentationml/2006/main" xmlns:c="http://schemas.openxmlformats.org/drawingml/2006/chart" xmlns:dgm="http://schemas.openxmlformats.org/drawingml/2006/diagram" xmlns:o="urn:schemas-microsoft-com:office:office" xmlns:v="urn:schemas-microsoft-com:vml" xmlns:pvml="urn:schemas-microsoft-com:office:powerpoint" xmlns:com="http://schemas.openxmlformats.org/drawingml/2006/compatibility" xmlns:p14="http://schemas.microsoft.com/office/powerpoint/2010/main" xmlns:p15="http://schemas.microsoft.com/office/powerpoint/2012/main" xmlns:ahyp="http://schemas.microsoft.com/office/drawing/2018/hyperlinkcolor" showMasterPhAnim="0" showMasterSp="0">
   <p:cSld>
     <p:spTree>
       <p:nvGrpSpPr>
-        <p:cNvPr id="98" name="Shape 98"/>
+        <p:cNvPr id="93" name="Shape 93"/>
         <p:cNvGrpSpPr/>
         <p:nvPr/>
       </p:nvGrpSpPr>
@@ -2121,7 +2338,7 @@
       </p:grpSpPr>
       <p:sp>
         <p:nvSpPr>
-          <p:cNvPr id="99" name="Google Shape;99;g8721ee253b_0_73:notes"/>
+          <p:cNvPr id="94" name="Google Shape;94;g8721ee253b_1_0:notes"/>
           <p:cNvSpPr/>
           <p:nvPr>
             <p:ph idx="2" type="sldImg"/>
@@ -2156,7 +2373,7 @@
       </p:sp>
       <p:sp>
         <p:nvSpPr>
-          <p:cNvPr id="100" name="Google Shape;100;g8721ee253b_0_73:notes"/>
+          <p:cNvPr id="95" name="Google Shape;95;g8721ee253b_1_0:notes"/>
           <p:cNvSpPr txBox="1"/>
           <p:nvPr>
             <p:ph idx="1" type="body"/>
@@ -2187,7 +2404,8 @@
               <a:buNone/>
             </a:pPr>
             <a:r>
-              <a:t/>
+              <a:rPr lang="en"/>
+              <a:t>Viraaj</a:t>
             </a:r>
             <a:endParaRPr/>
           </a:p>
@@ -2201,12 +2419,12 @@
 </p:notes>
 </file>
 
-<file path=ppt/notesSlides/notesSlide8.xml><?xml version="1.0" encoding="utf-8"?>
-<p:notes xmlns:a="http://schemas.openxmlformats.org/drawingml/2006/main" xmlns:r="http://schemas.openxmlformats.org/officeDocument/2006/relationships" xmlns:mc="http://schemas.openxmlformats.org/markup-compatibility/2006" xmlns:mv="urn:schemas-microsoft-com:mac:vml" xmlns:p="http://schemas.openxmlformats.org/presentationml/2006/main" xmlns:c="http://schemas.openxmlformats.org/drawingml/2006/chart" xmlns:dgm="http://schemas.openxmlformats.org/drawingml/2006/diagram" xmlns:o="urn:schemas-microsoft-com:office:office" xmlns:v="urn:schemas-microsoft-com:vml" xmlns:pvml="urn:schemas-microsoft-com:office:powerpoint" xmlns:com="http://schemas.openxmlformats.org/drawingml/2006/compatibility" xmlns:p14="http://schemas.microsoft.com/office/powerpoint/2010/main" xmlns:p15="http://schemas.microsoft.com/office/powerpoint/2012/main" showMasterPhAnim="0" showMasterSp="0">
+<file path=ppt/notesSlides/notesSlide7.xml><?xml version="1.0" encoding="utf-8"?>
+<p:notes xmlns:a="http://schemas.openxmlformats.org/drawingml/2006/main" xmlns:r="http://schemas.openxmlformats.org/officeDocument/2006/relationships" xmlns:mc="http://schemas.openxmlformats.org/markup-compatibility/2006" xmlns:mv="urn:schemas-microsoft-com:mac:vml" xmlns:p="http://schemas.openxmlformats.org/presentationml/2006/main" xmlns:c="http://schemas.openxmlformats.org/drawingml/2006/chart" xmlns:dgm="http://schemas.openxmlformats.org/drawingml/2006/diagram" xmlns:o="urn:schemas-microsoft-com:office:office" xmlns:v="urn:schemas-microsoft-com:vml" xmlns:pvml="urn:schemas-microsoft-com:office:powerpoint" xmlns:com="http://schemas.openxmlformats.org/drawingml/2006/compatibility" xmlns:p14="http://schemas.microsoft.com/office/powerpoint/2010/main" xmlns:p15="http://schemas.microsoft.com/office/powerpoint/2012/main" xmlns:ahyp="http://schemas.microsoft.com/office/drawing/2018/hyperlinkcolor" showMasterPhAnim="0" showMasterSp="0">
   <p:cSld>
     <p:spTree>
       <p:nvGrpSpPr>
-        <p:cNvPr id="105" name="Shape 105"/>
+        <p:cNvPr id="99" name="Shape 99"/>
         <p:cNvGrpSpPr/>
         <p:nvPr/>
       </p:nvGrpSpPr>
@@ -2220,7 +2438,7 @@
       </p:grpSpPr>
       <p:sp>
         <p:nvSpPr>
-          <p:cNvPr id="106" name="Google Shape;106;g8721ee253b_1_15:notes"/>
+          <p:cNvPr id="100" name="Google Shape;100;g8721ee253b_1_10:notes"/>
           <p:cNvSpPr/>
           <p:nvPr>
             <p:ph idx="2" type="sldImg"/>
@@ -2255,7 +2473,7 @@
       </p:sp>
       <p:sp>
         <p:nvSpPr>
-          <p:cNvPr id="107" name="Google Shape;107;g8721ee253b_1_15:notes"/>
+          <p:cNvPr id="101" name="Google Shape;101;g8721ee253b_1_10:notes"/>
           <p:cNvSpPr txBox="1"/>
           <p:nvPr>
             <p:ph idx="1" type="body"/>
@@ -2286,7 +2504,8 @@
               <a:buNone/>
             </a:pPr>
             <a:r>
-              <a:t/>
+              <a:rPr lang="en"/>
+              <a:t>Ayaan</a:t>
             </a:r>
             <a:endParaRPr/>
           </a:p>
@@ -2300,12 +2519,12 @@
 </p:notes>
 </file>
 
-<file path=ppt/notesSlides/notesSlide9.xml><?xml version="1.0" encoding="utf-8"?>
-<p:notes xmlns:a="http://schemas.openxmlformats.org/drawingml/2006/main" xmlns:r="http://schemas.openxmlformats.org/officeDocument/2006/relationships" xmlns:mc="http://schemas.openxmlformats.org/markup-compatibility/2006" xmlns:mv="urn:schemas-microsoft-com:mac:vml" xmlns:p="http://schemas.openxmlformats.org/presentationml/2006/main" xmlns:c="http://schemas.openxmlformats.org/drawingml/2006/chart" xmlns:dgm="http://schemas.openxmlformats.org/drawingml/2006/diagram" xmlns:o="urn:schemas-microsoft-com:office:office" xmlns:v="urn:schemas-microsoft-com:vml" xmlns:pvml="urn:schemas-microsoft-com:office:powerpoint" xmlns:com="http://schemas.openxmlformats.org/drawingml/2006/compatibility" xmlns:p14="http://schemas.microsoft.com/office/powerpoint/2010/main" xmlns:p15="http://schemas.microsoft.com/office/powerpoint/2012/main" showMasterPhAnim="0" showMasterSp="0">
+<file path=ppt/notesSlides/notesSlide8.xml><?xml version="1.0" encoding="utf-8"?>
+<p:notes xmlns:a="http://schemas.openxmlformats.org/drawingml/2006/main" xmlns:r="http://schemas.openxmlformats.org/officeDocument/2006/relationships" xmlns:mc="http://schemas.openxmlformats.org/markup-compatibility/2006" xmlns:mv="urn:schemas-microsoft-com:mac:vml" xmlns:p="http://schemas.openxmlformats.org/presentationml/2006/main" xmlns:c="http://schemas.openxmlformats.org/drawingml/2006/chart" xmlns:dgm="http://schemas.openxmlformats.org/drawingml/2006/diagram" xmlns:o="urn:schemas-microsoft-com:office:office" xmlns:v="urn:schemas-microsoft-com:vml" xmlns:pvml="urn:schemas-microsoft-com:office:powerpoint" xmlns:com="http://schemas.openxmlformats.org/drawingml/2006/compatibility" xmlns:p14="http://schemas.microsoft.com/office/powerpoint/2010/main" xmlns:p15="http://schemas.microsoft.com/office/powerpoint/2012/main" xmlns:ahyp="http://schemas.microsoft.com/office/drawing/2018/hyperlinkcolor" showMasterPhAnim="0" showMasterSp="0">
   <p:cSld>
     <p:spTree>
       <p:nvGrpSpPr>
-        <p:cNvPr id="112" name="Shape 112"/>
+        <p:cNvPr id="105" name="Shape 105"/>
         <p:cNvGrpSpPr/>
         <p:nvPr/>
       </p:nvGrpSpPr>
@@ -2319,7 +2538,7 @@
       </p:grpSpPr>
       <p:sp>
         <p:nvSpPr>
-          <p:cNvPr id="113" name="Google Shape;113;g8721ee253b_1_20:notes"/>
+          <p:cNvPr id="106" name="Google Shape;106;g8721ee253b_0_73:notes"/>
           <p:cNvSpPr/>
           <p:nvPr>
             <p:ph idx="2" type="sldImg"/>
@@ -2354,7 +2573,7 @@
       </p:sp>
       <p:sp>
         <p:nvSpPr>
-          <p:cNvPr id="114" name="Google Shape;114;g8721ee253b_1_20:notes"/>
+          <p:cNvPr id="107" name="Google Shape;107;g8721ee253b_0_73:notes"/>
           <p:cNvSpPr txBox="1"/>
           <p:nvPr>
             <p:ph idx="1" type="body"/>
@@ -2385,7 +2604,108 @@
               <a:buNone/>
             </a:pPr>
             <a:r>
-              <a:t/>
+              <a:rPr lang="en"/>
+              <a:t>Ayaan</a:t>
+            </a:r>
+            <a:endParaRPr/>
+          </a:p>
+        </p:txBody>
+      </p:sp>
+    </p:spTree>
+  </p:cSld>
+  <p:clrMapOvr>
+    <a:masterClrMapping/>
+  </p:clrMapOvr>
+</p:notes>
+</file>
+
+<file path=ppt/notesSlides/notesSlide9.xml><?xml version="1.0" encoding="utf-8"?>
+<p:notes xmlns:a="http://schemas.openxmlformats.org/drawingml/2006/main" xmlns:r="http://schemas.openxmlformats.org/officeDocument/2006/relationships" xmlns:mc="http://schemas.openxmlformats.org/markup-compatibility/2006" xmlns:mv="urn:schemas-microsoft-com:mac:vml" xmlns:p="http://schemas.openxmlformats.org/presentationml/2006/main" xmlns:c="http://schemas.openxmlformats.org/drawingml/2006/chart" xmlns:dgm="http://schemas.openxmlformats.org/drawingml/2006/diagram" xmlns:o="urn:schemas-microsoft-com:office:office" xmlns:v="urn:schemas-microsoft-com:vml" xmlns:pvml="urn:schemas-microsoft-com:office:powerpoint" xmlns:com="http://schemas.openxmlformats.org/drawingml/2006/compatibility" xmlns:p14="http://schemas.microsoft.com/office/powerpoint/2010/main" xmlns:p15="http://schemas.microsoft.com/office/powerpoint/2012/main" xmlns:ahyp="http://schemas.microsoft.com/office/drawing/2018/hyperlinkcolor" showMasterPhAnim="0" showMasterSp="0">
+  <p:cSld>
+    <p:spTree>
+      <p:nvGrpSpPr>
+        <p:cNvPr id="112" name="Shape 112"/>
+        <p:cNvGrpSpPr/>
+        <p:nvPr/>
+      </p:nvGrpSpPr>
+      <p:grpSpPr>
+        <a:xfrm>
+          <a:off x="0" y="0"/>
+          <a:ext cx="0" cy="0"/>
+          <a:chOff x="0" y="0"/>
+          <a:chExt cx="0" cy="0"/>
+        </a:xfrm>
+      </p:grpSpPr>
+      <p:sp>
+        <p:nvSpPr>
+          <p:cNvPr id="113" name="Google Shape;113;g8721ee253b_1_15:notes"/>
+          <p:cNvSpPr/>
+          <p:nvPr>
+            <p:ph idx="2" type="sldImg"/>
+          </p:nvPr>
+        </p:nvSpPr>
+        <p:spPr>
+          <a:xfrm>
+            <a:off x="381300" y="685800"/>
+            <a:ext cx="6096000" cy="3429000"/>
+          </a:xfrm>
+          <a:custGeom>
+            <a:rect b="b" l="l" r="r" t="t"/>
+            <a:pathLst>
+              <a:path extrusionOk="0" h="120000" w="120000">
+                <a:moveTo>
+                  <a:pt x="0" y="0"/>
+                </a:moveTo>
+                <a:lnTo>
+                  <a:pt x="120000" y="0"/>
+                </a:lnTo>
+                <a:lnTo>
+                  <a:pt x="120000" y="120000"/>
+                </a:lnTo>
+                <a:lnTo>
+                  <a:pt x="0" y="120000"/>
+                </a:lnTo>
+                <a:close/>
+              </a:path>
+            </a:pathLst>
+          </a:custGeom>
+        </p:spPr>
+      </p:sp>
+      <p:sp>
+        <p:nvSpPr>
+          <p:cNvPr id="114" name="Google Shape;114;g8721ee253b_1_15:notes"/>
+          <p:cNvSpPr txBox="1"/>
+          <p:nvPr>
+            <p:ph idx="1" type="body"/>
+          </p:nvPr>
+        </p:nvSpPr>
+        <p:spPr>
+          <a:xfrm>
+            <a:off x="685800" y="4343400"/>
+            <a:ext cx="5486400" cy="4114800"/>
+          </a:xfrm>
+          <a:prstGeom prst="rect">
+            <a:avLst/>
+          </a:prstGeom>
+        </p:spPr>
+        <p:txBody>
+          <a:bodyPr anchorCtr="0" anchor="t" bIns="91425" lIns="91425" spcFirstLastPara="1" rIns="91425" wrap="square" tIns="91425">
+            <a:noAutofit/>
+          </a:bodyPr>
+          <a:lstStyle/>
+          <a:p>
+            <a:pPr indent="0" lvl="0" marL="0" rtl="0" algn="l">
+              <a:spcBef>
+                <a:spcPts val="0"/>
+              </a:spcBef>
+              <a:spcAft>
+                <a:spcPts val="0"/>
+              </a:spcAft>
+              <a:buNone/>
+            </a:pPr>
+            <a:r>
+              <a:rPr lang="en"/>
+              <a:t>Viraaj</a:t>
             </a:r>
             <a:endParaRPr/>
           </a:p>
@@ -2400,7 +2720,7 @@
 </file>
 
 <file path=ppt/slideLayouts/slideLayout1.xml><?xml version="1.0" encoding="utf-8"?>
-<p:sldLayout xmlns:a="http://schemas.openxmlformats.org/drawingml/2006/main" xmlns:r="http://schemas.openxmlformats.org/officeDocument/2006/relationships" xmlns:mc="http://schemas.openxmlformats.org/markup-compatibility/2006" xmlns:mv="urn:schemas-microsoft-com:mac:vml" xmlns:p="http://schemas.openxmlformats.org/presentationml/2006/main" xmlns:c="http://schemas.openxmlformats.org/drawingml/2006/chart" xmlns:dgm="http://schemas.openxmlformats.org/drawingml/2006/diagram" xmlns:o="urn:schemas-microsoft-com:office:office" xmlns:v="urn:schemas-microsoft-com:vml" xmlns:pvml="urn:schemas-microsoft-com:office:powerpoint" xmlns:com="http://schemas.openxmlformats.org/drawingml/2006/compatibility" xmlns:p14="http://schemas.microsoft.com/office/powerpoint/2010/main" xmlns:p15="http://schemas.microsoft.com/office/powerpoint/2012/main" matchingName="Title slide" type="title">
+<p:sldLayout xmlns:a="http://schemas.openxmlformats.org/drawingml/2006/main" xmlns:r="http://schemas.openxmlformats.org/officeDocument/2006/relationships" xmlns:mc="http://schemas.openxmlformats.org/markup-compatibility/2006" xmlns:mv="urn:schemas-microsoft-com:mac:vml" xmlns:p="http://schemas.openxmlformats.org/presentationml/2006/main" xmlns:c="http://schemas.openxmlformats.org/drawingml/2006/chart" xmlns:dgm="http://schemas.openxmlformats.org/drawingml/2006/diagram" xmlns:o="urn:schemas-microsoft-com:office:office" xmlns:v="urn:schemas-microsoft-com:vml" xmlns:pvml="urn:schemas-microsoft-com:office:powerpoint" xmlns:com="http://schemas.openxmlformats.org/drawingml/2006/compatibility" xmlns:p14="http://schemas.microsoft.com/office/powerpoint/2010/main" xmlns:p15="http://schemas.microsoft.com/office/powerpoint/2012/main" xmlns:ahyp="http://schemas.microsoft.com/office/drawing/2018/hyperlinkcolor" matchingName="Title slide" type="title">
   <p:cSld name="TITLE">
     <p:spTree>
       <p:nvGrpSpPr>
@@ -2965,7 +3285,7 @@
 </file>
 
 <file path=ppt/slideLayouts/slideLayout10.xml><?xml version="1.0" encoding="utf-8"?>
-<p:sldLayout xmlns:a="http://schemas.openxmlformats.org/drawingml/2006/main" xmlns:r="http://schemas.openxmlformats.org/officeDocument/2006/relationships" xmlns:mc="http://schemas.openxmlformats.org/markup-compatibility/2006" xmlns:mv="urn:schemas-microsoft-com:mac:vml" xmlns:p="http://schemas.openxmlformats.org/presentationml/2006/main" xmlns:c="http://schemas.openxmlformats.org/drawingml/2006/chart" xmlns:dgm="http://schemas.openxmlformats.org/drawingml/2006/diagram" xmlns:o="urn:schemas-microsoft-com:office:office" xmlns:v="urn:schemas-microsoft-com:vml" xmlns:pvml="urn:schemas-microsoft-com:office:powerpoint" xmlns:com="http://schemas.openxmlformats.org/drawingml/2006/compatibility" xmlns:p14="http://schemas.microsoft.com/office/powerpoint/2010/main" xmlns:p15="http://schemas.microsoft.com/office/powerpoint/2012/main" matchingName="Big number">
+<p:sldLayout xmlns:a="http://schemas.openxmlformats.org/drawingml/2006/main" xmlns:r="http://schemas.openxmlformats.org/officeDocument/2006/relationships" xmlns:mc="http://schemas.openxmlformats.org/markup-compatibility/2006" xmlns:mv="urn:schemas-microsoft-com:mac:vml" xmlns:p="http://schemas.openxmlformats.org/presentationml/2006/main" xmlns:c="http://schemas.openxmlformats.org/drawingml/2006/chart" xmlns:dgm="http://schemas.openxmlformats.org/drawingml/2006/diagram" xmlns:o="urn:schemas-microsoft-com:office:office" xmlns:v="urn:schemas-microsoft-com:vml" xmlns:pvml="urn:schemas-microsoft-com:office:powerpoint" xmlns:com="http://schemas.openxmlformats.org/drawingml/2006/compatibility" xmlns:p14="http://schemas.microsoft.com/office/powerpoint/2010/main" xmlns:p15="http://schemas.microsoft.com/office/powerpoint/2012/main" xmlns:ahyp="http://schemas.microsoft.com/office/drawing/2018/hyperlinkcolor" matchingName="Big number">
   <p:cSld name="BIG_NUMBER">
     <p:spTree>
       <p:nvGrpSpPr>
@@ -3427,7 +3747,7 @@
 </file>
 
 <file path=ppt/slideLayouts/slideLayout11.xml><?xml version="1.0" encoding="utf-8"?>
-<p:sldLayout xmlns:a="http://schemas.openxmlformats.org/drawingml/2006/main" xmlns:r="http://schemas.openxmlformats.org/officeDocument/2006/relationships" xmlns:mc="http://schemas.openxmlformats.org/markup-compatibility/2006" xmlns:mv="urn:schemas-microsoft-com:mac:vml" xmlns:p="http://schemas.openxmlformats.org/presentationml/2006/main" xmlns:c="http://schemas.openxmlformats.org/drawingml/2006/chart" xmlns:dgm="http://schemas.openxmlformats.org/drawingml/2006/diagram" xmlns:o="urn:schemas-microsoft-com:office:office" xmlns:v="urn:schemas-microsoft-com:vml" xmlns:pvml="urn:schemas-microsoft-com:office:powerpoint" xmlns:com="http://schemas.openxmlformats.org/drawingml/2006/compatibility" xmlns:p14="http://schemas.microsoft.com/office/powerpoint/2010/main" xmlns:p15="http://schemas.microsoft.com/office/powerpoint/2012/main" matchingName="Blank" type="blank">
+<p:sldLayout xmlns:a="http://schemas.openxmlformats.org/drawingml/2006/main" xmlns:r="http://schemas.openxmlformats.org/officeDocument/2006/relationships" xmlns:mc="http://schemas.openxmlformats.org/markup-compatibility/2006" xmlns:mv="urn:schemas-microsoft-com:mac:vml" xmlns:p="http://schemas.openxmlformats.org/presentationml/2006/main" xmlns:c="http://schemas.openxmlformats.org/drawingml/2006/chart" xmlns:dgm="http://schemas.openxmlformats.org/drawingml/2006/diagram" xmlns:o="urn:schemas-microsoft-com:office:office" xmlns:v="urn:schemas-microsoft-com:vml" xmlns:pvml="urn:schemas-microsoft-com:office:powerpoint" xmlns:com="http://schemas.openxmlformats.org/drawingml/2006/compatibility" xmlns:p14="http://schemas.microsoft.com/office/powerpoint/2010/main" xmlns:p15="http://schemas.microsoft.com/office/powerpoint/2012/main" xmlns:ahyp="http://schemas.microsoft.com/office/drawing/2018/hyperlinkcolor" matchingName="Blank" type="blank">
   <p:cSld name="BLANK">
     <p:spTree>
       <p:nvGrpSpPr>
@@ -3529,7 +3849,7 @@
 </file>
 
 <file path=ppt/slideLayouts/slideLayout2.xml><?xml version="1.0" encoding="utf-8"?>
-<p:sldLayout xmlns:a="http://schemas.openxmlformats.org/drawingml/2006/main" xmlns:r="http://schemas.openxmlformats.org/officeDocument/2006/relationships" xmlns:mc="http://schemas.openxmlformats.org/markup-compatibility/2006" xmlns:mv="urn:schemas-microsoft-com:mac:vml" xmlns:p="http://schemas.openxmlformats.org/presentationml/2006/main" xmlns:c="http://schemas.openxmlformats.org/drawingml/2006/chart" xmlns:dgm="http://schemas.openxmlformats.org/drawingml/2006/diagram" xmlns:o="urn:schemas-microsoft-com:office:office" xmlns:v="urn:schemas-microsoft-com:vml" xmlns:pvml="urn:schemas-microsoft-com:office:powerpoint" xmlns:com="http://schemas.openxmlformats.org/drawingml/2006/compatibility" xmlns:p14="http://schemas.microsoft.com/office/powerpoint/2010/main" xmlns:p15="http://schemas.microsoft.com/office/powerpoint/2012/main" matchingName="Section header" type="secHead">
+<p:sldLayout xmlns:a="http://schemas.openxmlformats.org/drawingml/2006/main" xmlns:r="http://schemas.openxmlformats.org/officeDocument/2006/relationships" xmlns:mc="http://schemas.openxmlformats.org/markup-compatibility/2006" xmlns:mv="urn:schemas-microsoft-com:mac:vml" xmlns:p="http://schemas.openxmlformats.org/presentationml/2006/main" xmlns:c="http://schemas.openxmlformats.org/drawingml/2006/chart" xmlns:dgm="http://schemas.openxmlformats.org/drawingml/2006/diagram" xmlns:o="urn:schemas-microsoft-com:office:office" xmlns:v="urn:schemas-microsoft-com:vml" xmlns:pvml="urn:schemas-microsoft-com:office:powerpoint" xmlns:com="http://schemas.openxmlformats.org/drawingml/2006/compatibility" xmlns:p14="http://schemas.microsoft.com/office/powerpoint/2010/main" xmlns:p15="http://schemas.microsoft.com/office/powerpoint/2012/main" xmlns:ahyp="http://schemas.microsoft.com/office/drawing/2018/hyperlinkcolor" matchingName="Section header" type="secHead">
   <p:cSld name="SECTION_HEADER">
     <p:spTree>
       <p:nvGrpSpPr>
@@ -3835,7 +4155,7 @@
 </file>
 
 <file path=ppt/slideLayouts/slideLayout3.xml><?xml version="1.0" encoding="utf-8"?>
-<p:sldLayout xmlns:a="http://schemas.openxmlformats.org/drawingml/2006/main" xmlns:r="http://schemas.openxmlformats.org/officeDocument/2006/relationships" xmlns:mc="http://schemas.openxmlformats.org/markup-compatibility/2006" xmlns:mv="urn:schemas-microsoft-com:mac:vml" xmlns:p="http://schemas.openxmlformats.org/presentationml/2006/main" xmlns:c="http://schemas.openxmlformats.org/drawingml/2006/chart" xmlns:dgm="http://schemas.openxmlformats.org/drawingml/2006/diagram" xmlns:o="urn:schemas-microsoft-com:office:office" xmlns:v="urn:schemas-microsoft-com:vml" xmlns:pvml="urn:schemas-microsoft-com:office:powerpoint" xmlns:com="http://schemas.openxmlformats.org/drawingml/2006/compatibility" xmlns:p14="http://schemas.microsoft.com/office/powerpoint/2010/main" xmlns:p15="http://schemas.microsoft.com/office/powerpoint/2012/main" matchingName="Title and body" type="tx">
+<p:sldLayout xmlns:a="http://schemas.openxmlformats.org/drawingml/2006/main" xmlns:r="http://schemas.openxmlformats.org/officeDocument/2006/relationships" xmlns:mc="http://schemas.openxmlformats.org/markup-compatibility/2006" xmlns:mv="urn:schemas-microsoft-com:mac:vml" xmlns:p="http://schemas.openxmlformats.org/presentationml/2006/main" xmlns:c="http://schemas.openxmlformats.org/drawingml/2006/chart" xmlns:dgm="http://schemas.openxmlformats.org/drawingml/2006/diagram" xmlns:o="urn:schemas-microsoft-com:office:office" xmlns:v="urn:schemas-microsoft-com:vml" xmlns:pvml="urn:schemas-microsoft-com:office:powerpoint" xmlns:com="http://schemas.openxmlformats.org/drawingml/2006/compatibility" xmlns:p14="http://schemas.microsoft.com/office/powerpoint/2010/main" xmlns:p15="http://schemas.microsoft.com/office/powerpoint/2012/main" xmlns:ahyp="http://schemas.microsoft.com/office/drawing/2018/hyperlinkcolor" matchingName="Title and body" type="tx">
   <p:cSld name="TITLE_AND_BODY">
     <p:spTree>
       <p:nvGrpSpPr>
@@ -4230,7 +4550,7 @@
 </file>
 
 <file path=ppt/slideLayouts/slideLayout4.xml><?xml version="1.0" encoding="utf-8"?>
-<p:sldLayout xmlns:a="http://schemas.openxmlformats.org/drawingml/2006/main" xmlns:r="http://schemas.openxmlformats.org/officeDocument/2006/relationships" xmlns:mc="http://schemas.openxmlformats.org/markup-compatibility/2006" xmlns:mv="urn:schemas-microsoft-com:mac:vml" xmlns:p="http://schemas.openxmlformats.org/presentationml/2006/main" xmlns:c="http://schemas.openxmlformats.org/drawingml/2006/chart" xmlns:dgm="http://schemas.openxmlformats.org/drawingml/2006/diagram" xmlns:o="urn:schemas-microsoft-com:office:office" xmlns:v="urn:schemas-microsoft-com:vml" xmlns:pvml="urn:schemas-microsoft-com:office:powerpoint" xmlns:com="http://schemas.openxmlformats.org/drawingml/2006/compatibility" xmlns:p14="http://schemas.microsoft.com/office/powerpoint/2010/main" xmlns:p15="http://schemas.microsoft.com/office/powerpoint/2012/main" matchingName="Title and two columns" type="twoColTx">
+<p:sldLayout xmlns:a="http://schemas.openxmlformats.org/drawingml/2006/main" xmlns:r="http://schemas.openxmlformats.org/officeDocument/2006/relationships" xmlns:mc="http://schemas.openxmlformats.org/markup-compatibility/2006" xmlns:mv="urn:schemas-microsoft-com:mac:vml" xmlns:p="http://schemas.openxmlformats.org/presentationml/2006/main" xmlns:c="http://schemas.openxmlformats.org/drawingml/2006/chart" xmlns:dgm="http://schemas.openxmlformats.org/drawingml/2006/diagram" xmlns:o="urn:schemas-microsoft-com:office:office" xmlns:v="urn:schemas-microsoft-com:vml" xmlns:pvml="urn:schemas-microsoft-com:office:powerpoint" xmlns:com="http://schemas.openxmlformats.org/drawingml/2006/compatibility" xmlns:p14="http://schemas.microsoft.com/office/powerpoint/2010/main" xmlns:p15="http://schemas.microsoft.com/office/powerpoint/2012/main" xmlns:ahyp="http://schemas.microsoft.com/office/drawing/2018/hyperlinkcolor" matchingName="Title and two columns" type="twoColTx">
   <p:cSld name="TITLE_AND_TWO_COLUMNS">
     <p:spTree>
       <p:nvGrpSpPr>
@@ -4707,7 +5027,7 @@
 </file>
 
 <file path=ppt/slideLayouts/slideLayout5.xml><?xml version="1.0" encoding="utf-8"?>
-<p:sldLayout xmlns:a="http://schemas.openxmlformats.org/drawingml/2006/main" xmlns:r="http://schemas.openxmlformats.org/officeDocument/2006/relationships" xmlns:mc="http://schemas.openxmlformats.org/markup-compatibility/2006" xmlns:mv="urn:schemas-microsoft-com:mac:vml" xmlns:p="http://schemas.openxmlformats.org/presentationml/2006/main" xmlns:c="http://schemas.openxmlformats.org/drawingml/2006/chart" xmlns:dgm="http://schemas.openxmlformats.org/drawingml/2006/diagram" xmlns:o="urn:schemas-microsoft-com:office:office" xmlns:v="urn:schemas-microsoft-com:vml" xmlns:pvml="urn:schemas-microsoft-com:office:powerpoint" xmlns:com="http://schemas.openxmlformats.org/drawingml/2006/compatibility" xmlns:p14="http://schemas.microsoft.com/office/powerpoint/2010/main" xmlns:p15="http://schemas.microsoft.com/office/powerpoint/2012/main" matchingName="Title only" type="titleOnly">
+<p:sldLayout xmlns:a="http://schemas.openxmlformats.org/drawingml/2006/main" xmlns:r="http://schemas.openxmlformats.org/officeDocument/2006/relationships" xmlns:mc="http://schemas.openxmlformats.org/markup-compatibility/2006" xmlns:mv="urn:schemas-microsoft-com:mac:vml" xmlns:p="http://schemas.openxmlformats.org/presentationml/2006/main" xmlns:c="http://schemas.openxmlformats.org/drawingml/2006/chart" xmlns:dgm="http://schemas.openxmlformats.org/drawingml/2006/diagram" xmlns:o="urn:schemas-microsoft-com:office:office" xmlns:v="urn:schemas-microsoft-com:vml" xmlns:pvml="urn:schemas-microsoft-com:office:powerpoint" xmlns:com="http://schemas.openxmlformats.org/drawingml/2006/compatibility" xmlns:p14="http://schemas.microsoft.com/office/powerpoint/2010/main" xmlns:p15="http://schemas.microsoft.com/office/powerpoint/2012/main" xmlns:ahyp="http://schemas.microsoft.com/office/drawing/2018/hyperlinkcolor" matchingName="Title only" type="titleOnly">
   <p:cSld name="TITLE_ONLY">
     <p:spTree>
       <p:nvGrpSpPr>
@@ -4934,7 +5254,7 @@
 </file>
 
 <file path=ppt/slideLayouts/slideLayout6.xml><?xml version="1.0" encoding="utf-8"?>
-<p:sldLayout xmlns:a="http://schemas.openxmlformats.org/drawingml/2006/main" xmlns:r="http://schemas.openxmlformats.org/officeDocument/2006/relationships" xmlns:mc="http://schemas.openxmlformats.org/markup-compatibility/2006" xmlns:mv="urn:schemas-microsoft-com:mac:vml" xmlns:p="http://schemas.openxmlformats.org/presentationml/2006/main" xmlns:c="http://schemas.openxmlformats.org/drawingml/2006/chart" xmlns:dgm="http://schemas.openxmlformats.org/drawingml/2006/diagram" xmlns:o="urn:schemas-microsoft-com:office:office" xmlns:v="urn:schemas-microsoft-com:vml" xmlns:pvml="urn:schemas-microsoft-com:office:powerpoint" xmlns:com="http://schemas.openxmlformats.org/drawingml/2006/compatibility" xmlns:p14="http://schemas.microsoft.com/office/powerpoint/2010/main" xmlns:p15="http://schemas.microsoft.com/office/powerpoint/2012/main" matchingName="One column text">
+<p:sldLayout xmlns:a="http://schemas.openxmlformats.org/drawingml/2006/main" xmlns:r="http://schemas.openxmlformats.org/officeDocument/2006/relationships" xmlns:mc="http://schemas.openxmlformats.org/markup-compatibility/2006" xmlns:mv="urn:schemas-microsoft-com:mac:vml" xmlns:p="http://schemas.openxmlformats.org/presentationml/2006/main" xmlns:c="http://schemas.openxmlformats.org/drawingml/2006/chart" xmlns:dgm="http://schemas.openxmlformats.org/drawingml/2006/diagram" xmlns:o="urn:schemas-microsoft-com:office:office" xmlns:v="urn:schemas-microsoft-com:vml" xmlns:pvml="urn:schemas-microsoft-com:office:powerpoint" xmlns:com="http://schemas.openxmlformats.org/drawingml/2006/compatibility" xmlns:p14="http://schemas.microsoft.com/office/powerpoint/2010/main" xmlns:p15="http://schemas.microsoft.com/office/powerpoint/2012/main" xmlns:ahyp="http://schemas.microsoft.com/office/drawing/2018/hyperlinkcolor" matchingName="One column text">
   <p:cSld name="ONE_COLUMN_TEXT">
     <p:spTree>
       <p:nvGrpSpPr>
@@ -5286,7 +5606,7 @@
 </file>
 
 <file path=ppt/slideLayouts/slideLayout7.xml><?xml version="1.0" encoding="utf-8"?>
-<p:sldLayout xmlns:a="http://schemas.openxmlformats.org/drawingml/2006/main" xmlns:r="http://schemas.openxmlformats.org/officeDocument/2006/relationships" xmlns:mc="http://schemas.openxmlformats.org/markup-compatibility/2006" xmlns:mv="urn:schemas-microsoft-com:mac:vml" xmlns:p="http://schemas.openxmlformats.org/presentationml/2006/main" xmlns:c="http://schemas.openxmlformats.org/drawingml/2006/chart" xmlns:dgm="http://schemas.openxmlformats.org/drawingml/2006/diagram" xmlns:o="urn:schemas-microsoft-com:office:office" xmlns:v="urn:schemas-microsoft-com:vml" xmlns:pvml="urn:schemas-microsoft-com:office:powerpoint" xmlns:com="http://schemas.openxmlformats.org/drawingml/2006/compatibility" xmlns:p14="http://schemas.microsoft.com/office/powerpoint/2010/main" xmlns:p15="http://schemas.microsoft.com/office/powerpoint/2012/main" matchingName="Main point">
+<p:sldLayout xmlns:a="http://schemas.openxmlformats.org/drawingml/2006/main" xmlns:r="http://schemas.openxmlformats.org/officeDocument/2006/relationships" xmlns:mc="http://schemas.openxmlformats.org/markup-compatibility/2006" xmlns:mv="urn:schemas-microsoft-com:mac:vml" xmlns:p="http://schemas.openxmlformats.org/presentationml/2006/main" xmlns:c="http://schemas.openxmlformats.org/drawingml/2006/chart" xmlns:dgm="http://schemas.openxmlformats.org/drawingml/2006/diagram" xmlns:o="urn:schemas-microsoft-com:office:office" xmlns:v="urn:schemas-microsoft-com:vml" xmlns:pvml="urn:schemas-microsoft-com:office:powerpoint" xmlns:com="http://schemas.openxmlformats.org/drawingml/2006/compatibility" xmlns:p14="http://schemas.microsoft.com/office/powerpoint/2010/main" xmlns:p15="http://schemas.microsoft.com/office/powerpoint/2012/main" xmlns:ahyp="http://schemas.microsoft.com/office/drawing/2018/hyperlinkcolor" matchingName="Main point">
   <p:cSld name="MAIN_POINT">
     <p:bg>
       <p:bgPr>
@@ -5583,7 +5903,7 @@
 </file>
 
 <file path=ppt/slideLayouts/slideLayout8.xml><?xml version="1.0" encoding="utf-8"?>
-<p:sldLayout xmlns:a="http://schemas.openxmlformats.org/drawingml/2006/main" xmlns:r="http://schemas.openxmlformats.org/officeDocument/2006/relationships" xmlns:mc="http://schemas.openxmlformats.org/markup-compatibility/2006" xmlns:mv="urn:schemas-microsoft-com:mac:vml" xmlns:p="http://schemas.openxmlformats.org/presentationml/2006/main" xmlns:c="http://schemas.openxmlformats.org/drawingml/2006/chart" xmlns:dgm="http://schemas.openxmlformats.org/drawingml/2006/diagram" xmlns:o="urn:schemas-microsoft-com:office:office" xmlns:v="urn:schemas-microsoft-com:vml" xmlns:pvml="urn:schemas-microsoft-com:office:powerpoint" xmlns:com="http://schemas.openxmlformats.org/drawingml/2006/compatibility" xmlns:p14="http://schemas.microsoft.com/office/powerpoint/2010/main" xmlns:p15="http://schemas.microsoft.com/office/powerpoint/2012/main" matchingName="Section title and description">
+<p:sldLayout xmlns:a="http://schemas.openxmlformats.org/drawingml/2006/main" xmlns:r="http://schemas.openxmlformats.org/officeDocument/2006/relationships" xmlns:mc="http://schemas.openxmlformats.org/markup-compatibility/2006" xmlns:mv="urn:schemas-microsoft-com:mac:vml" xmlns:p="http://schemas.openxmlformats.org/presentationml/2006/main" xmlns:c="http://schemas.openxmlformats.org/drawingml/2006/chart" xmlns:dgm="http://schemas.openxmlformats.org/drawingml/2006/diagram" xmlns:o="urn:schemas-microsoft-com:office:office" xmlns:v="urn:schemas-microsoft-com:vml" xmlns:pvml="urn:schemas-microsoft-com:office:powerpoint" xmlns:com="http://schemas.openxmlformats.org/drawingml/2006/compatibility" xmlns:p14="http://schemas.microsoft.com/office/powerpoint/2010/main" xmlns:p15="http://schemas.microsoft.com/office/powerpoint/2012/main" xmlns:ahyp="http://schemas.microsoft.com/office/drawing/2018/hyperlinkcolor" matchingName="Section title and description">
   <p:cSld name="SECTION_TITLE_AND_DESCRIPTION">
     <p:spTree>
       <p:nvGrpSpPr>
@@ -6255,7 +6575,7 @@
 </file>
 
 <file path=ppt/slideLayouts/slideLayout9.xml><?xml version="1.0" encoding="utf-8"?>
-<p:sldLayout xmlns:a="http://schemas.openxmlformats.org/drawingml/2006/main" xmlns:r="http://schemas.openxmlformats.org/officeDocument/2006/relationships" xmlns:mc="http://schemas.openxmlformats.org/markup-compatibility/2006" xmlns:mv="urn:schemas-microsoft-com:mac:vml" xmlns:p="http://schemas.openxmlformats.org/presentationml/2006/main" xmlns:c="http://schemas.openxmlformats.org/drawingml/2006/chart" xmlns:dgm="http://schemas.openxmlformats.org/drawingml/2006/diagram" xmlns:o="urn:schemas-microsoft-com:office:office" xmlns:v="urn:schemas-microsoft-com:vml" xmlns:pvml="urn:schemas-microsoft-com:office:powerpoint" xmlns:com="http://schemas.openxmlformats.org/drawingml/2006/compatibility" xmlns:p14="http://schemas.microsoft.com/office/powerpoint/2010/main" xmlns:p15="http://schemas.microsoft.com/office/powerpoint/2012/main" matchingName="Caption">
+<p:sldLayout xmlns:a="http://schemas.openxmlformats.org/drawingml/2006/main" xmlns:r="http://schemas.openxmlformats.org/officeDocument/2006/relationships" xmlns:mc="http://schemas.openxmlformats.org/markup-compatibility/2006" xmlns:mv="urn:schemas-microsoft-com:mac:vml" xmlns:p="http://schemas.openxmlformats.org/presentationml/2006/main" xmlns:c="http://schemas.openxmlformats.org/drawingml/2006/chart" xmlns:dgm="http://schemas.openxmlformats.org/drawingml/2006/diagram" xmlns:o="urn:schemas-microsoft-com:office:office" xmlns:v="urn:schemas-microsoft-com:vml" xmlns:pvml="urn:schemas-microsoft-com:office:powerpoint" xmlns:com="http://schemas.openxmlformats.org/drawingml/2006/compatibility" xmlns:p14="http://schemas.microsoft.com/office/powerpoint/2010/main" xmlns:p15="http://schemas.microsoft.com/office/powerpoint/2012/main" xmlns:ahyp="http://schemas.microsoft.com/office/drawing/2018/hyperlinkcolor" matchingName="Caption">
   <p:cSld name="CAPTION_ONLY">
     <p:spTree>
       <p:nvGrpSpPr>
@@ -6403,7 +6723,7 @@
 </file>
 
 <file path=ppt/slideMasters/slideMaster1.xml><?xml version="1.0" encoding="utf-8"?>
-<p:sldMaster xmlns:a="http://schemas.openxmlformats.org/drawingml/2006/main" xmlns:r="http://schemas.openxmlformats.org/officeDocument/2006/relationships" xmlns:mc="http://schemas.openxmlformats.org/markup-compatibility/2006" xmlns:mv="urn:schemas-microsoft-com:mac:vml" xmlns:p="http://schemas.openxmlformats.org/presentationml/2006/main" xmlns:c="http://schemas.openxmlformats.org/drawingml/2006/chart" xmlns:dgm="http://schemas.openxmlformats.org/drawingml/2006/diagram" xmlns:o="urn:schemas-microsoft-com:office:office" xmlns:v="urn:schemas-microsoft-com:vml" xmlns:pvml="urn:schemas-microsoft-com:office:powerpoint" xmlns:com="http://schemas.openxmlformats.org/drawingml/2006/compatibility" xmlns:p14="http://schemas.microsoft.com/office/powerpoint/2010/main" xmlns:p15="http://schemas.microsoft.com/office/powerpoint/2012/main">
+<p:sldMaster xmlns:a="http://schemas.openxmlformats.org/drawingml/2006/main" xmlns:r="http://schemas.openxmlformats.org/officeDocument/2006/relationships" xmlns:mc="http://schemas.openxmlformats.org/markup-compatibility/2006" xmlns:mv="urn:schemas-microsoft-com:mac:vml" xmlns:p="http://schemas.openxmlformats.org/presentationml/2006/main" xmlns:c="http://schemas.openxmlformats.org/drawingml/2006/chart" xmlns:dgm="http://schemas.openxmlformats.org/drawingml/2006/diagram" xmlns:o="urn:schemas-microsoft-com:office:office" xmlns:v="urn:schemas-microsoft-com:vml" xmlns:pvml="urn:schemas-microsoft-com:office:powerpoint" xmlns:com="http://schemas.openxmlformats.org/drawingml/2006/compatibility" xmlns:p14="http://schemas.microsoft.com/office/powerpoint/2010/main" xmlns:p15="http://schemas.microsoft.com/office/powerpoint/2012/main" xmlns:ahyp="http://schemas.microsoft.com/office/drawing/2018/hyperlinkcolor">
   <p:cSld name="tropic">
     <p:bg>
       <p:bgPr>
@@ -7790,7 +8110,7 @@
 </file>
 
 <file path=ppt/slides/slide1.xml><?xml version="1.0" encoding="utf-8"?>
-<p:sld xmlns:a="http://schemas.openxmlformats.org/drawingml/2006/main" xmlns:r="http://schemas.openxmlformats.org/officeDocument/2006/relationships" xmlns:mc="http://schemas.openxmlformats.org/markup-compatibility/2006" xmlns:mv="urn:schemas-microsoft-com:mac:vml" xmlns:p="http://schemas.openxmlformats.org/presentationml/2006/main" xmlns:c="http://schemas.openxmlformats.org/drawingml/2006/chart" xmlns:dgm="http://schemas.openxmlformats.org/drawingml/2006/diagram" xmlns:o="urn:schemas-microsoft-com:office:office" xmlns:v="urn:schemas-microsoft-com:vml" xmlns:pvml="urn:schemas-microsoft-com:office:powerpoint" xmlns:com="http://schemas.openxmlformats.org/drawingml/2006/compatibility" xmlns:p14="http://schemas.microsoft.com/office/powerpoint/2010/main" xmlns:p15="http://schemas.microsoft.com/office/powerpoint/2012/main">
+<p:sld xmlns:a="http://schemas.openxmlformats.org/drawingml/2006/main" xmlns:r="http://schemas.openxmlformats.org/officeDocument/2006/relationships" xmlns:mc="http://schemas.openxmlformats.org/markup-compatibility/2006" xmlns:mv="urn:schemas-microsoft-com:mac:vml" xmlns:p="http://schemas.openxmlformats.org/presentationml/2006/main" xmlns:c="http://schemas.openxmlformats.org/drawingml/2006/chart" xmlns:dgm="http://schemas.openxmlformats.org/drawingml/2006/diagram" xmlns:o="urn:schemas-microsoft-com:office:office" xmlns:v="urn:schemas-microsoft-com:vml" xmlns:pvml="urn:schemas-microsoft-com:office:powerpoint" xmlns:com="http://schemas.openxmlformats.org/drawingml/2006/compatibility" xmlns:p14="http://schemas.microsoft.com/office/powerpoint/2010/main" xmlns:p15="http://schemas.microsoft.com/office/powerpoint/2012/main" xmlns:ahyp="http://schemas.microsoft.com/office/drawing/2018/hyperlinkcolor">
   <p:cSld>
     <p:spTree>
       <p:nvGrpSpPr>
@@ -7840,7 +8160,7 @@
             </a:pPr>
             <a:r>
               <a:rPr lang="en"/>
-              <a:t>Intro to AI</a:t>
+              <a:t>Introductory AI/ML Course</a:t>
             </a:r>
             <a:endParaRPr/>
           </a:p>
@@ -7895,11 +8215,11 @@
 </file>
 
 <file path=ppt/slides/slide10.xml><?xml version="1.0" encoding="utf-8"?>
-<p:sld xmlns:a="http://schemas.openxmlformats.org/drawingml/2006/main" xmlns:r="http://schemas.openxmlformats.org/officeDocument/2006/relationships" xmlns:mc="http://schemas.openxmlformats.org/markup-compatibility/2006" xmlns:mv="urn:schemas-microsoft-com:mac:vml" xmlns:p="http://schemas.openxmlformats.org/presentationml/2006/main" xmlns:c="http://schemas.openxmlformats.org/drawingml/2006/chart" xmlns:dgm="http://schemas.openxmlformats.org/drawingml/2006/diagram" xmlns:o="urn:schemas-microsoft-com:office:office" xmlns:v="urn:schemas-microsoft-com:vml" xmlns:pvml="urn:schemas-microsoft-com:office:powerpoint" xmlns:com="http://schemas.openxmlformats.org/drawingml/2006/compatibility" xmlns:p14="http://schemas.microsoft.com/office/powerpoint/2010/main" xmlns:p15="http://schemas.microsoft.com/office/powerpoint/2012/main">
+<p:sld xmlns:a="http://schemas.openxmlformats.org/drawingml/2006/main" xmlns:r="http://schemas.openxmlformats.org/officeDocument/2006/relationships" xmlns:mc="http://schemas.openxmlformats.org/markup-compatibility/2006" xmlns:mv="urn:schemas-microsoft-com:mac:vml" xmlns:p="http://schemas.openxmlformats.org/presentationml/2006/main" xmlns:c="http://schemas.openxmlformats.org/drawingml/2006/chart" xmlns:dgm="http://schemas.openxmlformats.org/drawingml/2006/diagram" xmlns:o="urn:schemas-microsoft-com:office:office" xmlns:v="urn:schemas-microsoft-com:vml" xmlns:pvml="urn:schemas-microsoft-com:office:powerpoint" xmlns:com="http://schemas.openxmlformats.org/drawingml/2006/compatibility" xmlns:p14="http://schemas.microsoft.com/office/powerpoint/2010/main" xmlns:p15="http://schemas.microsoft.com/office/powerpoint/2012/main" xmlns:ahyp="http://schemas.microsoft.com/office/drawing/2018/hyperlinkcolor">
   <p:cSld>
     <p:spTree>
       <p:nvGrpSpPr>
-        <p:cNvPr id="121" name="Shape 121"/>
+        <p:cNvPr id="122" name="Shape 122"/>
         <p:cNvGrpSpPr/>
         <p:nvPr/>
       </p:nvGrpSpPr>
@@ -7913,7 +8233,7 @@
       </p:grpSpPr>
       <p:sp>
         <p:nvSpPr>
-          <p:cNvPr id="122" name="Google Shape;122;p22"/>
+          <p:cNvPr id="123" name="Google Shape;123;p22"/>
           <p:cNvSpPr txBox="1"/>
           <p:nvPr>
             <p:ph type="title"/>
@@ -7945,7 +8265,7 @@
             </a:pPr>
             <a:r>
               <a:rPr lang="en"/>
-              <a:t>Practical Applications of AI</a:t>
+              <a:t>Types of AI</a:t>
             </a:r>
             <a:endParaRPr/>
           </a:p>
@@ -7953,7 +8273,7 @@
       </p:sp>
       <p:sp>
         <p:nvSpPr>
-          <p:cNvPr id="123" name="Google Shape;123;p22"/>
+          <p:cNvPr id="124" name="Google Shape;124;p22"/>
           <p:cNvSpPr txBox="1"/>
           <p:nvPr>
             <p:ph idx="1" type="body"/>
@@ -7974,25 +8294,12 @@
           </a:bodyPr>
           <a:lstStyle/>
           <a:p>
-            <a:pPr indent="0" lvl="0" marL="0" rtl="0" algn="l">
-              <a:spcBef>
-                <a:spcPts val="0"/>
-              </a:spcBef>
-              <a:spcAft>
-                <a:spcPts val="0"/>
-              </a:spcAft>
-              <a:buNone/>
-            </a:pPr>
-            <a:r>
-              <a:rPr lang="en"/>
-              <a:t>AI is extensively used in: </a:t>
-            </a:r>
-            <a:endParaRPr/>
-          </a:p>
-          <a:p>
             <a:pPr indent="-342900" lvl="0" marL="457200" rtl="0" algn="l">
-              <a:spcBef>
-                <a:spcPts val="1600"/>
+              <a:lnSpc>
+                <a:spcPct val="150000"/>
+              </a:lnSpc>
+              <a:spcBef>
+                <a:spcPts val="0"/>
               </a:spcBef>
               <a:spcAft>
                 <a:spcPts val="0"/>
@@ -8002,25 +8309,28 @@
             </a:pPr>
             <a:r>
               <a:rPr lang="en"/>
-              <a:t>Healthcare: </a:t>
-            </a:r>
-            <a:r>
-              <a:rPr lang="en" sz="1100" u="sng">
+              <a:t>Computer Vision: </a:t>
+            </a:r>
+            <a:r>
+              <a:rPr lang="en" u="sng">
                 <a:solidFill>
-                  <a:srgbClr val="1155CC"/>
+                  <a:schemeClr val="hlink"/>
                 </a:solidFill>
-                <a:latin typeface="Arial"/>
-                <a:ea typeface="Arial"/>
-                <a:cs typeface="Arial"/>
-                <a:sym typeface="Arial"/>
                 <a:hlinkClick r:id="rId3"/>
               </a:rPr>
-              <a:t>https://www.forbes.com/sites/bernardmarr/2018/07/27/how-is-ai-used-in-healthcare-5-powerful-real-world-examples-that-show-the-latest-advances/#3dd5aeb95dfb</a:t>
+              <a:t>https://machinelearningmastery.com/what-is-computer-vision/</a:t>
+            </a:r>
+            <a:r>
+              <a:rPr lang="en"/>
+              <a:t> </a:t>
             </a:r>
             <a:endParaRPr/>
           </a:p>
           <a:p>
             <a:pPr indent="-342900" lvl="0" marL="457200" rtl="0" algn="l">
+              <a:lnSpc>
+                <a:spcPct val="150000"/>
+              </a:lnSpc>
               <a:spcBef>
                 <a:spcPts val="0"/>
               </a:spcBef>
@@ -8032,7 +8342,7 @@
             </a:pPr>
             <a:r>
               <a:rPr lang="en"/>
-              <a:t>Sustainability: </a:t>
+              <a:t>NLP: </a:t>
             </a:r>
             <a:r>
               <a:rPr lang="en" u="sng">
@@ -8041,16 +8351,15 @@
                 </a:solidFill>
                 <a:hlinkClick r:id="rId4"/>
               </a:rPr>
-              <a:t>https://www.youtube.com/watch?v=mJ6rjJiIHyo</a:t>
-            </a:r>
-            <a:r>
-              <a:rPr lang="en"/>
-              <a:t> </a:t>
+              <a:t>https://machinelearningmastery.com/natural-language-processing/</a:t>
             </a:r>
             <a:endParaRPr/>
           </a:p>
           <a:p>
             <a:pPr indent="-342900" lvl="0" marL="457200" rtl="0" algn="l">
+              <a:lnSpc>
+                <a:spcPct val="150000"/>
+              </a:lnSpc>
               <a:spcBef>
                 <a:spcPts val="0"/>
               </a:spcBef>
@@ -8062,7 +8371,7 @@
             </a:pPr>
             <a:r>
               <a:rPr lang="en"/>
-              <a:t>Business: </a:t>
+              <a:t>Recommendation Systems: </a:t>
             </a:r>
             <a:r>
               <a:rPr lang="en" u="sng">
@@ -8071,16 +8380,15 @@
                 </a:solidFill>
                 <a:hlinkClick r:id="rId5"/>
               </a:rPr>
-              <a:t>https://www.youtube.com/watch?v=N_eHmaRf9T4</a:t>
-            </a:r>
-            <a:r>
-              <a:rPr lang="en"/>
-              <a:t> </a:t>
+              <a:t>https://developers.google.com/machine-learning/recommendation/collaborative/basics</a:t>
             </a:r>
             <a:endParaRPr/>
           </a:p>
           <a:p>
             <a:pPr indent="-342900" lvl="0" marL="457200" rtl="0" algn="l">
+              <a:lnSpc>
+                <a:spcPct val="150000"/>
+              </a:lnSpc>
               <a:spcBef>
                 <a:spcPts val="0"/>
               </a:spcBef>
@@ -8092,20 +8400,7 @@
             </a:pPr>
             <a:r>
               <a:rPr lang="en"/>
-              <a:t>Economics: </a:t>
-            </a:r>
-            <a:r>
-              <a:rPr lang="en" u="sng">
-                <a:solidFill>
-                  <a:schemeClr val="hlink"/>
-                </a:solidFill>
-                <a:hlinkClick r:id="rId6"/>
-              </a:rPr>
-              <a:t>https://www.youtube.com/watch?v=0BAFOJbo4W4</a:t>
-            </a:r>
-            <a:r>
-              <a:rPr lang="en"/>
-              <a:t> </a:t>
+              <a:t>Deep Learning: https://machinelearningmastery.com/what-is-deep-learning/</a:t>
             </a:r>
             <a:endParaRPr/>
           </a:p>
@@ -8120,11 +8415,11 @@
 </file>
 
 <file path=ppt/slides/slide11.xml><?xml version="1.0" encoding="utf-8"?>
-<p:sld xmlns:a="http://schemas.openxmlformats.org/drawingml/2006/main" xmlns:r="http://schemas.openxmlformats.org/officeDocument/2006/relationships" xmlns:mc="http://schemas.openxmlformats.org/markup-compatibility/2006" xmlns:mv="urn:schemas-microsoft-com:mac:vml" xmlns:p="http://schemas.openxmlformats.org/presentationml/2006/main" xmlns:c="http://schemas.openxmlformats.org/drawingml/2006/chart" xmlns:dgm="http://schemas.openxmlformats.org/drawingml/2006/diagram" xmlns:o="urn:schemas-microsoft-com:office:office" xmlns:v="urn:schemas-microsoft-com:vml" xmlns:pvml="urn:schemas-microsoft-com:office:powerpoint" xmlns:com="http://schemas.openxmlformats.org/drawingml/2006/compatibility" xmlns:p14="http://schemas.microsoft.com/office/powerpoint/2010/main" xmlns:p15="http://schemas.microsoft.com/office/powerpoint/2012/main">
+<p:sld xmlns:a="http://schemas.openxmlformats.org/drawingml/2006/main" xmlns:r="http://schemas.openxmlformats.org/officeDocument/2006/relationships" xmlns:mc="http://schemas.openxmlformats.org/markup-compatibility/2006" xmlns:mv="urn:schemas-microsoft-com:mac:vml" xmlns:p="http://schemas.openxmlformats.org/presentationml/2006/main" xmlns:c="http://schemas.openxmlformats.org/drawingml/2006/chart" xmlns:dgm="http://schemas.openxmlformats.org/drawingml/2006/diagram" xmlns:o="urn:schemas-microsoft-com:office:office" xmlns:v="urn:schemas-microsoft-com:vml" xmlns:pvml="urn:schemas-microsoft-com:office:powerpoint" xmlns:com="http://schemas.openxmlformats.org/drawingml/2006/compatibility" xmlns:p14="http://schemas.microsoft.com/office/powerpoint/2010/main" xmlns:p15="http://schemas.microsoft.com/office/powerpoint/2012/main" xmlns:ahyp="http://schemas.microsoft.com/office/drawing/2018/hyperlinkcolor">
   <p:cSld>
     <p:spTree>
       <p:nvGrpSpPr>
-        <p:cNvPr id="127" name="Shape 127"/>
+        <p:cNvPr id="128" name="Shape 128"/>
         <p:cNvGrpSpPr/>
         <p:nvPr/>
       </p:nvGrpSpPr>
@@ -8138,7 +8433,7 @@
       </p:grpSpPr>
       <p:sp>
         <p:nvSpPr>
-          <p:cNvPr id="128" name="Google Shape;128;p23"/>
+          <p:cNvPr id="129" name="Google Shape;129;p23"/>
           <p:cNvSpPr txBox="1"/>
           <p:nvPr>
             <p:ph type="title"/>
@@ -8170,7 +8465,7 @@
             </a:pPr>
             <a:r>
               <a:rPr lang="en"/>
-              <a:t>Ethics of AI</a:t>
+              <a:t>Practical Applications of AI</a:t>
             </a:r>
             <a:endParaRPr/>
           </a:p>
@@ -8178,7 +8473,7 @@
       </p:sp>
       <p:sp>
         <p:nvSpPr>
-          <p:cNvPr id="129" name="Google Shape;129;p23"/>
+          <p:cNvPr id="130" name="Google Shape;130;p23"/>
           <p:cNvSpPr txBox="1"/>
           <p:nvPr>
             <p:ph idx="1" type="body"/>
@@ -8199,9 +8494,31 @@
           </a:bodyPr>
           <a:lstStyle/>
           <a:p>
+            <a:pPr indent="0" lvl="0" marL="0" rtl="0" algn="l">
+              <a:lnSpc>
+                <a:spcPct val="150000"/>
+              </a:lnSpc>
+              <a:spcBef>
+                <a:spcPts val="0"/>
+              </a:spcBef>
+              <a:spcAft>
+                <a:spcPts val="0"/>
+              </a:spcAft>
+              <a:buNone/>
+            </a:pPr>
+            <a:r>
+              <a:rPr lang="en"/>
+              <a:t>AI is extensively used in: </a:t>
+            </a:r>
+            <a:endParaRPr/>
+          </a:p>
+          <a:p>
             <a:pPr indent="-342900" lvl="0" marL="457200" rtl="0" algn="l">
-              <a:spcBef>
-                <a:spcPts val="0"/>
+              <a:lnSpc>
+                <a:spcPct val="150000"/>
+              </a:lnSpc>
+              <a:spcBef>
+                <a:spcPts val="1600"/>
               </a:spcBef>
               <a:spcAft>
                 <a:spcPts val="0"/>
@@ -8211,12 +8528,34 @@
             </a:pPr>
             <a:r>
               <a:rPr lang="en"/>
-              <a:t>There is very little regulation surrounding AI considering how new it is, but there are various ethical questions about how far to take this technology</a:t>
+              <a:t>Healthcare: </a:t>
+            </a:r>
+            <a:r>
+              <a:rPr lang="en" sz="1100" u="sng">
+                <a:solidFill>
+                  <a:srgbClr val="1155CC"/>
+                </a:solidFill>
+                <a:latin typeface="Arial"/>
+                <a:ea typeface="Arial"/>
+                <a:cs typeface="Arial"/>
+                <a:sym typeface="Arial"/>
+                <a:hlinkClick r:id="rId3">
+                  <a:extLst>
+                    <a:ext uri="{A12FA001-AC4F-418D-AE19-62706E023703}">
+                      <ahyp:hlinkClr val="tx"/>
+                    </a:ext>
+                  </a:extLst>
+                </a:hlinkClick>
+              </a:rPr>
+              <a:t>https://www.forbes.com/sites/bernardmarr/2018/07/27/how-is-ai-used-in-healthcare-5-powerful-real-world-examples-that-show-the-latest-advances/#3dd5aeb95dfb</a:t>
             </a:r>
             <a:endParaRPr/>
           </a:p>
           <a:p>
             <a:pPr indent="-342900" lvl="0" marL="457200" rtl="0" algn="l">
+              <a:lnSpc>
+                <a:spcPct val="150000"/>
+              </a:lnSpc>
               <a:spcBef>
                 <a:spcPts val="0"/>
               </a:spcBef>
@@ -8226,19 +8565,30 @@
               <a:buSzPts val="1800"/>
               <a:buChar char="-"/>
             </a:pPr>
+            <a:r>
+              <a:rPr lang="en"/>
+              <a:t>Sustainability: </a:t>
+            </a:r>
             <a:r>
               <a:rPr lang="en" u="sng">
                 <a:solidFill>
                   <a:schemeClr val="hlink"/>
                 </a:solidFill>
-                <a:hlinkClick r:id="rId3"/>
+                <a:hlinkClick r:id="rId4"/>
               </a:rPr>
-              <a:t>Stanford article summarizing ethics of AI</a:t>
+              <a:t>https://www.youtube.com/watch?v=mJ6rjJiIHyo</a:t>
+            </a:r>
+            <a:r>
+              <a:rPr lang="en"/>
+              <a:t> </a:t>
             </a:r>
             <a:endParaRPr/>
           </a:p>
           <a:p>
             <a:pPr indent="-342900" lvl="0" marL="457200" rtl="0" algn="l">
+              <a:lnSpc>
+                <a:spcPct val="150000"/>
+              </a:lnSpc>
               <a:spcBef>
                 <a:spcPts val="0"/>
               </a:spcBef>
@@ -8250,58 +8600,53 @@
             </a:pPr>
             <a:r>
               <a:rPr lang="en"/>
-              <a:t>Big questions: </a:t>
+              <a:t>Business: </a:t>
+            </a:r>
+            <a:r>
+              <a:rPr lang="en" u="sng">
+                <a:solidFill>
+                  <a:schemeClr val="hlink"/>
+                </a:solidFill>
+                <a:hlinkClick r:id="rId5"/>
+              </a:rPr>
+              <a:t>https://www.youtube.com/watch?v=N_eHmaRf9T4</a:t>
+            </a:r>
+            <a:r>
+              <a:rPr lang="en"/>
+              <a:t> </a:t>
             </a:r>
             <a:endParaRPr/>
           </a:p>
           <a:p>
-            <a:pPr indent="-317500" lvl="1" marL="914400" rtl="0" algn="l">
-              <a:spcBef>
-                <a:spcPts val="0"/>
-              </a:spcBef>
-              <a:spcAft>
-                <a:spcPts val="0"/>
-              </a:spcAft>
-              <a:buSzPts val="1400"/>
+            <a:pPr indent="-342900" lvl="0" marL="457200" rtl="0" algn="l">
+              <a:lnSpc>
+                <a:spcPct val="150000"/>
+              </a:lnSpc>
+              <a:spcBef>
+                <a:spcPts val="0"/>
+              </a:spcBef>
+              <a:spcAft>
+                <a:spcPts val="0"/>
+              </a:spcAft>
+              <a:buSzPts val="1800"/>
               <a:buChar char="-"/>
             </a:pPr>
             <a:r>
               <a:rPr lang="en"/>
-              <a:t>How can we ensure a right to privacy and knowledge of surveillance?</a:t>
-            </a:r>
-            <a:endParaRPr/>
-          </a:p>
-          <a:p>
-            <a:pPr indent="-317500" lvl="1" marL="914400" rtl="0" algn="l">
-              <a:spcBef>
-                <a:spcPts val="0"/>
-              </a:spcBef>
-              <a:spcAft>
-                <a:spcPts val="0"/>
-              </a:spcAft>
-              <a:buSzPts val="1400"/>
-              <a:buChar char="-"/>
-            </a:pPr>
+              <a:t>Economics: </a:t>
+            </a:r>
+            <a:r>
+              <a:rPr lang="en" u="sng">
+                <a:solidFill>
+                  <a:schemeClr val="hlink"/>
+                </a:solidFill>
+                <a:hlinkClick r:id="rId6"/>
+              </a:rPr>
+              <a:t>https://www.youtube.com/watch?v=0BAFOJbo4W4</a:t>
+            </a:r>
             <a:r>
               <a:rPr lang="en"/>
-              <a:t>Will AI ever be able to do things on its own?</a:t>
-            </a:r>
-            <a:endParaRPr/>
-          </a:p>
-          <a:p>
-            <a:pPr indent="-317500" lvl="2" marL="1371600" rtl="0" algn="l">
-              <a:spcBef>
-                <a:spcPts val="0"/>
-              </a:spcBef>
-              <a:spcAft>
-                <a:spcPts val="0"/>
-              </a:spcAft>
-              <a:buSzPts val="1400"/>
-              <a:buChar char="-"/>
-            </a:pPr>
-            <a:r>
-              <a:rPr lang="en"/>
-              <a:t>Far reached example, but think Ultron from Avengers</a:t>
+              <a:t> </a:t>
             </a:r>
             <a:endParaRPr/>
           </a:p>
@@ -8316,11 +8661,11 @@
 </file>
 
 <file path=ppt/slides/slide12.xml><?xml version="1.0" encoding="utf-8"?>
-<p:sld xmlns:a="http://schemas.openxmlformats.org/drawingml/2006/main" xmlns:r="http://schemas.openxmlformats.org/officeDocument/2006/relationships" xmlns:mc="http://schemas.openxmlformats.org/markup-compatibility/2006" xmlns:mv="urn:schemas-microsoft-com:mac:vml" xmlns:p="http://schemas.openxmlformats.org/presentationml/2006/main" xmlns:c="http://schemas.openxmlformats.org/drawingml/2006/chart" xmlns:dgm="http://schemas.openxmlformats.org/drawingml/2006/diagram" xmlns:o="urn:schemas-microsoft-com:office:office" xmlns:v="urn:schemas-microsoft-com:vml" xmlns:pvml="urn:schemas-microsoft-com:office:powerpoint" xmlns:com="http://schemas.openxmlformats.org/drawingml/2006/compatibility" xmlns:p14="http://schemas.microsoft.com/office/powerpoint/2010/main" xmlns:p15="http://schemas.microsoft.com/office/powerpoint/2012/main">
+<p:sld xmlns:a="http://schemas.openxmlformats.org/drawingml/2006/main" xmlns:r="http://schemas.openxmlformats.org/officeDocument/2006/relationships" xmlns:mc="http://schemas.openxmlformats.org/markup-compatibility/2006" xmlns:mv="urn:schemas-microsoft-com:mac:vml" xmlns:p="http://schemas.openxmlformats.org/presentationml/2006/main" xmlns:c="http://schemas.openxmlformats.org/drawingml/2006/chart" xmlns:dgm="http://schemas.openxmlformats.org/drawingml/2006/diagram" xmlns:o="urn:schemas-microsoft-com:office:office" xmlns:v="urn:schemas-microsoft-com:vml" xmlns:pvml="urn:schemas-microsoft-com:office:powerpoint" xmlns:com="http://schemas.openxmlformats.org/drawingml/2006/compatibility" xmlns:p14="http://schemas.microsoft.com/office/powerpoint/2010/main" xmlns:p15="http://schemas.microsoft.com/office/powerpoint/2012/main" xmlns:ahyp="http://schemas.microsoft.com/office/drawing/2018/hyperlinkcolor">
   <p:cSld>
     <p:spTree>
       <p:nvGrpSpPr>
-        <p:cNvPr id="133" name="Shape 133"/>
+        <p:cNvPr id="134" name="Shape 134"/>
         <p:cNvGrpSpPr/>
         <p:nvPr/>
       </p:nvGrpSpPr>
@@ -8334,7 +8679,7 @@
       </p:grpSpPr>
       <p:sp>
         <p:nvSpPr>
-          <p:cNvPr id="134" name="Google Shape;134;p24"/>
+          <p:cNvPr id="135" name="Google Shape;135;p24"/>
           <p:cNvSpPr txBox="1"/>
           <p:nvPr>
             <p:ph type="title"/>
@@ -8366,6 +8711,253 @@
             </a:pPr>
             <a:r>
               <a:rPr lang="en"/>
+              <a:t>Ethics of AI</a:t>
+            </a:r>
+            <a:endParaRPr/>
+          </a:p>
+        </p:txBody>
+      </p:sp>
+      <p:sp>
+        <p:nvSpPr>
+          <p:cNvPr id="136" name="Google Shape;136;p24"/>
+          <p:cNvSpPr txBox="1"/>
+          <p:nvPr>
+            <p:ph idx="1" type="body"/>
+          </p:nvPr>
+        </p:nvSpPr>
+        <p:spPr>
+          <a:xfrm>
+            <a:off x="311700" y="1266325"/>
+            <a:ext cx="8520600" cy="3302700"/>
+          </a:xfrm>
+          <a:prstGeom prst="rect">
+            <a:avLst/>
+          </a:prstGeom>
+        </p:spPr>
+        <p:txBody>
+          <a:bodyPr anchorCtr="0" anchor="t" bIns="91425" lIns="91425" spcFirstLastPara="1" rIns="91425" wrap="square" tIns="91425">
+            <a:noAutofit/>
+          </a:bodyPr>
+          <a:lstStyle/>
+          <a:p>
+            <a:pPr indent="-342900" lvl="0" marL="457200" rtl="0" algn="l">
+              <a:spcBef>
+                <a:spcPts val="0"/>
+              </a:spcBef>
+              <a:spcAft>
+                <a:spcPts val="0"/>
+              </a:spcAft>
+              <a:buSzPts val="1800"/>
+              <a:buChar char="-"/>
+            </a:pPr>
+            <a:r>
+              <a:rPr lang="en"/>
+              <a:t>There is very little regulation surrounding AI considering how new it is, but there are various ethical questions about how far to take this technology</a:t>
+            </a:r>
+            <a:endParaRPr/>
+          </a:p>
+          <a:p>
+            <a:pPr indent="-342900" lvl="0" marL="457200" rtl="0" algn="l">
+              <a:spcBef>
+                <a:spcPts val="0"/>
+              </a:spcBef>
+              <a:spcAft>
+                <a:spcPts val="0"/>
+              </a:spcAft>
+              <a:buSzPts val="1800"/>
+              <a:buChar char="-"/>
+            </a:pPr>
+            <a:r>
+              <a:rPr lang="en" u="sng">
+                <a:solidFill>
+                  <a:schemeClr val="hlink"/>
+                </a:solidFill>
+                <a:hlinkClick r:id="rId3"/>
+              </a:rPr>
+              <a:t>Stanford article summarizing ethics of AI</a:t>
+            </a:r>
+            <a:endParaRPr/>
+          </a:p>
+          <a:p>
+            <a:pPr indent="-342900" lvl="0" marL="457200" rtl="0" algn="l">
+              <a:spcBef>
+                <a:spcPts val="0"/>
+              </a:spcBef>
+              <a:spcAft>
+                <a:spcPts val="0"/>
+              </a:spcAft>
+              <a:buSzPts val="1800"/>
+              <a:buChar char="-"/>
+            </a:pPr>
+            <a:r>
+              <a:rPr lang="en"/>
+              <a:t>Some of the big questions: </a:t>
+            </a:r>
+            <a:endParaRPr/>
+          </a:p>
+          <a:p>
+            <a:pPr indent="-317500" lvl="1" marL="914400" rtl="0" algn="l">
+              <a:spcBef>
+                <a:spcPts val="0"/>
+              </a:spcBef>
+              <a:spcAft>
+                <a:spcPts val="0"/>
+              </a:spcAft>
+              <a:buSzPts val="1400"/>
+              <a:buChar char="-"/>
+            </a:pPr>
+            <a:r>
+              <a:rPr lang="en"/>
+              <a:t>How can we ensure a right to privacy and knowledge of surveillance?</a:t>
+            </a:r>
+            <a:endParaRPr/>
+          </a:p>
+          <a:p>
+            <a:pPr indent="-317500" lvl="1" marL="914400" rtl="0" algn="l">
+              <a:spcBef>
+                <a:spcPts val="0"/>
+              </a:spcBef>
+              <a:spcAft>
+                <a:spcPts val="0"/>
+              </a:spcAft>
+              <a:buSzPts val="1400"/>
+              <a:buChar char="-"/>
+            </a:pPr>
+            <a:r>
+              <a:rPr lang="en"/>
+              <a:t>Will AI ever be able to do things on its own?</a:t>
+            </a:r>
+            <a:endParaRPr/>
+          </a:p>
+          <a:p>
+            <a:pPr indent="-317500" lvl="2" marL="1371600" rtl="0" algn="l">
+              <a:spcBef>
+                <a:spcPts val="0"/>
+              </a:spcBef>
+              <a:spcAft>
+                <a:spcPts val="0"/>
+              </a:spcAft>
+              <a:buSzPts val="1400"/>
+              <a:buChar char="-"/>
+            </a:pPr>
+            <a:r>
+              <a:rPr lang="en"/>
+              <a:t>Far reached example, but think Ultron from Avengers</a:t>
+            </a:r>
+            <a:endParaRPr/>
+          </a:p>
+          <a:p>
+            <a:pPr indent="-317500" lvl="1" marL="914400" rtl="0" algn="l">
+              <a:spcBef>
+                <a:spcPts val="0"/>
+              </a:spcBef>
+              <a:spcAft>
+                <a:spcPts val="0"/>
+              </a:spcAft>
+              <a:buSzPts val="1400"/>
+              <a:buChar char="-"/>
+            </a:pPr>
+            <a:r>
+              <a:rPr lang="en"/>
+              <a:t>How will AI impact employment and jobs?</a:t>
+            </a:r>
+            <a:endParaRPr/>
+          </a:p>
+          <a:p>
+            <a:pPr indent="-317500" lvl="1" marL="914400" rtl="0" algn="l">
+              <a:spcBef>
+                <a:spcPts val="0"/>
+              </a:spcBef>
+              <a:spcAft>
+                <a:spcPts val="0"/>
+              </a:spcAft>
+              <a:buSzPts val="1400"/>
+              <a:buChar char="-"/>
+            </a:pPr>
+            <a:r>
+              <a:rPr lang="en"/>
+              <a:t>How do we hold AI accountable? Who is responsible for their actions when they fail?</a:t>
+            </a:r>
+            <a:endParaRPr/>
+          </a:p>
+          <a:p>
+            <a:pPr indent="-317500" lvl="1" marL="914400" rtl="0" algn="l">
+              <a:spcBef>
+                <a:spcPts val="0"/>
+              </a:spcBef>
+              <a:spcAft>
+                <a:spcPts val="0"/>
+              </a:spcAft>
+              <a:buSzPts val="1400"/>
+              <a:buChar char="-"/>
+            </a:pPr>
+            <a:r>
+              <a:rPr b="1" lang="en"/>
+              <a:t>^there are many more questions like this that ethicists have to grapple with</a:t>
+            </a:r>
+            <a:endParaRPr b="1"/>
+          </a:p>
+        </p:txBody>
+      </p:sp>
+    </p:spTree>
+  </p:cSld>
+  <p:clrMapOvr>
+    <a:masterClrMapping/>
+  </p:clrMapOvr>
+</p:sld>
+</file>
+
+<file path=ppt/slides/slide13.xml><?xml version="1.0" encoding="utf-8"?>
+<p:sld xmlns:a="http://schemas.openxmlformats.org/drawingml/2006/main" xmlns:r="http://schemas.openxmlformats.org/officeDocument/2006/relationships" xmlns:mc="http://schemas.openxmlformats.org/markup-compatibility/2006" xmlns:mv="urn:schemas-microsoft-com:mac:vml" xmlns:p="http://schemas.openxmlformats.org/presentationml/2006/main" xmlns:c="http://schemas.openxmlformats.org/drawingml/2006/chart" xmlns:dgm="http://schemas.openxmlformats.org/drawingml/2006/diagram" xmlns:o="urn:schemas-microsoft-com:office:office" xmlns:v="urn:schemas-microsoft-com:vml" xmlns:pvml="urn:schemas-microsoft-com:office:powerpoint" xmlns:com="http://schemas.openxmlformats.org/drawingml/2006/compatibility" xmlns:p14="http://schemas.microsoft.com/office/powerpoint/2010/main" xmlns:p15="http://schemas.microsoft.com/office/powerpoint/2012/main" xmlns:ahyp="http://schemas.microsoft.com/office/drawing/2018/hyperlinkcolor">
+  <p:cSld>
+    <p:spTree>
+      <p:nvGrpSpPr>
+        <p:cNvPr id="140" name="Shape 140"/>
+        <p:cNvGrpSpPr/>
+        <p:nvPr/>
+      </p:nvGrpSpPr>
+      <p:grpSpPr>
+        <a:xfrm>
+          <a:off x="0" y="0"/>
+          <a:ext cx="0" cy="0"/>
+          <a:chOff x="0" y="0"/>
+          <a:chExt cx="0" cy="0"/>
+        </a:xfrm>
+      </p:grpSpPr>
+      <p:sp>
+        <p:nvSpPr>
+          <p:cNvPr id="141" name="Google Shape;141;p25"/>
+          <p:cNvSpPr txBox="1"/>
+          <p:nvPr>
+            <p:ph type="title"/>
+          </p:nvPr>
+        </p:nvSpPr>
+        <p:spPr>
+          <a:xfrm>
+            <a:off x="311700" y="445025"/>
+            <a:ext cx="8520600" cy="707400"/>
+          </a:xfrm>
+          <a:prstGeom prst="rect">
+            <a:avLst/>
+          </a:prstGeom>
+        </p:spPr>
+        <p:txBody>
+          <a:bodyPr anchorCtr="0" anchor="t" bIns="91425" lIns="91425" spcFirstLastPara="1" rIns="91425" wrap="square" tIns="91425">
+            <a:noAutofit/>
+          </a:bodyPr>
+          <a:lstStyle/>
+          <a:p>
+            <a:pPr indent="0" lvl="0" marL="0" rtl="0" algn="l">
+              <a:spcBef>
+                <a:spcPts val="0"/>
+              </a:spcBef>
+              <a:spcAft>
+                <a:spcPts val="0"/>
+              </a:spcAft>
+              <a:buNone/>
+            </a:pPr>
+            <a:r>
+              <a:rPr lang="en"/>
               <a:t>Video -- Ethics of AI(How it hurts employees)</a:t>
             </a:r>
             <a:endParaRPr/>
@@ -8374,7 +8966,7 @@
       </p:sp>
       <p:pic>
         <p:nvPicPr>
-          <p:cNvPr descr="Many companies have started to jump on to the #AI bandwagon without a strategy.  Using an example from the nascent Internet days, I argue that two companies can use AI entirely differently, and one will win and the other will be obliterated." id="135" name="Google Shape;135;p24" title="How Companies Will Use AI to Obliterate Yours">
+          <p:cNvPr descr="Many companies have started to jump on to the #AI bandwagon without a strategy.  Using an example from the nascent Internet days, I argue that two companies can use AI entirely differently, and one will win and the other will be obliterated." id="142" name="Google Shape;142;p25" title="How Companies Will Use AI to Obliterate Yours">
             <a:hlinkClick r:id="rId3"/>
           </p:cNvPr>
           <p:cNvPicPr preferRelativeResize="0"/>
@@ -8410,12 +9002,12 @@
 </p:sld>
 </file>
 
-<file path=ppt/slides/slide13.xml><?xml version="1.0" encoding="utf-8"?>
-<p:sld xmlns:a="http://schemas.openxmlformats.org/drawingml/2006/main" xmlns:r="http://schemas.openxmlformats.org/officeDocument/2006/relationships" xmlns:mc="http://schemas.openxmlformats.org/markup-compatibility/2006" xmlns:mv="urn:schemas-microsoft-com:mac:vml" xmlns:p="http://schemas.openxmlformats.org/presentationml/2006/main" xmlns:c="http://schemas.openxmlformats.org/drawingml/2006/chart" xmlns:dgm="http://schemas.openxmlformats.org/drawingml/2006/diagram" xmlns:o="urn:schemas-microsoft-com:office:office" xmlns:v="urn:schemas-microsoft-com:vml" xmlns:pvml="urn:schemas-microsoft-com:office:powerpoint" xmlns:com="http://schemas.openxmlformats.org/drawingml/2006/compatibility" xmlns:p14="http://schemas.microsoft.com/office/powerpoint/2010/main" xmlns:p15="http://schemas.microsoft.com/office/powerpoint/2012/main">
+<file path=ppt/slides/slide14.xml><?xml version="1.0" encoding="utf-8"?>
+<p:sld xmlns:a="http://schemas.openxmlformats.org/drawingml/2006/main" xmlns:r="http://schemas.openxmlformats.org/officeDocument/2006/relationships" xmlns:mc="http://schemas.openxmlformats.org/markup-compatibility/2006" xmlns:mv="urn:schemas-microsoft-com:mac:vml" xmlns:p="http://schemas.openxmlformats.org/presentationml/2006/main" xmlns:c="http://schemas.openxmlformats.org/drawingml/2006/chart" xmlns:dgm="http://schemas.openxmlformats.org/drawingml/2006/diagram" xmlns:o="urn:schemas-microsoft-com:office:office" xmlns:v="urn:schemas-microsoft-com:vml" xmlns:pvml="urn:schemas-microsoft-com:office:powerpoint" xmlns:com="http://schemas.openxmlformats.org/drawingml/2006/compatibility" xmlns:p14="http://schemas.microsoft.com/office/powerpoint/2010/main" xmlns:p15="http://schemas.microsoft.com/office/powerpoint/2012/main" xmlns:ahyp="http://schemas.microsoft.com/office/drawing/2018/hyperlinkcolor">
   <p:cSld>
     <p:spTree>
       <p:nvGrpSpPr>
-        <p:cNvPr id="139" name="Shape 139"/>
+        <p:cNvPr id="146" name="Shape 146"/>
         <p:cNvGrpSpPr/>
         <p:nvPr/>
       </p:nvGrpSpPr>
@@ -8429,7 +9021,7 @@
       </p:grpSpPr>
       <p:sp>
         <p:nvSpPr>
-          <p:cNvPr id="140" name="Google Shape;140;p25"/>
+          <p:cNvPr id="147" name="Google Shape;147;p26"/>
           <p:cNvSpPr txBox="1"/>
           <p:nvPr>
             <p:ph type="title"/>
@@ -8461,7 +9053,7 @@
             </a:pPr>
             <a:r>
               <a:rPr lang="en"/>
-              <a:t>How AI will help you</a:t>
+              <a:t>Data</a:t>
             </a:r>
             <a:endParaRPr/>
           </a:p>
@@ -8469,7 +9061,7 @@
       </p:sp>
       <p:sp>
         <p:nvSpPr>
-          <p:cNvPr id="141" name="Google Shape;141;p25"/>
+          <p:cNvPr id="148" name="Google Shape;148;p26"/>
           <p:cNvSpPr txBox="1"/>
           <p:nvPr>
             <p:ph idx="1" type="body"/>
@@ -8491,6 +9083,9 @@
           <a:lstStyle/>
           <a:p>
             <a:pPr indent="-342900" lvl="0" marL="457200" rtl="0" algn="l">
+              <a:lnSpc>
+                <a:spcPct val="150000"/>
+              </a:lnSpc>
               <a:spcBef>
                 <a:spcPts val="0"/>
               </a:spcBef>
@@ -8502,67 +9097,15 @@
             </a:pPr>
             <a:r>
               <a:rPr b="1" lang="en"/>
-              <a:t>College Applications: </a:t>
+              <a:t>Data is extremely important for Machine Learning specifically</a:t>
             </a:r>
             <a:endParaRPr b="1"/>
           </a:p>
           <a:p>
-            <a:pPr indent="-317500" lvl="1" marL="914400" rtl="0" algn="l">
-              <a:spcBef>
-                <a:spcPts val="0"/>
-              </a:spcBef>
-              <a:spcAft>
-                <a:spcPts val="0"/>
-              </a:spcAft>
-              <a:buSzPts val="1400"/>
-              <a:buChar char="-"/>
-            </a:pPr>
-            <a:r>
-              <a:rPr lang="en"/>
-              <a:t>Potential Major in CS, Engineering</a:t>
-            </a:r>
-            <a:endParaRPr/>
-          </a:p>
-          <a:p>
-            <a:pPr indent="-317500" lvl="2" marL="1371600" rtl="0" algn="l">
-              <a:spcBef>
-                <a:spcPts val="0"/>
-              </a:spcBef>
-              <a:spcAft>
-                <a:spcPts val="0"/>
-              </a:spcAft>
-              <a:buSzPts val="1400"/>
-              <a:buChar char="-"/>
-            </a:pPr>
-            <a:r>
-              <a:rPr lang="en"/>
-              <a:t>Then AI will be very useful </a:t>
-            </a:r>
-            <a:endParaRPr/>
-          </a:p>
-          <a:p>
-            <a:pPr indent="-317500" lvl="1" marL="914400" rtl="0" algn="l">
-              <a:spcBef>
-                <a:spcPts val="0"/>
-              </a:spcBef>
-              <a:spcAft>
-                <a:spcPts val="0"/>
-              </a:spcAft>
-              <a:buSzPts val="1400"/>
-              <a:buChar char="-"/>
-            </a:pPr>
-            <a:r>
-              <a:rPr lang="en"/>
-              <a:t>There's</a:t>
-            </a:r>
-            <a:r>
-              <a:rPr lang="en"/>
-              <a:t> no AI/ML major yet, but it might be a thing in the future</a:t>
-            </a:r>
-            <a:endParaRPr/>
-          </a:p>
-          <a:p>
             <a:pPr indent="-342900" lvl="0" marL="457200" rtl="0" algn="l">
+              <a:lnSpc>
+                <a:spcPct val="150000"/>
+              </a:lnSpc>
               <a:spcBef>
                 <a:spcPts val="0"/>
               </a:spcBef>
@@ -8573,61 +9116,75 @@
               <a:buChar char="-"/>
             </a:pPr>
             <a:r>
-              <a:rPr b="1" lang="en"/>
-              <a:t>AI is the future in careers: </a:t>
-            </a:r>
-            <a:endParaRPr b="1"/>
-          </a:p>
-          <a:p>
-            <a:pPr indent="-317500" lvl="1" marL="914400" rtl="0" algn="l">
-              <a:spcBef>
-                <a:spcPts val="0"/>
-              </a:spcBef>
-              <a:spcAft>
-                <a:spcPts val="0"/>
-              </a:spcAft>
-              <a:buSzPts val="1400"/>
+              <a:rPr lang="en"/>
+              <a:t>Machines learn from being exposed to huge amounts of data, and the more data that is present, the more these machines are able to adapt and learn</a:t>
+            </a:r>
+            <a:endParaRPr/>
+          </a:p>
+          <a:p>
+            <a:pPr indent="-342900" lvl="0" marL="457200" rtl="0" algn="l">
+              <a:lnSpc>
+                <a:spcPct val="150000"/>
+              </a:lnSpc>
+              <a:spcBef>
+                <a:spcPts val="0"/>
+              </a:spcBef>
+              <a:spcAft>
+                <a:spcPts val="0"/>
+              </a:spcAft>
+              <a:buSzPts val="1800"/>
               <a:buChar char="-"/>
             </a:pPr>
             <a:r>
               <a:rPr lang="en"/>
-              <a:t>Every career is gradually integrating AI, and developing a foundation in AI will assist you wherever you choose to go</a:t>
+              <a:t>Larger data is important</a:t>
             </a:r>
             <a:endParaRPr/>
           </a:p>
           <a:p>
-            <a:pPr indent="-317500" lvl="1" marL="914400" rtl="0" algn="l">
-              <a:spcBef>
-                <a:spcPts val="0"/>
-              </a:spcBef>
-              <a:spcAft>
-                <a:spcPts val="0"/>
-              </a:spcAft>
-              <a:buSzPts val="1400"/>
+            <a:pPr indent="-342900" lvl="0" marL="457200" rtl="0" algn="l">
+              <a:lnSpc>
+                <a:spcPct val="150000"/>
+              </a:lnSpc>
+              <a:spcBef>
+                <a:spcPts val="0"/>
+              </a:spcBef>
+              <a:spcAft>
+                <a:spcPts val="0"/>
+              </a:spcAft>
+              <a:buSzPts val="1800"/>
               <a:buChar char="-"/>
             </a:pPr>
             <a:r>
               <a:rPr lang="en"/>
-              <a:t>Regardless of what you want to pursue, AI will most likely be important</a:t>
+              <a:t>One of the best resources for data: </a:t>
             </a:r>
             <a:endParaRPr/>
           </a:p>
           <a:p>
-            <a:pPr indent="-317500" lvl="2" marL="1371600" rtl="0" algn="l">
-              <a:spcBef>
-                <a:spcPts val="0"/>
-              </a:spcBef>
-              <a:spcAft>
-                <a:spcPts val="0"/>
-              </a:spcAft>
-              <a:buSzPts val="1400"/>
+            <a:pPr indent="-342900" lvl="1" marL="914400" rtl="0" algn="l">
+              <a:lnSpc>
+                <a:spcPct val="150000"/>
+              </a:lnSpc>
+              <a:spcBef>
+                <a:spcPts val="0"/>
+              </a:spcBef>
+              <a:spcAft>
+                <a:spcPts val="0"/>
+              </a:spcAft>
+              <a:buSzPts val="1800"/>
               <a:buChar char="-"/>
             </a:pPr>
             <a:r>
-              <a:rPr lang="en"/>
-              <a:t>Viraaj wants to be a doctor, but he still learns AI because of its vast potential and application in healthcare</a:t>
-            </a:r>
-            <a:endParaRPr/>
+              <a:rPr lang="en" sz="1800" u="sng">
+                <a:solidFill>
+                  <a:schemeClr val="hlink"/>
+                </a:solidFill>
+                <a:hlinkClick r:id="rId3"/>
+              </a:rPr>
+              <a:t>https://www.kaggle.com/</a:t>
+            </a:r>
+            <a:endParaRPr sz="1800"/>
           </a:p>
         </p:txBody>
       </p:sp>
@@ -8639,12 +9196,12 @@
 </p:sld>
 </file>
 
-<file path=ppt/slides/slide14.xml><?xml version="1.0" encoding="utf-8"?>
-<p:sld xmlns:a="http://schemas.openxmlformats.org/drawingml/2006/main" xmlns:r="http://schemas.openxmlformats.org/officeDocument/2006/relationships" xmlns:mc="http://schemas.openxmlformats.org/markup-compatibility/2006" xmlns:mv="urn:schemas-microsoft-com:mac:vml" xmlns:p="http://schemas.openxmlformats.org/presentationml/2006/main" xmlns:c="http://schemas.openxmlformats.org/drawingml/2006/chart" xmlns:dgm="http://schemas.openxmlformats.org/drawingml/2006/diagram" xmlns:o="urn:schemas-microsoft-com:office:office" xmlns:v="urn:schemas-microsoft-com:vml" xmlns:pvml="urn:schemas-microsoft-com:office:powerpoint" xmlns:com="http://schemas.openxmlformats.org/drawingml/2006/compatibility" xmlns:p14="http://schemas.microsoft.com/office/powerpoint/2010/main" xmlns:p15="http://schemas.microsoft.com/office/powerpoint/2012/main">
+<file path=ppt/slides/slide15.xml><?xml version="1.0" encoding="utf-8"?>
+<p:sld xmlns:a="http://schemas.openxmlformats.org/drawingml/2006/main" xmlns:r="http://schemas.openxmlformats.org/officeDocument/2006/relationships" xmlns:mc="http://schemas.openxmlformats.org/markup-compatibility/2006" xmlns:mv="urn:schemas-microsoft-com:mac:vml" xmlns:p="http://schemas.openxmlformats.org/presentationml/2006/main" xmlns:c="http://schemas.openxmlformats.org/drawingml/2006/chart" xmlns:dgm="http://schemas.openxmlformats.org/drawingml/2006/diagram" xmlns:o="urn:schemas-microsoft-com:office:office" xmlns:v="urn:schemas-microsoft-com:vml" xmlns:pvml="urn:schemas-microsoft-com:office:powerpoint" xmlns:com="http://schemas.openxmlformats.org/drawingml/2006/compatibility" xmlns:p14="http://schemas.microsoft.com/office/powerpoint/2010/main" xmlns:p15="http://schemas.microsoft.com/office/powerpoint/2012/main" xmlns:ahyp="http://schemas.microsoft.com/office/drawing/2018/hyperlinkcolor">
   <p:cSld>
     <p:spTree>
       <p:nvGrpSpPr>
-        <p:cNvPr id="145" name="Shape 145"/>
+        <p:cNvPr id="152" name="Shape 152"/>
         <p:cNvGrpSpPr/>
         <p:nvPr/>
       </p:nvGrpSpPr>
@@ -8658,7 +9215,7 @@
       </p:grpSpPr>
       <p:sp>
         <p:nvSpPr>
-          <p:cNvPr id="146" name="Google Shape;146;p26"/>
+          <p:cNvPr id="153" name="Google Shape;153;p27"/>
           <p:cNvSpPr txBox="1"/>
           <p:nvPr>
             <p:ph type="title"/>
@@ -8690,56 +9247,7 @@
             </a:pPr>
             <a:r>
               <a:rPr lang="en"/>
-              <a:t>Setting up google </a:t>
-            </a:r>
-            <a:r>
-              <a:rPr lang="en"/>
-              <a:t>colaboratory</a:t>
-            </a:r>
-            <a:endParaRPr/>
-          </a:p>
-          <a:p>
-            <a:pPr indent="0" lvl="0" marL="0" rtl="0" algn="l">
-              <a:spcBef>
-                <a:spcPts val="0"/>
-              </a:spcBef>
-              <a:spcAft>
-                <a:spcPts val="0"/>
-              </a:spcAft>
-              <a:buNone/>
-            </a:pPr>
-            <a:r>
-              <a:t/>
-            </a:r>
-            <a:endParaRPr/>
-          </a:p>
-          <a:p>
-            <a:pPr indent="0" lvl="0" marL="0" rtl="0" algn="l">
-              <a:spcBef>
-                <a:spcPts val="0"/>
-              </a:spcBef>
-              <a:spcAft>
-                <a:spcPts val="0"/>
-              </a:spcAft>
-              <a:buNone/>
-            </a:pPr>
-            <a:r>
-              <a:t/>
-            </a:r>
-            <a:endParaRPr/>
-          </a:p>
-          <a:p>
-            <a:pPr indent="0" lvl="0" marL="0" rtl="0" algn="l">
-              <a:spcBef>
-                <a:spcPts val="0"/>
-              </a:spcBef>
-              <a:spcAft>
-                <a:spcPts val="0"/>
-              </a:spcAft>
-              <a:buNone/>
-            </a:pPr>
-            <a:r>
-              <a:t/>
+              <a:t>How AI will help you</a:t>
             </a:r>
             <a:endParaRPr/>
           </a:p>
@@ -8747,7 +9255,7 @@
       </p:sp>
       <p:sp>
         <p:nvSpPr>
-          <p:cNvPr id="147" name="Google Shape;147;p26"/>
+          <p:cNvPr id="154" name="Google Shape;154;p27"/>
           <p:cNvSpPr txBox="1"/>
           <p:nvPr>
             <p:ph idx="1" type="body"/>
@@ -8782,8 +9290,68 @@
               <a:buChar char="-"/>
             </a:pPr>
             <a:r>
+              <a:rPr b="1" lang="en" sz="1800"/>
+              <a:t>College Applications: </a:t>
+            </a:r>
+            <a:endParaRPr b="1" sz="1800"/>
+          </a:p>
+          <a:p>
+            <a:pPr indent="-317500" lvl="1" marL="914400" rtl="0" algn="l">
+              <a:lnSpc>
+                <a:spcPct val="150000"/>
+              </a:lnSpc>
+              <a:spcBef>
+                <a:spcPts val="0"/>
+              </a:spcBef>
+              <a:spcAft>
+                <a:spcPts val="0"/>
+              </a:spcAft>
+              <a:buSzPts val="1400"/>
+              <a:buChar char="-"/>
+            </a:pPr>
+            <a:r>
               <a:rPr lang="en"/>
-              <a:t>Google colab: A free integrated development environment (IDE) hosted by Google that allows you to run your Python code</a:t>
+              <a:t>Potential Major in CS, Engineering</a:t>
+            </a:r>
+            <a:endParaRPr/>
+          </a:p>
+          <a:p>
+            <a:pPr indent="-317500" lvl="2" marL="1371600" rtl="0" algn="l">
+              <a:lnSpc>
+                <a:spcPct val="150000"/>
+              </a:lnSpc>
+              <a:spcBef>
+                <a:spcPts val="0"/>
+              </a:spcBef>
+              <a:spcAft>
+                <a:spcPts val="0"/>
+              </a:spcAft>
+              <a:buSzPts val="1400"/>
+              <a:buChar char="-"/>
+            </a:pPr>
+            <a:r>
+              <a:rPr lang="en"/>
+              <a:t>Then AI will be very useful </a:t>
+            </a:r>
+            <a:endParaRPr/>
+          </a:p>
+          <a:p>
+            <a:pPr indent="-317500" lvl="1" marL="914400" rtl="0" algn="l">
+              <a:lnSpc>
+                <a:spcPct val="150000"/>
+              </a:lnSpc>
+              <a:spcBef>
+                <a:spcPts val="0"/>
+              </a:spcBef>
+              <a:spcAft>
+                <a:spcPts val="0"/>
+              </a:spcAft>
+              <a:buSzPts val="1400"/>
+              <a:buChar char="-"/>
+            </a:pPr>
+            <a:r>
+              <a:rPr lang="en"/>
+              <a:t>There's no AI/ML major yet, but it might be a thing in the future</a:t>
             </a:r>
             <a:endParaRPr/>
           </a:p>
@@ -8802,10 +9370,70 @@
               <a:buChar char="-"/>
             </a:pPr>
             <a:r>
+              <a:rPr b="1" lang="en" sz="1800"/>
+              <a:t>AI is the future in careers: </a:t>
+            </a:r>
+            <a:endParaRPr b="1" sz="1800"/>
+          </a:p>
+          <a:p>
+            <a:pPr indent="-317500" lvl="1" marL="914400" rtl="0" algn="l">
+              <a:lnSpc>
+                <a:spcPct val="150000"/>
+              </a:lnSpc>
+              <a:spcBef>
+                <a:spcPts val="0"/>
+              </a:spcBef>
+              <a:spcAft>
+                <a:spcPts val="0"/>
+              </a:spcAft>
+              <a:buSzPts val="1400"/>
+              <a:buChar char="-"/>
+            </a:pPr>
+            <a:r>
               <a:rPr lang="en"/>
-              <a:t>Ayaan will screen-share and show you how to set this up in your Google Drive</a:t>
+              <a:t>Every career is gradually integrating AI, and developing a foundation in AI will assist you wherever you choose to go</a:t>
             </a:r>
             <a:endParaRPr/>
+          </a:p>
+          <a:p>
+            <a:pPr indent="-317500" lvl="1" marL="914400" rtl="0" algn="l">
+              <a:lnSpc>
+                <a:spcPct val="150000"/>
+              </a:lnSpc>
+              <a:spcBef>
+                <a:spcPts val="0"/>
+              </a:spcBef>
+              <a:spcAft>
+                <a:spcPts val="0"/>
+              </a:spcAft>
+              <a:buSzPts val="1400"/>
+              <a:buChar char="-"/>
+            </a:pPr>
+            <a:r>
+              <a:rPr lang="en"/>
+              <a:t>Regardless of what you want to pursue, AI will most likely be important</a:t>
+            </a:r>
+            <a:endParaRPr/>
+          </a:p>
+          <a:p>
+            <a:pPr indent="-317500" lvl="2" marL="1371600" rtl="0" algn="l">
+              <a:lnSpc>
+                <a:spcPct val="150000"/>
+              </a:lnSpc>
+              <a:spcBef>
+                <a:spcPts val="0"/>
+              </a:spcBef>
+              <a:spcAft>
+                <a:spcPts val="0"/>
+              </a:spcAft>
+              <a:buSzPts val="1400"/>
+              <a:buChar char="-"/>
+            </a:pPr>
+            <a:r>
+              <a:rPr lang="en"/>
+              <a:t>Viraaj wants to be a doctor, but he still learns AI because of its vast potential and application in healthcare</a:t>
+            </a:r>
+            <a:endParaRPr sz="1800"/>
           </a:p>
         </p:txBody>
       </p:sp>
@@ -8817,12 +9445,12 @@
 </p:sld>
 </file>
 
-<file path=ppt/slides/slide15.xml><?xml version="1.0" encoding="utf-8"?>
-<p:sld xmlns:a="http://schemas.openxmlformats.org/drawingml/2006/main" xmlns:r="http://schemas.openxmlformats.org/officeDocument/2006/relationships" xmlns:mc="http://schemas.openxmlformats.org/markup-compatibility/2006" xmlns:mv="urn:schemas-microsoft-com:mac:vml" xmlns:p="http://schemas.openxmlformats.org/presentationml/2006/main" xmlns:c="http://schemas.openxmlformats.org/drawingml/2006/chart" xmlns:dgm="http://schemas.openxmlformats.org/drawingml/2006/diagram" xmlns:o="urn:schemas-microsoft-com:office:office" xmlns:v="urn:schemas-microsoft-com:vml" xmlns:pvml="urn:schemas-microsoft-com:office:powerpoint" xmlns:com="http://schemas.openxmlformats.org/drawingml/2006/compatibility" xmlns:p14="http://schemas.microsoft.com/office/powerpoint/2010/main" xmlns:p15="http://schemas.microsoft.com/office/powerpoint/2012/main">
+<file path=ppt/slides/slide16.xml><?xml version="1.0" encoding="utf-8"?>
+<p:sld xmlns:a="http://schemas.openxmlformats.org/drawingml/2006/main" xmlns:r="http://schemas.openxmlformats.org/officeDocument/2006/relationships" xmlns:mc="http://schemas.openxmlformats.org/markup-compatibility/2006" xmlns:mv="urn:schemas-microsoft-com:mac:vml" xmlns:p="http://schemas.openxmlformats.org/presentationml/2006/main" xmlns:c="http://schemas.openxmlformats.org/drawingml/2006/chart" xmlns:dgm="http://schemas.openxmlformats.org/drawingml/2006/diagram" xmlns:o="urn:schemas-microsoft-com:office:office" xmlns:v="urn:schemas-microsoft-com:vml" xmlns:pvml="urn:schemas-microsoft-com:office:powerpoint" xmlns:com="http://schemas.openxmlformats.org/drawingml/2006/compatibility" xmlns:p14="http://schemas.microsoft.com/office/powerpoint/2010/main" xmlns:p15="http://schemas.microsoft.com/office/powerpoint/2012/main" xmlns:ahyp="http://schemas.microsoft.com/office/drawing/2018/hyperlinkcolor">
   <p:cSld>
     <p:spTree>
       <p:nvGrpSpPr>
-        <p:cNvPr id="151" name="Shape 151"/>
+        <p:cNvPr id="158" name="Shape 158"/>
         <p:cNvGrpSpPr/>
         <p:nvPr/>
       </p:nvGrpSpPr>
@@ -8836,7 +9464,7 @@
       </p:grpSpPr>
       <p:sp>
         <p:nvSpPr>
-          <p:cNvPr id="152" name="Google Shape;152;p27"/>
+          <p:cNvPr id="159" name="Google Shape;159;p28"/>
           <p:cNvSpPr txBox="1"/>
           <p:nvPr>
             <p:ph type="title"/>
@@ -8844,7 +9472,7 @@
         </p:nvSpPr>
         <p:spPr>
           <a:xfrm>
-            <a:off x="311700" y="445025"/>
+            <a:off x="311700" y="91600"/>
             <a:ext cx="8520600" cy="707400"/>
           </a:xfrm>
           <a:prstGeom prst="rect">
@@ -8868,7 +9496,56 @@
             </a:pPr>
             <a:r>
               <a:rPr lang="en"/>
-              <a:t>Learning Github</a:t>
+              <a:t>Setting up google </a:t>
+            </a:r>
+            <a:r>
+              <a:rPr lang="en"/>
+              <a:t>colaboratory</a:t>
+            </a:r>
+            <a:endParaRPr/>
+          </a:p>
+          <a:p>
+            <a:pPr indent="0" lvl="0" marL="0" rtl="0" algn="l">
+              <a:spcBef>
+                <a:spcPts val="0"/>
+              </a:spcBef>
+              <a:spcAft>
+                <a:spcPts val="0"/>
+              </a:spcAft>
+              <a:buNone/>
+            </a:pPr>
+            <a:r>
+              <a:t/>
+            </a:r>
+            <a:endParaRPr/>
+          </a:p>
+          <a:p>
+            <a:pPr indent="0" lvl="0" marL="0" rtl="0" algn="l">
+              <a:spcBef>
+                <a:spcPts val="0"/>
+              </a:spcBef>
+              <a:spcAft>
+                <a:spcPts val="0"/>
+              </a:spcAft>
+              <a:buNone/>
+            </a:pPr>
+            <a:r>
+              <a:t/>
+            </a:r>
+            <a:endParaRPr/>
+          </a:p>
+          <a:p>
+            <a:pPr indent="0" lvl="0" marL="0" rtl="0" algn="l">
+              <a:spcBef>
+                <a:spcPts val="0"/>
+              </a:spcBef>
+              <a:spcAft>
+                <a:spcPts val="0"/>
+              </a:spcAft>
+              <a:buNone/>
+            </a:pPr>
+            <a:r>
+              <a:t/>
             </a:r>
             <a:endParaRPr/>
           </a:p>
@@ -8876,7 +9553,7 @@
       </p:sp>
       <p:sp>
         <p:nvSpPr>
-          <p:cNvPr id="153" name="Google Shape;153;p27"/>
+          <p:cNvPr id="160" name="Google Shape;160;p28"/>
           <p:cNvSpPr txBox="1"/>
           <p:nvPr>
             <p:ph idx="1" type="body"/>
@@ -8884,7 +9561,7 @@
         </p:nvSpPr>
         <p:spPr>
           <a:xfrm>
-            <a:off x="311700" y="1266325"/>
+            <a:off x="311700" y="732425"/>
             <a:ext cx="8520600" cy="3302700"/>
           </a:xfrm>
           <a:prstGeom prst="rect">
@@ -8898,6 +9575,9 @@
           <a:lstStyle/>
           <a:p>
             <a:pPr indent="-342900" lvl="0" marL="457200" rtl="0" algn="l">
+              <a:lnSpc>
+                <a:spcPct val="150000"/>
+              </a:lnSpc>
               <a:spcBef>
                 <a:spcPts val="0"/>
               </a:spcBef>
@@ -8905,79 +9585,143 @@
                 <a:spcPts val="0"/>
               </a:spcAft>
               <a:buSzPts val="1800"/>
-              <a:buChar char="●"/>
+              <a:buChar char="-"/>
             </a:pPr>
             <a:r>
               <a:rPr lang="en"/>
-              <a:t>We will be using Github as our primary source of storing and sharing code and materials for this course</a:t>
-            </a:r>
-            <a:endParaRPr/>
-          </a:p>
-          <a:p>
-            <a:pPr indent="-342900" lvl="0" marL="457200" rtl="0" algn="l">
-              <a:spcBef>
-                <a:spcPts val="0"/>
-              </a:spcBef>
-              <a:spcAft>
-                <a:spcPts val="0"/>
-              </a:spcAft>
-              <a:buSzPts val="1800"/>
-              <a:buChar char="●"/>
-            </a:pPr>
-            <a:r>
-              <a:rPr lang="en"/>
-              <a:t>All of you should make Github accounts and we will teach you how to share your code on github using Github Desktop. </a:t>
-            </a:r>
-            <a:endParaRPr/>
-          </a:p>
-          <a:p>
-            <a:pPr indent="-317500" lvl="1" marL="914400" rtl="0" algn="l">
-              <a:spcBef>
-                <a:spcPts val="0"/>
-              </a:spcBef>
-              <a:spcAft>
-                <a:spcPts val="0"/>
-              </a:spcAft>
-              <a:buSzPts val="1400"/>
-              <a:buChar char="○"/>
-            </a:pPr>
-            <a:r>
-              <a:rPr lang="en"/>
-              <a:t>All of you should make your own repository where you will make a folder for your practice code as well as a folder for your actual project when you make it </a:t>
-            </a:r>
-            <a:endParaRPr/>
-          </a:p>
-          <a:p>
-            <a:pPr indent="0" lvl="0" marL="457200" rtl="0" algn="l">
-              <a:spcBef>
-                <a:spcPts val="1600"/>
-              </a:spcBef>
-              <a:spcAft>
-                <a:spcPts val="1600"/>
-              </a:spcAft>
-              <a:buNone/>
-            </a:pPr>
-            <a:r>
-              <a:t/>
+              <a:t>Google colab: A free integrated development environment (IDE) hosted by Google that allows you to run your Python code</a:t>
             </a:r>
             <a:endParaRPr/>
           </a:p>
         </p:txBody>
       </p:sp>
+      <p:pic>
+        <p:nvPicPr>
+          <p:cNvPr descr="Want to get started with Google Colaboratory? In this episode of Coding TensorFlow, Software Engineer, Jake VanderPlas breaks down exactly what you need to get started with Colab. Colaboratory is a free Jupyter notebook environment that requires no setup, and runs entirely (writing, running, &amp; sharing code) on the Cloud. Watch to learn more, and subscribe to get notified for the next Colab series episode, that focuses on the use of TensorFlow in Colab!&#10;&#10;Google Colabs: An easy way to learn &amp; use TensorFlow blog post → https://bit.ly/2CR7vTr&#10;&#10;Get started with Colab now → https://bit.ly/2t2JwMJ&#10;Google Colab FAQ → https://bit.ly/2B6UFjO&#10;&#10;TensorFlow in Google Colaboratory Playlist → https://bit.ly/2RCIaC5&#10;&#10;Watch more Coding TensorFlow → https://bit.ly/Coding-TensorFlow &#10;Subscribe to the TensorFlow YouTube channel → https://bit.ly/TensorFlow1" id="161" name="Google Shape;161;p28" title="Get started with Google Colaboratory (Coding TensorFlow)">
+            <a:hlinkClick r:id="rId3"/>
+          </p:cNvPr>
+          <p:cNvPicPr preferRelativeResize="0"/>
+          <p:nvPr/>
+        </p:nvPicPr>
+        <p:blipFill>
+          <a:blip r:embed="rId4">
+            <a:alphaModFix/>
+          </a:blip>
+          <a:stretch>
+            <a:fillRect/>
+          </a:stretch>
+        </p:blipFill>
+        <p:spPr>
+          <a:xfrm>
+            <a:off x="2286000" y="1541550"/>
+            <a:ext cx="4572000" cy="3429000"/>
+          </a:xfrm>
+          <a:prstGeom prst="rect">
+            <a:avLst/>
+          </a:prstGeom>
+          <a:noFill/>
+          <a:ln>
+            <a:noFill/>
+          </a:ln>
+        </p:spPr>
+      </p:pic>
     </p:spTree>
   </p:cSld>
   <p:clrMapOvr>
     <a:masterClrMapping/>
   </p:clrMapOvr>
+  <p:timing>
+    <p:tnLst>
+      <p:par>
+        <p:cTn dur="indefinite" nodeType="tmRoot" restart="never">
+          <p:childTnLst>
+            <p:seq concurrent="1" nextAc="seek">
+              <p:cTn dur="indefinite" id="2" nodeType="mainSeq">
+                <p:childTnLst>
+                  <p:par>
+                    <p:cTn fill="hold">
+                      <p:stCondLst>
+                        <p:cond delay="indefinite"/>
+                      </p:stCondLst>
+                      <p:childTnLst>
+                        <p:par>
+                          <p:cTn fill="hold">
+                            <p:stCondLst>
+                              <p:cond delay="0"/>
+                            </p:stCondLst>
+                            <p:childTnLst>
+                              <p:par>
+                                <p:cTn fill="hold" nodeType="clickEffect" presetClass="entr" presetID="10" presetSubtype="0">
+                                  <p:stCondLst>
+                                    <p:cond delay="0"/>
+                                  </p:stCondLst>
+                                  <p:childTnLst>
+                                    <p:set>
+                                      <p:cBhvr>
+                                        <p:cTn dur="1" fill="hold">
+                                          <p:stCondLst>
+                                            <p:cond delay="0"/>
+                                          </p:stCondLst>
+                                        </p:cTn>
+                                        <p:tgtEl>
+                                          <p:spTgt spid="161"/>
+                                        </p:tgtEl>
+                                        <p:attrNameLst>
+                                          <p:attrName>style.visibility</p:attrName>
+                                        </p:attrNameLst>
+                                      </p:cBhvr>
+                                      <p:to>
+                                        <p:strVal val="visible"/>
+                                      </p:to>
+                                    </p:set>
+                                    <p:animEffect filter="fade" transition="in">
+                                      <p:cBhvr>
+                                        <p:cTn dur="1000"/>
+                                        <p:tgtEl>
+                                          <p:spTgt spid="161"/>
+                                        </p:tgtEl>
+                                      </p:cBhvr>
+                                    </p:animEffect>
+                                  </p:childTnLst>
+                                </p:cTn>
+                              </p:par>
+                            </p:childTnLst>
+                          </p:cTn>
+                        </p:par>
+                      </p:childTnLst>
+                    </p:cTn>
+                  </p:par>
+                </p:childTnLst>
+              </p:cTn>
+              <p:prevCondLst>
+                <p:cond evt="onPrev">
+                  <p:tgtEl>
+                    <p:sldTgt/>
+                  </p:tgtEl>
+                </p:cond>
+              </p:prevCondLst>
+              <p:nextCondLst>
+                <p:cond evt="onNext">
+                  <p:tgtEl>
+                    <p:sldTgt/>
+                  </p:tgtEl>
+                </p:cond>
+              </p:nextCondLst>
+            </p:seq>
+          </p:childTnLst>
+        </p:cTn>
+      </p:par>
+    </p:tnLst>
+  </p:timing>
 </p:sld>
 </file>
 
-<file path=ppt/slides/slide16.xml><?xml version="1.0" encoding="utf-8"?>
-<p:sld xmlns:a="http://schemas.openxmlformats.org/drawingml/2006/main" xmlns:r="http://schemas.openxmlformats.org/officeDocument/2006/relationships" xmlns:mc="http://schemas.openxmlformats.org/markup-compatibility/2006" xmlns:mv="urn:schemas-microsoft-com:mac:vml" xmlns:p="http://schemas.openxmlformats.org/presentationml/2006/main" xmlns:c="http://schemas.openxmlformats.org/drawingml/2006/chart" xmlns:dgm="http://schemas.openxmlformats.org/drawingml/2006/diagram" xmlns:o="urn:schemas-microsoft-com:office:office" xmlns:v="urn:schemas-microsoft-com:vml" xmlns:pvml="urn:schemas-microsoft-com:office:powerpoint" xmlns:com="http://schemas.openxmlformats.org/drawingml/2006/compatibility" xmlns:p14="http://schemas.microsoft.com/office/powerpoint/2010/main" xmlns:p15="http://schemas.microsoft.com/office/powerpoint/2012/main">
+<file path=ppt/slides/slide17.xml><?xml version="1.0" encoding="utf-8"?>
+<p:sld xmlns:a="http://schemas.openxmlformats.org/drawingml/2006/main" xmlns:r="http://schemas.openxmlformats.org/officeDocument/2006/relationships" xmlns:mc="http://schemas.openxmlformats.org/markup-compatibility/2006" xmlns:mv="urn:schemas-microsoft-com:mac:vml" xmlns:p="http://schemas.openxmlformats.org/presentationml/2006/main" xmlns:c="http://schemas.openxmlformats.org/drawingml/2006/chart" xmlns:dgm="http://schemas.openxmlformats.org/drawingml/2006/diagram" xmlns:o="urn:schemas-microsoft-com:office:office" xmlns:v="urn:schemas-microsoft-com:vml" xmlns:pvml="urn:schemas-microsoft-com:office:powerpoint" xmlns:com="http://schemas.openxmlformats.org/drawingml/2006/compatibility" xmlns:p14="http://schemas.microsoft.com/office/powerpoint/2010/main" xmlns:p15="http://schemas.microsoft.com/office/powerpoint/2012/main" xmlns:ahyp="http://schemas.microsoft.com/office/drawing/2018/hyperlinkcolor">
   <p:cSld>
     <p:spTree>
       <p:nvGrpSpPr>
-        <p:cNvPr id="157" name="Shape 157"/>
+        <p:cNvPr id="165" name="Shape 165"/>
         <p:cNvGrpSpPr/>
         <p:nvPr/>
       </p:nvGrpSpPr>
@@ -8991,7 +9735,7 @@
       </p:grpSpPr>
       <p:sp>
         <p:nvSpPr>
-          <p:cNvPr id="158" name="Google Shape;158;p28"/>
+          <p:cNvPr id="166" name="Google Shape;166;p29"/>
           <p:cNvSpPr txBox="1"/>
           <p:nvPr>
             <p:ph type="title"/>
@@ -9023,7 +9767,7 @@
             </a:pPr>
             <a:r>
               <a:rPr lang="en"/>
-              <a:t>HW: Python Brush Up</a:t>
+              <a:t>Learning Github</a:t>
             </a:r>
             <a:endParaRPr/>
           </a:p>
@@ -9031,7 +9775,7 @@
       </p:sp>
       <p:sp>
         <p:nvSpPr>
-          <p:cNvPr id="159" name="Google Shape;159;p28"/>
+          <p:cNvPr id="167" name="Google Shape;167;p29"/>
           <p:cNvSpPr txBox="1"/>
           <p:nvPr>
             <p:ph idx="1" type="body"/>
@@ -9052,19 +9796,67 @@
           </a:bodyPr>
           <a:lstStyle/>
           <a:p>
-            <a:pPr indent="0" lvl="0" marL="0" rtl="0" algn="l">
-              <a:spcBef>
-                <a:spcPts val="0"/>
-              </a:spcBef>
-              <a:spcAft>
-                <a:spcPts val="0"/>
-              </a:spcAft>
-              <a:buNone/>
+            <a:pPr indent="-342900" lvl="0" marL="457200" rtl="0" algn="l">
+              <a:spcBef>
+                <a:spcPts val="0"/>
+              </a:spcBef>
+              <a:spcAft>
+                <a:spcPts val="0"/>
+              </a:spcAft>
+              <a:buSzPts val="1800"/>
+              <a:buChar char="●"/>
             </a:pPr>
             <a:r>
               <a:rPr lang="en"/>
-              <a:t>General python reference center: </a:t>
-            </a:r>
+              <a:t>We will be using Github as our primary source of storing and sharing code and materials for this course</a:t>
+            </a:r>
+            <a:endParaRPr/>
+          </a:p>
+          <a:p>
+            <a:pPr indent="-342900" lvl="0" marL="457200" rtl="0" algn="l">
+              <a:spcBef>
+                <a:spcPts val="0"/>
+              </a:spcBef>
+              <a:spcAft>
+                <a:spcPts val="0"/>
+              </a:spcAft>
+              <a:buSzPts val="1800"/>
+              <a:buChar char="●"/>
+            </a:pPr>
+            <a:r>
+              <a:rPr lang="en"/>
+              <a:t>All of you should make Github accounts and we will teach you how to share your code on github using Github Desktop. </a:t>
+            </a:r>
+            <a:endParaRPr/>
+          </a:p>
+          <a:p>
+            <a:pPr indent="-317500" lvl="1" marL="914400" rtl="0" algn="l">
+              <a:spcBef>
+                <a:spcPts val="0"/>
+              </a:spcBef>
+              <a:spcAft>
+                <a:spcPts val="0"/>
+              </a:spcAft>
+              <a:buSzPts val="1400"/>
+              <a:buChar char="○"/>
+            </a:pPr>
+            <a:r>
+              <a:rPr lang="en"/>
+              <a:t>All of you should make your own repository where you will make a folder for your practice code as well as a folder for your actual project when you make it </a:t>
+            </a:r>
+            <a:endParaRPr/>
+          </a:p>
+          <a:p>
+            <a:pPr indent="-342900" lvl="0" marL="457200" rtl="0" algn="l">
+              <a:spcBef>
+                <a:spcPts val="0"/>
+              </a:spcBef>
+              <a:spcAft>
+                <a:spcPts val="0"/>
+              </a:spcAft>
+              <a:buSzPts val="1800"/>
+              <a:buChar char="●"/>
+            </a:pPr>
             <a:r>
               <a:rPr lang="en" u="sng">
                 <a:solidFill>
@@ -9072,22 +9864,7 @@
                 </a:solidFill>
                 <a:hlinkClick r:id="rId3"/>
               </a:rPr>
-              <a:t>https://www.w3schools.com/python/</a:t>
-            </a:r>
-            <a:endParaRPr/>
-          </a:p>
-          <a:p>
-            <a:pPr indent="0" lvl="0" marL="0" rtl="0" algn="l">
-              <a:spcBef>
-                <a:spcPts val="1600"/>
-              </a:spcBef>
-              <a:spcAft>
-                <a:spcPts val="1600"/>
-              </a:spcAft>
-              <a:buNone/>
-            </a:pPr>
-            <a:r>
-              <a:t/>
+              <a:t>https://lab.github.com/githubtraining/introduction-to-github</a:t>
             </a:r>
             <a:endParaRPr/>
           </a:p>
@@ -9101,12 +9878,12 @@
 </p:sld>
 </file>
 
-<file path=ppt/slides/slide17.xml><?xml version="1.0" encoding="utf-8"?>
-<p:sld xmlns:a="http://schemas.openxmlformats.org/drawingml/2006/main" xmlns:r="http://schemas.openxmlformats.org/officeDocument/2006/relationships" xmlns:mc="http://schemas.openxmlformats.org/markup-compatibility/2006" xmlns:mv="urn:schemas-microsoft-com:mac:vml" xmlns:p="http://schemas.openxmlformats.org/presentationml/2006/main" xmlns:c="http://schemas.openxmlformats.org/drawingml/2006/chart" xmlns:dgm="http://schemas.openxmlformats.org/drawingml/2006/diagram" xmlns:o="urn:schemas-microsoft-com:office:office" xmlns:v="urn:schemas-microsoft-com:vml" xmlns:pvml="urn:schemas-microsoft-com:office:powerpoint" xmlns:com="http://schemas.openxmlformats.org/drawingml/2006/compatibility" xmlns:p14="http://schemas.microsoft.com/office/powerpoint/2010/main" xmlns:p15="http://schemas.microsoft.com/office/powerpoint/2012/main">
+<file path=ppt/slides/slide18.xml><?xml version="1.0" encoding="utf-8"?>
+<p:sld xmlns:a="http://schemas.openxmlformats.org/drawingml/2006/main" xmlns:r="http://schemas.openxmlformats.org/officeDocument/2006/relationships" xmlns:mc="http://schemas.openxmlformats.org/markup-compatibility/2006" xmlns:mv="urn:schemas-microsoft-com:mac:vml" xmlns:p="http://schemas.openxmlformats.org/presentationml/2006/main" xmlns:c="http://schemas.openxmlformats.org/drawingml/2006/chart" xmlns:dgm="http://schemas.openxmlformats.org/drawingml/2006/diagram" xmlns:o="urn:schemas-microsoft-com:office:office" xmlns:v="urn:schemas-microsoft-com:vml" xmlns:pvml="urn:schemas-microsoft-com:office:powerpoint" xmlns:com="http://schemas.openxmlformats.org/drawingml/2006/compatibility" xmlns:p14="http://schemas.microsoft.com/office/powerpoint/2010/main" xmlns:p15="http://schemas.microsoft.com/office/powerpoint/2012/main" xmlns:ahyp="http://schemas.microsoft.com/office/drawing/2018/hyperlinkcolor">
   <p:cSld>
     <p:spTree>
       <p:nvGrpSpPr>
-        <p:cNvPr id="163" name="Shape 163"/>
+        <p:cNvPr id="171" name="Shape 171"/>
         <p:cNvGrpSpPr/>
         <p:nvPr/>
       </p:nvGrpSpPr>
@@ -9120,7 +9897,7 @@
       </p:grpSpPr>
       <p:sp>
         <p:nvSpPr>
-          <p:cNvPr id="164" name="Google Shape;164;p29"/>
+          <p:cNvPr id="172" name="Google Shape;172;p30"/>
           <p:cNvSpPr txBox="1"/>
           <p:nvPr>
             <p:ph type="title"/>
@@ -9152,7 +9929,416 @@
             </a:pPr>
             <a:r>
               <a:rPr lang="en"/>
-              <a:t>Questions?</a:t>
+              <a:t>Important Python Libraries</a:t>
+            </a:r>
+            <a:endParaRPr/>
+          </a:p>
+        </p:txBody>
+      </p:sp>
+      <p:sp>
+        <p:nvSpPr>
+          <p:cNvPr id="173" name="Google Shape;173;p30"/>
+          <p:cNvSpPr txBox="1"/>
+          <p:nvPr>
+            <p:ph idx="1" type="body"/>
+          </p:nvPr>
+        </p:nvSpPr>
+        <p:spPr>
+          <a:xfrm>
+            <a:off x="311700" y="1266325"/>
+            <a:ext cx="8520600" cy="3302700"/>
+          </a:xfrm>
+          <a:prstGeom prst="rect">
+            <a:avLst/>
+          </a:prstGeom>
+        </p:spPr>
+        <p:txBody>
+          <a:bodyPr anchorCtr="0" anchor="t" bIns="91425" lIns="91425" spcFirstLastPara="1" rIns="91425" wrap="square" tIns="91425">
+            <a:noAutofit/>
+          </a:bodyPr>
+          <a:lstStyle/>
+          <a:p>
+            <a:pPr indent="-342900" lvl="0" marL="457200" rtl="0" algn="l">
+              <a:spcBef>
+                <a:spcPts val="0"/>
+              </a:spcBef>
+              <a:spcAft>
+                <a:spcPts val="0"/>
+              </a:spcAft>
+              <a:buSzPts val="1800"/>
+              <a:buChar char="-"/>
+            </a:pPr>
+            <a:r>
+              <a:rPr lang="en"/>
+              <a:t>Pandas</a:t>
+            </a:r>
+            <a:endParaRPr/>
+          </a:p>
+          <a:p>
+            <a:pPr indent="-342900" lvl="0" marL="457200" rtl="0" algn="l">
+              <a:spcBef>
+                <a:spcPts val="0"/>
+              </a:spcBef>
+              <a:spcAft>
+                <a:spcPts val="0"/>
+              </a:spcAft>
+              <a:buSzPts val="1800"/>
+              <a:buChar char="-"/>
+            </a:pPr>
+            <a:r>
+              <a:rPr lang="en"/>
+              <a:t>Numpy</a:t>
+            </a:r>
+            <a:endParaRPr/>
+          </a:p>
+          <a:p>
+            <a:pPr indent="-342900" lvl="0" marL="457200" rtl="0" algn="l">
+              <a:spcBef>
+                <a:spcPts val="0"/>
+              </a:spcBef>
+              <a:spcAft>
+                <a:spcPts val="0"/>
+              </a:spcAft>
+              <a:buSzPts val="1800"/>
+              <a:buChar char="-"/>
+            </a:pPr>
+            <a:r>
+              <a:rPr lang="en"/>
+              <a:t>Tensorflow/Keras</a:t>
+            </a:r>
+            <a:endParaRPr/>
+          </a:p>
+          <a:p>
+            <a:pPr indent="-342900" lvl="0" marL="457200" rtl="0" algn="l">
+              <a:spcBef>
+                <a:spcPts val="0"/>
+              </a:spcBef>
+              <a:spcAft>
+                <a:spcPts val="0"/>
+              </a:spcAft>
+              <a:buSzPts val="1800"/>
+              <a:buChar char="-"/>
+            </a:pPr>
+            <a:r>
+              <a:rPr lang="en"/>
+              <a:t>Matplotlib</a:t>
+            </a:r>
+            <a:endParaRPr/>
+          </a:p>
+          <a:p>
+            <a:pPr indent="-342900" lvl="0" marL="457200" rtl="0" algn="l">
+              <a:spcBef>
+                <a:spcPts val="0"/>
+              </a:spcBef>
+              <a:spcAft>
+                <a:spcPts val="0"/>
+              </a:spcAft>
+              <a:buSzPts val="1800"/>
+              <a:buChar char="-"/>
+            </a:pPr>
+            <a:r>
+              <a:rPr lang="en"/>
+              <a:t>Pytorch</a:t>
+            </a:r>
+            <a:endParaRPr/>
+          </a:p>
+          <a:p>
+            <a:pPr indent="-342900" lvl="0" marL="457200" rtl="0" algn="l">
+              <a:spcBef>
+                <a:spcPts val="0"/>
+              </a:spcBef>
+              <a:spcAft>
+                <a:spcPts val="0"/>
+              </a:spcAft>
+              <a:buSzPts val="1800"/>
+              <a:buChar char="-"/>
+            </a:pPr>
+            <a:r>
+              <a:rPr lang="en"/>
+              <a:t>Sci-kit Learn</a:t>
+            </a:r>
+            <a:endParaRPr/>
+          </a:p>
+          <a:p>
+            <a:pPr indent="-342900" lvl="0" marL="457200" rtl="0" algn="l">
+              <a:spcBef>
+                <a:spcPts val="0"/>
+              </a:spcBef>
+              <a:spcAft>
+                <a:spcPts val="0"/>
+              </a:spcAft>
+              <a:buSzPts val="1800"/>
+              <a:buChar char="-"/>
+            </a:pPr>
+            <a:r>
+              <a:rPr lang="en"/>
+              <a:t>In this course, we will use Pandas, Numpy, and Keras</a:t>
+            </a:r>
+            <a:endParaRPr/>
+          </a:p>
+        </p:txBody>
+      </p:sp>
+    </p:spTree>
+  </p:cSld>
+  <p:clrMapOvr>
+    <a:masterClrMapping/>
+  </p:clrMapOvr>
+</p:sld>
+</file>
+
+<file path=ppt/slides/slide19.xml><?xml version="1.0" encoding="utf-8"?>
+<p:sld xmlns:a="http://schemas.openxmlformats.org/drawingml/2006/main" xmlns:r="http://schemas.openxmlformats.org/officeDocument/2006/relationships" xmlns:mc="http://schemas.openxmlformats.org/markup-compatibility/2006" xmlns:mv="urn:schemas-microsoft-com:mac:vml" xmlns:p="http://schemas.openxmlformats.org/presentationml/2006/main" xmlns:c="http://schemas.openxmlformats.org/drawingml/2006/chart" xmlns:dgm="http://schemas.openxmlformats.org/drawingml/2006/diagram" xmlns:o="urn:schemas-microsoft-com:office:office" xmlns:v="urn:schemas-microsoft-com:vml" xmlns:pvml="urn:schemas-microsoft-com:office:powerpoint" xmlns:com="http://schemas.openxmlformats.org/drawingml/2006/compatibility" xmlns:p14="http://schemas.microsoft.com/office/powerpoint/2010/main" xmlns:p15="http://schemas.microsoft.com/office/powerpoint/2012/main" xmlns:ahyp="http://schemas.microsoft.com/office/drawing/2018/hyperlinkcolor">
+  <p:cSld>
+    <p:spTree>
+      <p:nvGrpSpPr>
+        <p:cNvPr id="177" name="Shape 177"/>
+        <p:cNvGrpSpPr/>
+        <p:nvPr/>
+      </p:nvGrpSpPr>
+      <p:grpSpPr>
+        <a:xfrm>
+          <a:off x="0" y="0"/>
+          <a:ext cx="0" cy="0"/>
+          <a:chOff x="0" y="0"/>
+          <a:chExt cx="0" cy="0"/>
+        </a:xfrm>
+      </p:grpSpPr>
+      <p:sp>
+        <p:nvSpPr>
+          <p:cNvPr id="178" name="Google Shape;178;p31"/>
+          <p:cNvSpPr txBox="1"/>
+          <p:nvPr>
+            <p:ph type="title"/>
+          </p:nvPr>
+        </p:nvSpPr>
+        <p:spPr>
+          <a:xfrm>
+            <a:off x="311700" y="445025"/>
+            <a:ext cx="8520600" cy="707400"/>
+          </a:xfrm>
+          <a:prstGeom prst="rect">
+            <a:avLst/>
+          </a:prstGeom>
+        </p:spPr>
+        <p:txBody>
+          <a:bodyPr anchorCtr="0" anchor="t" bIns="91425" lIns="91425" spcFirstLastPara="1" rIns="91425" wrap="square" tIns="91425">
+            <a:noAutofit/>
+          </a:bodyPr>
+          <a:lstStyle/>
+          <a:p>
+            <a:pPr indent="0" lvl="0" marL="0" rtl="0" algn="l">
+              <a:spcBef>
+                <a:spcPts val="0"/>
+              </a:spcBef>
+              <a:spcAft>
+                <a:spcPts val="0"/>
+              </a:spcAft>
+              <a:buNone/>
+            </a:pPr>
+            <a:r>
+              <a:rPr lang="en"/>
+              <a:t>HW: Python Brush Up</a:t>
+            </a:r>
+            <a:endParaRPr/>
+          </a:p>
+        </p:txBody>
+      </p:sp>
+      <p:sp>
+        <p:nvSpPr>
+          <p:cNvPr id="179" name="Google Shape;179;p31"/>
+          <p:cNvSpPr txBox="1"/>
+          <p:nvPr>
+            <p:ph idx="1" type="body"/>
+          </p:nvPr>
+        </p:nvSpPr>
+        <p:spPr>
+          <a:xfrm>
+            <a:off x="311700" y="1266325"/>
+            <a:ext cx="8520600" cy="3302700"/>
+          </a:xfrm>
+          <a:prstGeom prst="rect">
+            <a:avLst/>
+          </a:prstGeom>
+        </p:spPr>
+        <p:txBody>
+          <a:bodyPr anchorCtr="0" anchor="t" bIns="91425" lIns="91425" spcFirstLastPara="1" rIns="91425" wrap="square" tIns="91425">
+            <a:noAutofit/>
+          </a:bodyPr>
+          <a:lstStyle/>
+          <a:p>
+            <a:pPr indent="0" lvl="0" marL="0" rtl="0" algn="l">
+              <a:spcBef>
+                <a:spcPts val="0"/>
+              </a:spcBef>
+              <a:spcAft>
+                <a:spcPts val="0"/>
+              </a:spcAft>
+              <a:buNone/>
+            </a:pPr>
+            <a:r>
+              <a:rPr lang="en"/>
+              <a:t>General python reference center: </a:t>
+            </a:r>
+            <a:r>
+              <a:rPr lang="en" u="sng">
+                <a:solidFill>
+                  <a:schemeClr val="hlink"/>
+                </a:solidFill>
+                <a:hlinkClick r:id="rId3"/>
+              </a:rPr>
+              <a:t>https://www.w3schools.com/python/</a:t>
+            </a:r>
+            <a:endParaRPr/>
+          </a:p>
+          <a:p>
+            <a:pPr indent="0" lvl="0" marL="0" rtl="0" algn="l">
+              <a:spcBef>
+                <a:spcPts val="1600"/>
+              </a:spcBef>
+              <a:spcAft>
+                <a:spcPts val="0"/>
+              </a:spcAft>
+              <a:buNone/>
+            </a:pPr>
+            <a:r>
+              <a:rPr lang="en"/>
+              <a:t>Using python with google colab: </a:t>
+            </a:r>
+            <a:r>
+              <a:rPr lang="en" sz="1500" u="sng">
+                <a:solidFill>
+                  <a:schemeClr val="hlink"/>
+                </a:solidFill>
+                <a:hlinkClick r:id="rId4"/>
+              </a:rPr>
+              <a:t>https://towardsdatascience.com/how-to-practice-python-with-google-colab-45fc6b7d118b</a:t>
+            </a:r>
+            <a:endParaRPr sz="1500"/>
+          </a:p>
+          <a:p>
+            <a:pPr indent="0" lvl="0" marL="0" rtl="0" algn="l">
+              <a:spcBef>
+                <a:spcPts val="1600"/>
+              </a:spcBef>
+              <a:spcAft>
+                <a:spcPts val="0"/>
+              </a:spcAft>
+              <a:buNone/>
+            </a:pPr>
+            <a:r>
+              <a:rPr lang="en" sz="1500"/>
+              <a:t>While not all of you may have experience with Python, as long as you understand the basic concepts of coding, you should be fine. If not, make sure to ask questions and we will do our best to support you. </a:t>
+            </a:r>
+            <a:endParaRPr sz="1500"/>
+          </a:p>
+          <a:p>
+            <a:pPr indent="0" lvl="0" marL="0" rtl="0" algn="l">
+              <a:spcBef>
+                <a:spcPts val="1600"/>
+              </a:spcBef>
+              <a:spcAft>
+                <a:spcPts val="0"/>
+              </a:spcAft>
+              <a:buNone/>
+            </a:pPr>
+            <a:r>
+              <a:rPr lang="en" sz="1500"/>
+              <a:t>Check out these notebooks and learn them:</a:t>
+            </a:r>
+            <a:endParaRPr sz="1500"/>
+          </a:p>
+          <a:p>
+            <a:pPr indent="0" lvl="0" marL="0" rtl="0" algn="l">
+              <a:spcBef>
+                <a:spcPts val="1600"/>
+              </a:spcBef>
+              <a:spcAft>
+                <a:spcPts val="0"/>
+              </a:spcAft>
+              <a:buNone/>
+            </a:pPr>
+            <a:r>
+              <a:rPr lang="en" sz="1100" u="sng">
+                <a:solidFill>
+                  <a:schemeClr val="hlink"/>
+                </a:solidFill>
+                <a:latin typeface="Arial"/>
+                <a:ea typeface="Arial"/>
+                <a:cs typeface="Arial"/>
+                <a:sym typeface="Arial"/>
+                <a:hlinkClick r:id="rId5"/>
+              </a:rPr>
+              <a:t>https://colab.research.google.com/notebooks/intro.ipynb</a:t>
+            </a:r>
+            <a:endParaRPr sz="1500"/>
+          </a:p>
+          <a:p>
+            <a:pPr indent="0" lvl="0" marL="0" rtl="0" algn="l">
+              <a:spcBef>
+                <a:spcPts val="1600"/>
+              </a:spcBef>
+              <a:spcAft>
+                <a:spcPts val="0"/>
+              </a:spcAft>
+              <a:buNone/>
+            </a:pPr>
+            <a:r>
+              <a:rPr lang="en" sz="1100" u="sng">
+                <a:solidFill>
+                  <a:schemeClr val="hlink"/>
+                </a:solidFill>
+                <a:latin typeface="Arial"/>
+                <a:ea typeface="Arial"/>
+                <a:cs typeface="Arial"/>
+                <a:sym typeface="Arial"/>
+                <a:hlinkClick r:id="rId6"/>
+              </a:rPr>
+              <a:t>https://colab.research.google.com/notebooks/charts.ipynb</a:t>
+            </a:r>
+            <a:endParaRPr sz="1500"/>
+          </a:p>
+          <a:p>
+            <a:pPr indent="0" lvl="0" marL="0" rtl="0" algn="l">
+              <a:spcBef>
+                <a:spcPts val="1600"/>
+              </a:spcBef>
+              <a:spcAft>
+                <a:spcPts val="0"/>
+              </a:spcAft>
+              <a:buNone/>
+            </a:pPr>
+            <a:r>
+              <a:t/>
+            </a:r>
+            <a:endParaRPr sz="1500"/>
+          </a:p>
+          <a:p>
+            <a:pPr indent="0" lvl="0" marL="0" rtl="0" algn="l">
+              <a:spcBef>
+                <a:spcPts val="1600"/>
+              </a:spcBef>
+              <a:spcAft>
+                <a:spcPts val="0"/>
+              </a:spcAft>
+              <a:buNone/>
+            </a:pPr>
+            <a:r>
+              <a:t/>
+            </a:r>
+            <a:endParaRPr/>
+          </a:p>
+          <a:p>
+            <a:pPr indent="0" lvl="0" marL="0" rtl="0" algn="l">
+              <a:spcBef>
+                <a:spcPts val="1600"/>
+              </a:spcBef>
+              <a:spcAft>
+                <a:spcPts val="1600"/>
+              </a:spcAft>
+              <a:buNone/>
+            </a:pPr>
+            <a:r>
+              <a:t/>
             </a:r>
             <a:endParaRPr/>
           </a:p>
@@ -9167,7 +10353,7 @@
 </file>
 
 <file path=ppt/slides/slide2.xml><?xml version="1.0" encoding="utf-8"?>
-<p:sld xmlns:a="http://schemas.openxmlformats.org/drawingml/2006/main" xmlns:r="http://schemas.openxmlformats.org/officeDocument/2006/relationships" xmlns:mc="http://schemas.openxmlformats.org/markup-compatibility/2006" xmlns:mv="urn:schemas-microsoft-com:mac:vml" xmlns:p="http://schemas.openxmlformats.org/presentationml/2006/main" xmlns:c="http://schemas.openxmlformats.org/drawingml/2006/chart" xmlns:dgm="http://schemas.openxmlformats.org/drawingml/2006/diagram" xmlns:o="urn:schemas-microsoft-com:office:office" xmlns:v="urn:schemas-microsoft-com:vml" xmlns:pvml="urn:schemas-microsoft-com:office:powerpoint" xmlns:com="http://schemas.openxmlformats.org/drawingml/2006/compatibility" xmlns:p14="http://schemas.microsoft.com/office/powerpoint/2010/main" xmlns:p15="http://schemas.microsoft.com/office/powerpoint/2012/main">
+<p:sld xmlns:a="http://schemas.openxmlformats.org/drawingml/2006/main" xmlns:r="http://schemas.openxmlformats.org/officeDocument/2006/relationships" xmlns:mc="http://schemas.openxmlformats.org/markup-compatibility/2006" xmlns:mv="urn:schemas-microsoft-com:mac:vml" xmlns:p="http://schemas.openxmlformats.org/presentationml/2006/main" xmlns:c="http://schemas.openxmlformats.org/drawingml/2006/chart" xmlns:dgm="http://schemas.openxmlformats.org/drawingml/2006/diagram" xmlns:o="urn:schemas-microsoft-com:office:office" xmlns:v="urn:schemas-microsoft-com:vml" xmlns:pvml="urn:schemas-microsoft-com:office:powerpoint" xmlns:com="http://schemas.openxmlformats.org/drawingml/2006/compatibility" xmlns:p14="http://schemas.microsoft.com/office/powerpoint/2010/main" xmlns:p15="http://schemas.microsoft.com/office/powerpoint/2012/main" xmlns:ahyp="http://schemas.microsoft.com/office/drawing/2018/hyperlinkcolor">
   <p:cSld>
     <p:spTree>
       <p:nvGrpSpPr>
@@ -9234,7 +10420,7 @@
         <p:spPr>
           <a:xfrm>
             <a:off x="311700" y="1266325"/>
-            <a:ext cx="4260300" cy="3302700"/>
+            <a:ext cx="4260300" cy="2711700"/>
           </a:xfrm>
           <a:prstGeom prst="rect">
             <a:avLst/>
@@ -9283,7 +10469,7 @@
             </a:r>
             <a:r>
               <a:rPr lang="en"/>
-              <a:t>AI/ML/DL Theory</a:t>
+              <a:t>Overview of Machine Learning concepts</a:t>
             </a:r>
             <a:endParaRPr/>
           </a:p>
@@ -9300,11 +10486,11 @@
             </a:pPr>
             <a:r>
               <a:rPr b="1" lang="en"/>
-              <a:t>Week 3: </a:t>
+              <a:t>Week 3</a:t>
             </a:r>
             <a:r>
               <a:rPr lang="en"/>
-              <a:t>Practicing individual concepts in code</a:t>
+              <a:t>: Machine Learning Code</a:t>
             </a:r>
             <a:endParaRPr/>
           </a:p>
@@ -9321,7 +10507,7 @@
         <p:spPr>
           <a:xfrm>
             <a:off x="4572000" y="1266325"/>
-            <a:ext cx="4260300" cy="3302700"/>
+            <a:ext cx="4260300" cy="2673900"/>
           </a:xfrm>
           <a:prstGeom prst="rect">
             <a:avLst/>
@@ -9333,34 +10519,42 @@
           </a:bodyPr>
           <a:lstStyle/>
           <a:p>
-            <a:pPr indent="0" lvl="0" marL="0" rtl="0" algn="l">
-              <a:spcBef>
-                <a:spcPts val="0"/>
-              </a:spcBef>
-              <a:spcAft>
-                <a:spcPts val="0"/>
-              </a:spcAft>
-              <a:buNone/>
+            <a:pPr indent="-342900" lvl="0" marL="457200" rtl="0" algn="l">
+              <a:lnSpc>
+                <a:spcPct val="115000"/>
+              </a:lnSpc>
+              <a:spcBef>
+                <a:spcPts val="0"/>
+              </a:spcBef>
+              <a:spcAft>
+                <a:spcPts val="0"/>
+              </a:spcAft>
+              <a:buSzPts val="1800"/>
+              <a:buChar char="-"/>
             </a:pPr>
             <a:r>
               <a:rPr b="1" lang="en"/>
-              <a:t>Week 4: </a:t>
+              <a:t>Week 3: </a:t>
             </a:r>
             <a:r>
               <a:rPr lang="en"/>
-              <a:t>Walking through a comprehensive project</a:t>
-            </a:r>
-            <a:endParaRPr/>
-          </a:p>
-          <a:p>
-            <a:pPr indent="0" lvl="0" marL="0" rtl="0" algn="l">
+              <a:t>Overview of Deep Learning</a:t>
+            </a:r>
+            <a:endParaRPr b="1"/>
+          </a:p>
+          <a:p>
+            <a:pPr indent="-342900" lvl="0" marL="457200" rtl="0" algn="l">
+              <a:lnSpc>
+                <a:spcPct val="115000"/>
+              </a:lnSpc>
               <a:spcBef>
                 <a:spcPts val="1600"/>
               </a:spcBef>
               <a:spcAft>
                 <a:spcPts val="0"/>
               </a:spcAft>
-              <a:buNone/>
+              <a:buSzPts val="1800"/>
+              <a:buChar char="-"/>
             </a:pPr>
             <a:r>
               <a:rPr b="1" lang="en"/>
@@ -9368,19 +10562,31 @@
             </a:r>
             <a:r>
               <a:rPr lang="en"/>
-              <a:t>Getting started on individual projects</a:t>
+              <a:t>Convolutional </a:t>
+            </a:r>
+            <a:r>
+              <a:rPr lang="en"/>
+              <a:t>Neural</a:t>
+            </a:r>
+            <a:r>
+              <a:rPr lang="en"/>
+              <a:t> Networks</a:t>
             </a:r>
             <a:endParaRPr/>
           </a:p>
           <a:p>
-            <a:pPr indent="0" lvl="0" marL="0" rtl="0" algn="l">
-              <a:spcBef>
-                <a:spcPts val="1600"/>
-              </a:spcBef>
-              <a:spcAft>
-                <a:spcPts val="0"/>
-              </a:spcAft>
-              <a:buNone/>
+            <a:pPr indent="-342900" lvl="0" marL="457200" rtl="0" algn="l">
+              <a:lnSpc>
+                <a:spcPct val="115000"/>
+              </a:lnSpc>
+              <a:spcBef>
+                <a:spcPts val="0"/>
+              </a:spcBef>
+              <a:spcAft>
+                <a:spcPts val="0"/>
+              </a:spcAft>
+              <a:buSzPts val="1800"/>
+              <a:buChar char="-"/>
             </a:pPr>
             <a:r>
               <a:rPr b="1" lang="en"/>
@@ -9388,22 +10594,85 @@
             </a:r>
             <a:r>
               <a:rPr lang="en"/>
-              <a:t>Presenting your projects and further learning</a:t>
+              <a:t>Keras CNN Walkthrough</a:t>
             </a:r>
             <a:endParaRPr/>
           </a:p>
           <a:p>
-            <a:pPr indent="0" lvl="0" marL="0" rtl="0" algn="l">
-              <a:spcBef>
+            <a:pPr indent="-342900" lvl="0" marL="457200" rtl="0" algn="l">
+              <a:lnSpc>
+                <a:spcPct val="115000"/>
+              </a:lnSpc>
+              <a:spcBef>
+                <a:spcPts val="0"/>
+              </a:spcBef>
+              <a:spcAft>
+                <a:spcPts val="0"/>
+              </a:spcAft>
+              <a:buSzPts val="1800"/>
+              <a:buChar char="-"/>
+            </a:pPr>
+            <a:r>
+              <a:rPr b="1" lang="en"/>
+              <a:t>Week 7-8: </a:t>
+            </a:r>
+            <a:r>
+              <a:rPr lang="en"/>
+              <a:t>Projects</a:t>
+            </a:r>
+            <a:endParaRPr/>
+          </a:p>
+        </p:txBody>
+      </p:sp>
+      <p:sp>
+        <p:nvSpPr>
+          <p:cNvPr id="75" name="Google Shape;75;p14"/>
+          <p:cNvSpPr txBox="1"/>
+          <p:nvPr>
+            <p:ph idx="1" type="body"/>
+          </p:nvPr>
+        </p:nvSpPr>
+        <p:spPr>
+          <a:xfrm>
+            <a:off x="518850" y="3978025"/>
+            <a:ext cx="8376900" cy="707400"/>
+          </a:xfrm>
+          <a:prstGeom prst="rect">
+            <a:avLst/>
+          </a:prstGeom>
+        </p:spPr>
+        <p:txBody>
+          <a:bodyPr anchorCtr="0" anchor="t" bIns="91425" lIns="91425" spcFirstLastPara="1" rIns="110300" wrap="square" tIns="91425">
+            <a:noAutofit/>
+          </a:bodyPr>
+          <a:lstStyle/>
+          <a:p>
+            <a:pPr indent="-342900" lvl="0" marL="457200" rtl="0" algn="l">
+              <a:spcBef>
+                <a:spcPts val="0"/>
+              </a:spcBef>
+              <a:spcAft>
                 <a:spcPts val="1600"/>
-              </a:spcBef>
-              <a:spcAft>
-                <a:spcPts val="1600"/>
-              </a:spcAft>
-              <a:buNone/>
-            </a:pPr>
-            <a:r>
-              <a:t/>
+              </a:spcAft>
+              <a:buSzPts val="1800"/>
+              <a:buChar char="-"/>
+            </a:pPr>
+            <a:r>
+              <a:rPr lang="en"/>
+              <a:t>Our Github Repository: </a:t>
+            </a:r>
+            <a:r>
+              <a:rPr lang="en" u="sng">
+                <a:solidFill>
+                  <a:schemeClr val="hlink"/>
+                </a:solidFill>
+                <a:hlinkClick r:id="rId3"/>
+              </a:rPr>
+              <a:t>https://github.com/Intro-Course-AI-ML/LessonMaterials</a:t>
+            </a:r>
+            <a:r>
+              <a:rPr lang="en"/>
+              <a:t> </a:t>
             </a:r>
             <a:endParaRPr/>
           </a:p>
@@ -9417,12 +10686,12 @@
 </p:sld>
 </file>
 
-<file path=ppt/slides/slide3.xml><?xml version="1.0" encoding="utf-8"?>
-<p:sld xmlns:a="http://schemas.openxmlformats.org/drawingml/2006/main" xmlns:r="http://schemas.openxmlformats.org/officeDocument/2006/relationships" xmlns:mc="http://schemas.openxmlformats.org/markup-compatibility/2006" xmlns:mv="urn:schemas-microsoft-com:mac:vml" xmlns:p="http://schemas.openxmlformats.org/presentationml/2006/main" xmlns:c="http://schemas.openxmlformats.org/drawingml/2006/chart" xmlns:dgm="http://schemas.openxmlformats.org/drawingml/2006/diagram" xmlns:o="urn:schemas-microsoft-com:office:office" xmlns:v="urn:schemas-microsoft-com:vml" xmlns:pvml="urn:schemas-microsoft-com:office:powerpoint" xmlns:com="http://schemas.openxmlformats.org/drawingml/2006/compatibility" xmlns:p14="http://schemas.microsoft.com/office/powerpoint/2010/main" xmlns:p15="http://schemas.microsoft.com/office/powerpoint/2012/main">
+<file path=ppt/slides/slide20.xml><?xml version="1.0" encoding="utf-8"?>
+<p:sld xmlns:a="http://schemas.openxmlformats.org/drawingml/2006/main" xmlns:r="http://schemas.openxmlformats.org/officeDocument/2006/relationships" xmlns:mc="http://schemas.openxmlformats.org/markup-compatibility/2006" xmlns:mv="urn:schemas-microsoft-com:mac:vml" xmlns:p="http://schemas.openxmlformats.org/presentationml/2006/main" xmlns:c="http://schemas.openxmlformats.org/drawingml/2006/chart" xmlns:dgm="http://schemas.openxmlformats.org/drawingml/2006/diagram" xmlns:o="urn:schemas-microsoft-com:office:office" xmlns:v="urn:schemas-microsoft-com:vml" xmlns:pvml="urn:schemas-microsoft-com:office:powerpoint" xmlns:com="http://schemas.openxmlformats.org/drawingml/2006/compatibility" xmlns:p14="http://schemas.microsoft.com/office/powerpoint/2010/main" xmlns:p15="http://schemas.microsoft.com/office/powerpoint/2012/main" xmlns:ahyp="http://schemas.microsoft.com/office/drawing/2018/hyperlinkcolor">
   <p:cSld>
     <p:spTree>
       <p:nvGrpSpPr>
-        <p:cNvPr id="78" name="Shape 78"/>
+        <p:cNvPr id="183" name="Shape 183"/>
         <p:cNvGrpSpPr/>
         <p:nvPr/>
       </p:nvGrpSpPr>
@@ -9436,7 +10705,7 @@
       </p:grpSpPr>
       <p:sp>
         <p:nvSpPr>
-          <p:cNvPr id="79" name="Google Shape;79;p15"/>
+          <p:cNvPr id="184" name="Google Shape;184;p32"/>
           <p:cNvSpPr txBox="1"/>
           <p:nvPr>
             <p:ph type="title"/>
@@ -9444,7 +10713,7 @@
         </p:nvSpPr>
         <p:spPr>
           <a:xfrm>
-            <a:off x="311700" y="2218050"/>
+            <a:off x="311700" y="445025"/>
             <a:ext cx="8520600" cy="707400"/>
           </a:xfrm>
           <a:prstGeom prst="rect">
@@ -9457,7 +10726,7 @@
           </a:bodyPr>
           <a:lstStyle/>
           <a:p>
-            <a:pPr indent="0" lvl="0" marL="0" rtl="0" algn="ctr">
+            <a:pPr indent="0" lvl="0" marL="0" rtl="0" algn="l">
               <a:spcBef>
                 <a:spcPts val="0"/>
               </a:spcBef>
@@ -9468,7 +10737,135 @@
             </a:pPr>
             <a:r>
               <a:rPr lang="en"/>
-              <a:t>Week 1: Intro to AI/ML</a:t>
+              <a:t>Questions?</a:t>
+            </a:r>
+            <a:endParaRPr/>
+          </a:p>
+        </p:txBody>
+      </p:sp>
+      <p:sp>
+        <p:nvSpPr>
+          <p:cNvPr id="185" name="Google Shape;185;p32"/>
+          <p:cNvSpPr txBox="1"/>
+          <p:nvPr>
+            <p:ph idx="1" type="body"/>
+          </p:nvPr>
+        </p:nvSpPr>
+        <p:spPr>
+          <a:xfrm>
+            <a:off x="311700" y="1152425"/>
+            <a:ext cx="8520600" cy="3302700"/>
+          </a:xfrm>
+          <a:prstGeom prst="rect">
+            <a:avLst/>
+          </a:prstGeom>
+        </p:spPr>
+        <p:txBody>
+          <a:bodyPr anchorCtr="0" anchor="t" bIns="91425" lIns="91425" spcFirstLastPara="1" rIns="91425" wrap="square" tIns="91425">
+            <a:noAutofit/>
+          </a:bodyPr>
+          <a:lstStyle/>
+          <a:p>
+            <a:pPr indent="0" lvl="0" marL="0" rtl="0" algn="l">
+              <a:spcBef>
+                <a:spcPts val="0"/>
+              </a:spcBef>
+              <a:spcAft>
+                <a:spcPts val="0"/>
+              </a:spcAft>
+              <a:buNone/>
+            </a:pPr>
+            <a:r>
+              <a:rPr lang="en"/>
+              <a:t>If you guys have any questions, just leave them in the comments! We will answer quickly. </a:t>
+            </a:r>
+            <a:endParaRPr/>
+          </a:p>
+          <a:p>
+            <a:pPr indent="0" lvl="0" marL="0" rtl="0" algn="l">
+              <a:spcBef>
+                <a:spcPts val="1600"/>
+              </a:spcBef>
+              <a:spcAft>
+                <a:spcPts val="0"/>
+              </a:spcAft>
+              <a:buNone/>
+            </a:pPr>
+            <a:r>
+              <a:rPr lang="en"/>
+              <a:t>You can also create an issue on our Github repository. We will be quickest to respond there, and if you ever have code issues, you can copy your code there and it will be the nicest.</a:t>
+            </a:r>
+            <a:endParaRPr/>
+          </a:p>
+          <a:p>
+            <a:pPr indent="0" lvl="0" marL="0" rtl="0" algn="l">
+              <a:spcBef>
+                <a:spcPts val="1600"/>
+              </a:spcBef>
+              <a:spcAft>
+                <a:spcPts val="0"/>
+              </a:spcAft>
+              <a:buNone/>
+            </a:pPr>
+            <a:r>
+              <a:rPr lang="en"/>
+              <a:t>Lastly, we would love if you guys would join the Github organization! You can follow along with our code and upload your code and share it with the rest of the members.</a:t>
+            </a:r>
+            <a:endParaRPr/>
+          </a:p>
+          <a:p>
+            <a:pPr indent="-342900" lvl="0" marL="457200" rtl="0" algn="l">
+              <a:spcBef>
+                <a:spcPts val="1600"/>
+              </a:spcBef>
+              <a:spcAft>
+                <a:spcPts val="0"/>
+              </a:spcAft>
+              <a:buSzPts val="1800"/>
+              <a:buChar char="●"/>
+            </a:pPr>
+            <a:r>
+              <a:rPr lang="en"/>
+              <a:t>To be invited, create an issue or shoot one of us an email</a:t>
+            </a:r>
+            <a:endParaRPr/>
+          </a:p>
+          <a:p>
+            <a:pPr indent="-317500" lvl="1" marL="914400" rtl="0" algn="l">
+              <a:spcBef>
+                <a:spcPts val="0"/>
+              </a:spcBef>
+              <a:spcAft>
+                <a:spcPts val="0"/>
+              </a:spcAft>
+              <a:buSzPts val="1400"/>
+              <a:buChar char="○"/>
+            </a:pPr>
+            <a:r>
+              <a:rPr lang="en" u="sng">
+                <a:solidFill>
+                  <a:schemeClr val="hlink"/>
+                </a:solidFill>
+                <a:hlinkClick r:id="rId3"/>
+              </a:rPr>
+              <a:t>ayaanzhaque@gmail.com</a:t>
+            </a:r>
+            <a:r>
+              <a:rPr lang="en"/>
+              <a:t>, </a:t>
+            </a:r>
+            <a:r>
+              <a:rPr lang="en" u="sng">
+                <a:solidFill>
+                  <a:schemeClr val="hlink"/>
+                </a:solidFill>
+                <a:hlinkClick r:id="rId4"/>
+              </a:rPr>
+              <a:t>viraajreddi@gmail.com</a:t>
+            </a:r>
+            <a:r>
+              <a:rPr lang="en"/>
+              <a:t> </a:t>
             </a:r>
             <a:endParaRPr/>
           </a:p>
@@ -9482,12 +10879,12 @@
 </p:sld>
 </file>
 
-<file path=ppt/slides/slide4.xml><?xml version="1.0" encoding="utf-8"?>
-<p:sld xmlns:a="http://schemas.openxmlformats.org/drawingml/2006/main" xmlns:r="http://schemas.openxmlformats.org/officeDocument/2006/relationships" xmlns:mc="http://schemas.openxmlformats.org/markup-compatibility/2006" xmlns:mv="urn:schemas-microsoft-com:mac:vml" xmlns:p="http://schemas.openxmlformats.org/presentationml/2006/main" xmlns:c="http://schemas.openxmlformats.org/drawingml/2006/chart" xmlns:dgm="http://schemas.openxmlformats.org/drawingml/2006/diagram" xmlns:o="urn:schemas-microsoft-com:office:office" xmlns:v="urn:schemas-microsoft-com:vml" xmlns:pvml="urn:schemas-microsoft-com:office:powerpoint" xmlns:com="http://schemas.openxmlformats.org/drawingml/2006/compatibility" xmlns:p14="http://schemas.microsoft.com/office/powerpoint/2010/main" xmlns:p15="http://schemas.microsoft.com/office/powerpoint/2012/main">
+<file path=ppt/slides/slide3.xml><?xml version="1.0" encoding="utf-8"?>
+<p:sld xmlns:a="http://schemas.openxmlformats.org/drawingml/2006/main" xmlns:r="http://schemas.openxmlformats.org/officeDocument/2006/relationships" xmlns:mc="http://schemas.openxmlformats.org/markup-compatibility/2006" xmlns:mv="urn:schemas-microsoft-com:mac:vml" xmlns:p="http://schemas.openxmlformats.org/presentationml/2006/main" xmlns:c="http://schemas.openxmlformats.org/drawingml/2006/chart" xmlns:dgm="http://schemas.openxmlformats.org/drawingml/2006/diagram" xmlns:o="urn:schemas-microsoft-com:office:office" xmlns:v="urn:schemas-microsoft-com:vml" xmlns:pvml="urn:schemas-microsoft-com:office:powerpoint" xmlns:com="http://schemas.openxmlformats.org/drawingml/2006/compatibility" xmlns:p14="http://schemas.microsoft.com/office/powerpoint/2010/main" xmlns:p15="http://schemas.microsoft.com/office/powerpoint/2012/main" xmlns:ahyp="http://schemas.microsoft.com/office/drawing/2018/hyperlinkcolor">
   <p:cSld>
     <p:spTree>
       <p:nvGrpSpPr>
-        <p:cNvPr id="83" name="Shape 83"/>
+        <p:cNvPr id="79" name="Shape 79"/>
         <p:cNvGrpSpPr/>
         <p:nvPr/>
       </p:nvGrpSpPr>
@@ -9501,7 +10898,7 @@
       </p:grpSpPr>
       <p:sp>
         <p:nvSpPr>
-          <p:cNvPr id="84" name="Google Shape;84;p16"/>
+          <p:cNvPr id="80" name="Google Shape;80;p15"/>
           <p:cNvSpPr txBox="1"/>
           <p:nvPr>
             <p:ph type="title"/>
@@ -9509,7 +10906,7 @@
         </p:nvSpPr>
         <p:spPr>
           <a:xfrm>
-            <a:off x="311700" y="445025"/>
+            <a:off x="311700" y="2218050"/>
             <a:ext cx="8520600" cy="707400"/>
           </a:xfrm>
           <a:prstGeom prst="rect">
@@ -9522,6 +10919,239 @@
           </a:bodyPr>
           <a:lstStyle/>
           <a:p>
+            <a:pPr indent="0" lvl="0" marL="0" rtl="0" algn="ctr">
+              <a:spcBef>
+                <a:spcPts val="0"/>
+              </a:spcBef>
+              <a:spcAft>
+                <a:spcPts val="0"/>
+              </a:spcAft>
+              <a:buNone/>
+            </a:pPr>
+            <a:r>
+              <a:rPr lang="en"/>
+              <a:t>Week 1: Intro to AI/ML</a:t>
+            </a:r>
+            <a:endParaRPr/>
+          </a:p>
+        </p:txBody>
+      </p:sp>
+    </p:spTree>
+  </p:cSld>
+  <p:clrMapOvr>
+    <a:masterClrMapping/>
+  </p:clrMapOvr>
+</p:sld>
+</file>
+
+<file path=ppt/slides/slide4.xml><?xml version="1.0" encoding="utf-8"?>
+<p:sld xmlns:a="http://schemas.openxmlformats.org/drawingml/2006/main" xmlns:r="http://schemas.openxmlformats.org/officeDocument/2006/relationships" xmlns:mc="http://schemas.openxmlformats.org/markup-compatibility/2006" xmlns:mv="urn:schemas-microsoft-com:mac:vml" xmlns:p="http://schemas.openxmlformats.org/presentationml/2006/main" xmlns:c="http://schemas.openxmlformats.org/drawingml/2006/chart" xmlns:dgm="http://schemas.openxmlformats.org/drawingml/2006/diagram" xmlns:o="urn:schemas-microsoft-com:office:office" xmlns:v="urn:schemas-microsoft-com:vml" xmlns:pvml="urn:schemas-microsoft-com:office:powerpoint" xmlns:com="http://schemas.openxmlformats.org/drawingml/2006/compatibility" xmlns:p14="http://schemas.microsoft.com/office/powerpoint/2010/main" xmlns:p15="http://schemas.microsoft.com/office/powerpoint/2012/main" xmlns:ahyp="http://schemas.microsoft.com/office/drawing/2018/hyperlinkcolor">
+  <p:cSld>
+    <p:spTree>
+      <p:nvGrpSpPr>
+        <p:cNvPr id="84" name="Shape 84"/>
+        <p:cNvGrpSpPr/>
+        <p:nvPr/>
+      </p:nvGrpSpPr>
+      <p:grpSpPr>
+        <a:xfrm>
+          <a:off x="0" y="0"/>
+          <a:ext cx="0" cy="0"/>
+          <a:chOff x="0" y="0"/>
+          <a:chExt cx="0" cy="0"/>
+        </a:xfrm>
+      </p:grpSpPr>
+      <p:sp>
+        <p:nvSpPr>
+          <p:cNvPr id="85" name="Google Shape;85;p16"/>
+          <p:cNvSpPr txBox="1"/>
+          <p:nvPr>
+            <p:ph type="title"/>
+          </p:nvPr>
+        </p:nvSpPr>
+        <p:spPr>
+          <a:xfrm>
+            <a:off x="311700" y="445025"/>
+            <a:ext cx="8520600" cy="707400"/>
+          </a:xfrm>
+          <a:prstGeom prst="rect">
+            <a:avLst/>
+          </a:prstGeom>
+        </p:spPr>
+        <p:txBody>
+          <a:bodyPr anchorCtr="0" anchor="t" bIns="91425" lIns="91425" spcFirstLastPara="1" rIns="91425" wrap="square" tIns="91425">
+            <a:noAutofit/>
+          </a:bodyPr>
+          <a:lstStyle/>
+          <a:p>
+            <a:pPr indent="0" lvl="0" marL="0" rtl="0" algn="l">
+              <a:spcBef>
+                <a:spcPts val="0"/>
+              </a:spcBef>
+              <a:spcAft>
+                <a:spcPts val="0"/>
+              </a:spcAft>
+              <a:buNone/>
+            </a:pPr>
+            <a:r>
+              <a:rPr lang="en"/>
+              <a:t>Prerequisites</a:t>
+            </a:r>
+            <a:endParaRPr/>
+          </a:p>
+        </p:txBody>
+      </p:sp>
+      <p:sp>
+        <p:nvSpPr>
+          <p:cNvPr id="86" name="Google Shape;86;p16"/>
+          <p:cNvSpPr txBox="1"/>
+          <p:nvPr>
+            <p:ph idx="1" type="body"/>
+          </p:nvPr>
+        </p:nvSpPr>
+        <p:spPr>
+          <a:xfrm>
+            <a:off x="311700" y="1221200"/>
+            <a:ext cx="8520600" cy="3302700"/>
+          </a:xfrm>
+          <a:prstGeom prst="rect">
+            <a:avLst/>
+          </a:prstGeom>
+        </p:spPr>
+        <p:txBody>
+          <a:bodyPr anchorCtr="0" anchor="t" bIns="91425" lIns="91425" spcFirstLastPara="1" rIns="91425" wrap="square" tIns="91425">
+            <a:noAutofit/>
+          </a:bodyPr>
+          <a:lstStyle/>
+          <a:p>
+            <a:pPr indent="-342900" lvl="0" marL="457200" rtl="0" algn="l">
+              <a:lnSpc>
+                <a:spcPct val="200000"/>
+              </a:lnSpc>
+              <a:spcBef>
+                <a:spcPts val="0"/>
+              </a:spcBef>
+              <a:spcAft>
+                <a:spcPts val="0"/>
+              </a:spcAft>
+              <a:buSzPts val="1800"/>
+              <a:buChar char="-"/>
+            </a:pPr>
+            <a:r>
+              <a:rPr lang="en"/>
+              <a:t>To succeed, you will need some familiarity with computer programming. Artificial Intelligence is a pretty complicated topic, so you should definitely brush up on basic computer programming beforehand</a:t>
+            </a:r>
+            <a:endParaRPr/>
+          </a:p>
+          <a:p>
+            <a:pPr indent="-342900" lvl="0" marL="457200" rtl="0" algn="l">
+              <a:lnSpc>
+                <a:spcPct val="200000"/>
+              </a:lnSpc>
+              <a:spcBef>
+                <a:spcPts val="0"/>
+              </a:spcBef>
+              <a:spcAft>
+                <a:spcPts val="0"/>
+              </a:spcAft>
+              <a:buSzPts val="1800"/>
+              <a:buChar char="-"/>
+            </a:pPr>
+            <a:r>
+              <a:rPr lang="en"/>
+              <a:t>We will be using Python in this course</a:t>
+            </a:r>
+            <a:endParaRPr/>
+          </a:p>
+          <a:p>
+            <a:pPr indent="-342900" lvl="0" marL="457200" rtl="0" algn="l">
+              <a:lnSpc>
+                <a:spcPct val="200000"/>
+              </a:lnSpc>
+              <a:spcBef>
+                <a:spcPts val="0"/>
+              </a:spcBef>
+              <a:spcAft>
+                <a:spcPts val="0"/>
+              </a:spcAft>
+              <a:buSzPts val="1800"/>
+              <a:buChar char="-"/>
+            </a:pPr>
+            <a:r>
+              <a:rPr lang="en"/>
+              <a:t>If you are a bit rusty or not familiar with Python, however, you should still be fine. </a:t>
+            </a:r>
+            <a:endParaRPr/>
+          </a:p>
+          <a:p>
+            <a:pPr indent="-317500" lvl="1" marL="914400" rtl="0" algn="l">
+              <a:lnSpc>
+                <a:spcPct val="200000"/>
+              </a:lnSpc>
+              <a:spcBef>
+                <a:spcPts val="0"/>
+              </a:spcBef>
+              <a:spcAft>
+                <a:spcPts val="0"/>
+              </a:spcAft>
+              <a:buSzPts val="1400"/>
+              <a:buChar char="-"/>
+            </a:pPr>
+            <a:r>
+              <a:t/>
+            </a:r>
+            <a:endParaRPr/>
+          </a:p>
+        </p:txBody>
+      </p:sp>
+    </p:spTree>
+  </p:cSld>
+  <p:clrMapOvr>
+    <a:masterClrMapping/>
+  </p:clrMapOvr>
+</p:sld>
+</file>
+
+<file path=ppt/slides/slide5.xml><?xml version="1.0" encoding="utf-8"?>
+<p:sld xmlns:a="http://schemas.openxmlformats.org/drawingml/2006/main" xmlns:r="http://schemas.openxmlformats.org/officeDocument/2006/relationships" xmlns:mc="http://schemas.openxmlformats.org/markup-compatibility/2006" xmlns:mv="urn:schemas-microsoft-com:mac:vml" xmlns:p="http://schemas.openxmlformats.org/presentationml/2006/main" xmlns:c="http://schemas.openxmlformats.org/drawingml/2006/chart" xmlns:dgm="http://schemas.openxmlformats.org/drawingml/2006/diagram" xmlns:o="urn:schemas-microsoft-com:office:office" xmlns:v="urn:schemas-microsoft-com:vml" xmlns:pvml="urn:schemas-microsoft-com:office:powerpoint" xmlns:com="http://schemas.openxmlformats.org/drawingml/2006/compatibility" xmlns:p14="http://schemas.microsoft.com/office/powerpoint/2010/main" xmlns:p15="http://schemas.microsoft.com/office/powerpoint/2012/main" xmlns:ahyp="http://schemas.microsoft.com/office/drawing/2018/hyperlinkcolor">
+  <p:cSld>
+    <p:spTree>
+      <p:nvGrpSpPr>
+        <p:cNvPr id="90" name="Shape 90"/>
+        <p:cNvGrpSpPr/>
+        <p:nvPr/>
+      </p:nvGrpSpPr>
+      <p:grpSpPr>
+        <a:xfrm>
+          <a:off x="0" y="0"/>
+          <a:ext cx="0" cy="0"/>
+          <a:chOff x="0" y="0"/>
+          <a:chExt cx="0" cy="0"/>
+        </a:xfrm>
+      </p:grpSpPr>
+      <p:sp>
+        <p:nvSpPr>
+          <p:cNvPr id="91" name="Google Shape;91;p17"/>
+          <p:cNvSpPr txBox="1"/>
+          <p:nvPr>
+            <p:ph type="title"/>
+          </p:nvPr>
+        </p:nvSpPr>
+        <p:spPr>
+          <a:xfrm>
+            <a:off x="311700" y="445025"/>
+            <a:ext cx="8520600" cy="707400"/>
+          </a:xfrm>
+          <a:prstGeom prst="rect">
+            <a:avLst/>
+          </a:prstGeom>
+        </p:spPr>
+        <p:txBody>
+          <a:bodyPr anchorCtr="0" anchor="t" bIns="91425" lIns="91425" spcFirstLastPara="1" rIns="91425" wrap="square" tIns="91425">
+            <a:noAutofit/>
+          </a:bodyPr>
+          <a:lstStyle/>
+          <a:p>
             <a:pPr indent="0" lvl="0" marL="0" rtl="0" algn="l">
               <a:spcBef>
                 <a:spcPts val="0"/>
@@ -9541,7 +11171,7 @@
       </p:sp>
       <p:pic>
         <p:nvPicPr>
-          <p:cNvPr descr="Want to learn more about AI and machine learning? Take this free HubSpot Academy course: https://bit.ly/2Sm2rzG&#10;&#10;&#10;&#10;What is AI? What is machine learning and how does it work? You’ve probably heard the buzz. The age of artificial intelligence has arrived. But that doesn’t mean it's easy to wrap your mind around. For the full story on the rise of artificial intelligence, check out The Robot Revolution: http://hubs.ly/H0630650&#10;&#10;Let’s break down the basics of artificial intelligence, bots, and machine learning. Besides, there's nothing that will impact marketing more in the next five to ten years than artificial intelligence. Learn what the coming revolution means for your day-to-day work, your business, and ultimately, your customers.&#10;&#10;Every day, a large portion of the population is at the mercy of a rising technology, yet few actually understand what it is. &#10;&#10;Artificial intelligence. You know, HAL 9000 and Marvin the Paranoid Android? &#10;&#10;Thanks to books and movies, each generation has formed its own fantasy of a world ruled -- or at least served -- by robots. We’ve been conditioned to expect flying cars that steer clear of traffic and robotic maids whipping up our weekday dinner. &#10;&#10;But if the age of AI is here, why don’t our lives look more like the Jetsons?&#10;&#10;Well, for starters, that’s a cartoon. And really, if you’ve ever browsed Netflix movie suggestions or told Alexa to order a pizza, you’re probably interacting with artificial intelligence more than you realize.  &#10;&#10;And that’s kind of the point. AI is designed so you don’t realize there’s a computer calling the shots. But that also makes understanding what AI is -- and what it’s not -- a little complicated.&#10;&#10;In basic terms, AI is a broad area of computer science that makes machines seem like they have human intelligence. &#10;&#10;So it’s not only programming a computer to drive a car by obeying traffic signals, but it’s when that program also learns to exhibit signs of human-like road rage.  &#10;&#10;As intimidating as it may seem, this technology isn’t new. Actually, for the past half-a-century, it’s been an idea ahead of its time. &#10;&#10;The term “artificial intelligence” was first coined back in 1956 by Dartmouth professor John McCarthy. He called together a group of computer scientists and mathematicians to see if machines could learn like a young child does, using trial and error to develop formal reasoning. The project proposal says they’ll figure out how to make machines “use language, form abstractions and concepts, solve kinds of problems now reserved for humans, and improve themselves.” &#10;&#10;That was more than 60 years ago. &#10;&#10;Since then, AI has remained for the most part in university classrooms and super secret labs … But that’s changing.&#10;&#10;Like all exponential curves, it’s hard to tell when a line that’s slowly ticking upwards is going to skyrocket. &#10;&#10;But during the past few years, a couple of factors have led to AI becoming the next “big” thing: First, huge amounts of data are being created every minute. In fact, 90% of the world’s data has been generated in the past two years. And now thanks to advances in processing speeds, computers can actually make sense of all this information more quickly. Because of this, tech giants and venture capitalists have bought into AI and are infusing the market with cash and new applications.&#10;&#10;Very soon, AI will become a little less artificial, and a lot more intelligent. &#10;&#10;Now the question is: Should you brace yourself for yet another Terminator movie, live on your city streets?&#10;&#10;Not exactly. In fact, stop thinking of robots. When it comes to AI, a robot is nothing more than the shell concealing what’s actually used to power the technology.&#10;&#10;That means AI can manifest itself in many different ways. Let’s break down the options…&#10;&#10;First, you have your bots. They’re text-based and incredibly powerful, but they have limitations. &#10;&#10;Ask a weather bot for the forecast, and it will tell you it’s partly cloudy with a high of 57. But ask that same bot what time it is in Tokyo, and it’ll get a little confused. That’s because the bot’s creator only programmed it to give you the weather by pulling from a specific data source.&#10;&#10;Natural language processing makes these bots a bit more sophisticated. When you ask Siri or Cortana where the closest gas station is, it’s really just translating your voice into text, feeding it to a search engine, and reading the answer back in human syntax. So in other words, you don’t have to speak in code.&#10;&#10;&#10;&#10;Machine intelligence, artificial intelligence, machine learning, artificial intelligence tutorial, machine learning tutorial, evolution of machine learning, advantages of artificial intelligence, applications of artificial intelligence, ai meaning, machine learning applications, artificial intelligence examples.&#10;&#10;Want to stay current on emerging tech? Check out our free guide today: http://bit.ly/2GJesc2" id="85" name="Google Shape;85;p16" title="What is Artificial Intelligence (or Machine Learning)?">
+          <p:cNvPr descr="Want to learn more about AI and machine learning? Take this free HubSpot Academy course: https://bit.ly/2Sm2rzG&#10;&#10;&#10;&#10;What is AI? What is machine learning and how does it work? You’ve probably heard the buzz. The age of artificial intelligence has arrived. But that doesn’t mean it's easy to wrap your mind around. For the full story on the rise of artificial intelligence, check out The Robot Revolution: http://hubs.ly/H0630650&#10;&#10;Let’s break down the basics of artificial intelligence, bots, and machine learning. Besides, there's nothing that will impact marketing more in the next five to ten years than artificial intelligence. Learn what the coming revolution means for your day-to-day work, your business, and ultimately, your customers.&#10;&#10;Every day, a large portion of the population is at the mercy of a rising technology, yet few actually understand what it is. &#10;&#10;Artificial intelligence. You know, HAL 9000 and Marvin the Paranoid Android? &#10;&#10;Thanks to books and movies, each generation has formed its own fantasy of a world ruled -- or at least served -- by robots. We’ve been conditioned to expect flying cars that steer clear of traffic and robotic maids whipping up our weekday dinner. &#10;&#10;But if the age of AI is here, why don’t our lives look more like the Jetsons?&#10;&#10;Well, for starters, that’s a cartoon. And really, if you’ve ever browsed Netflix movie suggestions or told Alexa to order a pizza, you’re probably interacting with artificial intelligence more than you realize.  &#10;&#10;And that’s kind of the point. AI is designed so you don’t realize there’s a computer calling the shots. But that also makes understanding what AI is -- and what it’s not -- a little complicated.&#10;&#10;In basic terms, AI is a broad area of computer science that makes machines seem like they have human intelligence. &#10;&#10;So it’s not only programming a computer to drive a car by obeying traffic signals, but it’s when that program also learns to exhibit signs of human-like road rage.  &#10;&#10;As intimidating as it may seem, this technology isn’t new. Actually, for the past half-a-century, it’s been an idea ahead of its time. &#10;&#10;The term “artificial intelligence” was first coined back in 1956 by Dartmouth professor John McCarthy. He called together a group of computer scientists and mathematicians to see if machines could learn like a young child does, using trial and error to develop formal reasoning. The project proposal says they’ll figure out how to make machines “use language, form abstractions and concepts, solve kinds of problems now reserved for humans, and improve themselves.” &#10;&#10;That was more than 60 years ago. &#10;&#10;Since then, AI has remained for the most part in university classrooms and super secret labs … But that’s changing.&#10;&#10;Like all exponential curves, it’s hard to tell when a line that’s slowly ticking upwards is going to skyrocket. &#10;&#10;But during the past few years, a couple of factors have led to AI becoming the next “big” thing: First, huge amounts of data are being created every minute. In fact, 90% of the world’s data has been generated in the past two years. And now thanks to advances in processing speeds, computers can actually make sense of all this information more quickly. Because of this, tech giants and venture capitalists have bought into AI and are infusing the market with cash and new applications.&#10;&#10;Very soon, AI will become a little less artificial, and a lot more intelligent. &#10;&#10;Now the question is: Should you brace yourself for yet another Terminator movie, live on your city streets?&#10;&#10;Not exactly. In fact, stop thinking of robots. When it comes to AI, a robot is nothing more than the shell concealing what’s actually used to power the technology.&#10;&#10;That means AI can manifest itself in many different ways. Let’s break down the options…&#10;&#10;First, you have your bots. They’re text-based and incredibly powerful, but they have limitations. &#10;&#10;Ask a weather bot for the forecast, and it will tell you it’s partly cloudy with a high of 57. But ask that same bot what time it is in Tokyo, and it’ll get a little confused. That’s because the bot’s creator only programmed it to give you the weather by pulling from a specific data source.&#10;&#10;Natural language processing makes these bots a bit more sophisticated. When you ask Siri or Cortana where the closest gas station is, it’s really just translating your voice into text, feeding it to a search engine, and reading the answer back in human syntax. So in other words, you don’t have to speak in code.&#10;&#10;&#10;&#10;Machine intelligence, artificial intelligence, machine learning, artificial intelligence tutorial, machine learning tutorial, evolution of machine learning, advantages of artificial intelligence, applications of artificial intelligence, ai meaning, machine learning applications, artificial intelligence examples.&#10;&#10;Want to stay current on emerging tech? Check out our free guide today: http://bit.ly/2GJesc2" id="92" name="Google Shape;92;p17" title="What is Artificial Intelligence (or Machine Learning)?">
             <a:hlinkClick r:id="rId3"/>
           </p:cNvPr>
           <p:cNvPicPr preferRelativeResize="0"/>
@@ -9577,12 +11207,12 @@
 </p:sld>
 </file>
 
-<file path=ppt/slides/slide5.xml><?xml version="1.0" encoding="utf-8"?>
-<p:sld xmlns:a="http://schemas.openxmlformats.org/drawingml/2006/main" xmlns:r="http://schemas.openxmlformats.org/officeDocument/2006/relationships" xmlns:mc="http://schemas.openxmlformats.org/markup-compatibility/2006" xmlns:mv="urn:schemas-microsoft-com:mac:vml" xmlns:p="http://schemas.openxmlformats.org/presentationml/2006/main" xmlns:c="http://schemas.openxmlformats.org/drawingml/2006/chart" xmlns:dgm="http://schemas.openxmlformats.org/drawingml/2006/diagram" xmlns:o="urn:schemas-microsoft-com:office:office" xmlns:v="urn:schemas-microsoft-com:vml" xmlns:pvml="urn:schemas-microsoft-com:office:powerpoint" xmlns:com="http://schemas.openxmlformats.org/drawingml/2006/compatibility" xmlns:p14="http://schemas.microsoft.com/office/powerpoint/2010/main" xmlns:p15="http://schemas.microsoft.com/office/powerpoint/2012/main">
+<file path=ppt/slides/slide6.xml><?xml version="1.0" encoding="utf-8"?>
+<p:sld xmlns:a="http://schemas.openxmlformats.org/drawingml/2006/main" xmlns:r="http://schemas.openxmlformats.org/officeDocument/2006/relationships" xmlns:mc="http://schemas.openxmlformats.org/markup-compatibility/2006" xmlns:mv="urn:schemas-microsoft-com:mac:vml" xmlns:p="http://schemas.openxmlformats.org/presentationml/2006/main" xmlns:c="http://schemas.openxmlformats.org/drawingml/2006/chart" xmlns:dgm="http://schemas.openxmlformats.org/drawingml/2006/diagram" xmlns:o="urn:schemas-microsoft-com:office:office" xmlns:v="urn:schemas-microsoft-com:vml" xmlns:pvml="urn:schemas-microsoft-com:office:powerpoint" xmlns:com="http://schemas.openxmlformats.org/drawingml/2006/compatibility" xmlns:p14="http://schemas.microsoft.com/office/powerpoint/2010/main" xmlns:p15="http://schemas.microsoft.com/office/powerpoint/2012/main" xmlns:ahyp="http://schemas.microsoft.com/office/drawing/2018/hyperlinkcolor">
   <p:cSld>
     <p:spTree>
       <p:nvGrpSpPr>
-        <p:cNvPr id="89" name="Shape 89"/>
+        <p:cNvPr id="96" name="Shape 96"/>
         <p:cNvGrpSpPr/>
         <p:nvPr/>
       </p:nvGrpSpPr>
@@ -9596,7 +11226,7 @@
       </p:grpSpPr>
       <p:sp>
         <p:nvSpPr>
-          <p:cNvPr id="90" name="Google Shape;90;p17"/>
+          <p:cNvPr id="97" name="Google Shape;97;p18"/>
           <p:cNvSpPr txBox="1"/>
           <p:nvPr>
             <p:ph type="title"/>
@@ -9636,7 +11266,7 @@
       </p:sp>
       <p:sp>
         <p:nvSpPr>
-          <p:cNvPr id="91" name="Google Shape;91;p17"/>
+          <p:cNvPr id="98" name="Google Shape;98;p18"/>
           <p:cNvSpPr txBox="1"/>
           <p:nvPr>
             <p:ph idx="1" type="body"/>
@@ -9672,12 +11302,12 @@
             </a:pPr>
             <a:r>
               <a:rPr lang="en" sz="2000"/>
-              <a:t>Used in: Virtual Assistants, Security, Self-driving cars, Healthcare, Medical Imaging Analysis, and more</a:t>
+              <a:t>AI is not the common misconception of robots taking over. In fact, AI is already widely in use in all different fields!</a:t>
             </a:r>
             <a:endParaRPr sz="2000"/>
           </a:p>
           <a:p>
-            <a:pPr indent="-355600" lvl="0" marL="457200" rtl="0" algn="l">
+            <a:pPr indent="-355600" lvl="1" marL="914400" rtl="0" algn="l">
               <a:lnSpc>
                 <a:spcPct val="150000"/>
               </a:lnSpc>
@@ -9692,12 +11322,12 @@
             </a:pPr>
             <a:r>
               <a:rPr lang="en" sz="2000"/>
-              <a:t>Your phone has AI</a:t>
+              <a:t>AI is used in: </a:t>
             </a:r>
             <a:endParaRPr sz="2000"/>
           </a:p>
           <a:p>
-            <a:pPr indent="-355600" lvl="0" marL="457200" rtl="0" algn="l">
+            <a:pPr indent="-323850" lvl="2" marL="1371600" rtl="0" algn="l">
               <a:lnSpc>
                 <a:spcPct val="150000"/>
               </a:lnSpc>
@@ -9707,17 +11337,17 @@
               <a:spcAft>
                 <a:spcPts val="0"/>
               </a:spcAft>
-              <a:buSzPts val="2000"/>
+              <a:buSzPts val="1500"/>
               <a:buChar char="-"/>
             </a:pPr>
             <a:r>
-              <a:rPr lang="en" sz="2000"/>
-              <a:t>Netflix is AI</a:t>
-            </a:r>
-            <a:endParaRPr sz="2000"/>
-          </a:p>
-          <a:p>
-            <a:pPr indent="-355600" lvl="0" marL="457200" rtl="0" algn="l">
+              <a:rPr lang="en" sz="1500"/>
+              <a:t>Virtual Assistants</a:t>
+            </a:r>
+            <a:endParaRPr sz="1500"/>
+          </a:p>
+          <a:p>
+            <a:pPr indent="-323850" lvl="2" marL="1371600" rtl="0" algn="l">
               <a:lnSpc>
                 <a:spcPct val="150000"/>
               </a:lnSpc>
@@ -9727,14 +11357,94 @@
               <a:spcAft>
                 <a:spcPts val="0"/>
               </a:spcAft>
-              <a:buSzPts val="2000"/>
+              <a:buSzPts val="1500"/>
               <a:buChar char="-"/>
             </a:pPr>
             <a:r>
-              <a:rPr lang="en" sz="2000"/>
+              <a:rPr lang="en" sz="1500"/>
+              <a:t>Security</a:t>
+            </a:r>
+            <a:endParaRPr sz="1500"/>
+          </a:p>
+          <a:p>
+            <a:pPr indent="-323850" lvl="2" marL="1371600" rtl="0" algn="l">
+              <a:lnSpc>
+                <a:spcPct val="150000"/>
+              </a:lnSpc>
+              <a:spcBef>
+                <a:spcPts val="0"/>
+              </a:spcBef>
+              <a:spcAft>
+                <a:spcPts val="0"/>
+              </a:spcAft>
+              <a:buSzPts val="1500"/>
+              <a:buChar char="-"/>
+            </a:pPr>
+            <a:r>
+              <a:rPr lang="en" sz="1500"/>
+              <a:t>Healthcare and Medical Imaging Analysis</a:t>
+            </a:r>
+            <a:endParaRPr sz="1500"/>
+          </a:p>
+          <a:p>
+            <a:pPr indent="-292100" lvl="2" marL="1371600" rtl="0" algn="l">
+              <a:lnSpc>
+                <a:spcPct val="150000"/>
+              </a:lnSpc>
+              <a:spcBef>
+                <a:spcPts val="0"/>
+              </a:spcBef>
+              <a:spcAft>
+                <a:spcPts val="0"/>
+              </a:spcAft>
+              <a:buSzPts val="1000"/>
+              <a:buChar char="-"/>
+            </a:pPr>
+            <a:r>
+              <a:rPr lang="en" sz="1500"/>
+              <a:t>Your phone</a:t>
+            </a:r>
+            <a:endParaRPr sz="1500"/>
+          </a:p>
+          <a:p>
+            <a:pPr indent="-292100" lvl="2" marL="1371600" rtl="0" algn="l">
+              <a:lnSpc>
+                <a:spcPct val="150000"/>
+              </a:lnSpc>
+              <a:spcBef>
+                <a:spcPts val="0"/>
+              </a:spcBef>
+              <a:spcAft>
+                <a:spcPts val="0"/>
+              </a:spcAft>
+              <a:buSzPts val="1000"/>
+              <a:buChar char="-"/>
+            </a:pPr>
+            <a:r>
+              <a:rPr lang="en" sz="1500"/>
+              <a:t>Netflix</a:t>
+            </a:r>
+            <a:endParaRPr sz="1500"/>
+          </a:p>
+          <a:p>
+            <a:pPr indent="-292100" lvl="2" marL="1371600" rtl="0" algn="l">
+              <a:lnSpc>
+                <a:spcPct val="150000"/>
+              </a:lnSpc>
+              <a:spcBef>
+                <a:spcPts val="0"/>
+              </a:spcBef>
+              <a:spcAft>
+                <a:spcPts val="0"/>
+              </a:spcAft>
+              <a:buSzPts val="1000"/>
+              <a:buChar char="-"/>
+            </a:pPr>
+            <a:r>
+              <a:rPr lang="en" sz="1500"/>
               <a:t>Google searches are AI </a:t>
             </a:r>
-            <a:endParaRPr sz="2000"/>
+            <a:endParaRPr sz="1500"/>
           </a:p>
         </p:txBody>
       </p:sp>
@@ -9746,12 +11456,12 @@
 </p:sld>
 </file>
 
-<file path=ppt/slides/slide6.xml><?xml version="1.0" encoding="utf-8"?>
-<p:sld xmlns:a="http://schemas.openxmlformats.org/drawingml/2006/main" xmlns:r="http://schemas.openxmlformats.org/officeDocument/2006/relationships" xmlns:mc="http://schemas.openxmlformats.org/markup-compatibility/2006" xmlns:mv="urn:schemas-microsoft-com:mac:vml" xmlns:p="http://schemas.openxmlformats.org/presentationml/2006/main" xmlns:c="http://schemas.openxmlformats.org/drawingml/2006/chart" xmlns:dgm="http://schemas.openxmlformats.org/drawingml/2006/diagram" xmlns:o="urn:schemas-microsoft-com:office:office" xmlns:v="urn:schemas-microsoft-com:vml" xmlns:pvml="urn:schemas-microsoft-com:office:powerpoint" xmlns:com="http://schemas.openxmlformats.org/drawingml/2006/compatibility" xmlns:p14="http://schemas.microsoft.com/office/powerpoint/2010/main" xmlns:p15="http://schemas.microsoft.com/office/powerpoint/2012/main">
+<file path=ppt/slides/slide7.xml><?xml version="1.0" encoding="utf-8"?>
+<p:sld xmlns:a="http://schemas.openxmlformats.org/drawingml/2006/main" xmlns:r="http://schemas.openxmlformats.org/officeDocument/2006/relationships" xmlns:mc="http://schemas.openxmlformats.org/markup-compatibility/2006" xmlns:mv="urn:schemas-microsoft-com:mac:vml" xmlns:p="http://schemas.openxmlformats.org/presentationml/2006/main" xmlns:c="http://schemas.openxmlformats.org/drawingml/2006/chart" xmlns:dgm="http://schemas.openxmlformats.org/drawingml/2006/diagram" xmlns:o="urn:schemas-microsoft-com:office:office" xmlns:v="urn:schemas-microsoft-com:vml" xmlns:pvml="urn:schemas-microsoft-com:office:powerpoint" xmlns:com="http://schemas.openxmlformats.org/drawingml/2006/compatibility" xmlns:p14="http://schemas.microsoft.com/office/powerpoint/2010/main" xmlns:p15="http://schemas.microsoft.com/office/powerpoint/2012/main" xmlns:ahyp="http://schemas.microsoft.com/office/drawing/2018/hyperlinkcolor">
   <p:cSld>
     <p:spTree>
       <p:nvGrpSpPr>
-        <p:cNvPr id="95" name="Shape 95"/>
+        <p:cNvPr id="102" name="Shape 102"/>
         <p:cNvGrpSpPr/>
         <p:nvPr/>
       </p:nvGrpSpPr>
@@ -9765,7 +11475,7 @@
       </p:grpSpPr>
       <p:sp>
         <p:nvSpPr>
-          <p:cNvPr id="96" name="Google Shape;96;p18"/>
+          <p:cNvPr id="103" name="Google Shape;103;p19"/>
           <p:cNvSpPr txBox="1"/>
           <p:nvPr>
             <p:ph type="title"/>
@@ -9805,7 +11515,7 @@
       </p:sp>
       <p:sp>
         <p:nvSpPr>
-          <p:cNvPr id="97" name="Google Shape;97;p18"/>
+          <p:cNvPr id="104" name="Google Shape;104;p19"/>
           <p:cNvSpPr txBox="1"/>
           <p:nvPr>
             <p:ph idx="1" type="body"/>
@@ -9813,7 +11523,7 @@
         </p:nvSpPr>
         <p:spPr>
           <a:xfrm>
-            <a:off x="311700" y="1266325"/>
+            <a:off x="311700" y="1190125"/>
             <a:ext cx="8520600" cy="3302700"/>
           </a:xfrm>
           <a:prstGeom prst="rect">
@@ -9828,7 +11538,7 @@
           <a:p>
             <a:pPr indent="-342900" lvl="0" marL="457200" rtl="0" algn="l">
               <a:lnSpc>
-                <a:spcPct val="115000"/>
+                <a:spcPct val="150000"/>
               </a:lnSpc>
               <a:spcBef>
                 <a:spcPts val="0"/>
@@ -9840,15 +11550,19 @@
               <a:buChar char="-"/>
             </a:pPr>
             <a:r>
+              <a:rPr b="1" lang="en"/>
+              <a:t>Definition: </a:t>
+            </a:r>
+            <a:r>
               <a:rPr lang="en"/>
-              <a:t>Definition: The simulation of human intelligence in machines that are programmed to think and act like humans.</a:t>
+              <a:t>The simulation of human intelligence in machines that are programmed to think and act like humans.</a:t>
             </a:r>
             <a:endParaRPr/>
           </a:p>
           <a:p>
             <a:pPr indent="-342900" lvl="0" marL="457200" rtl="0" algn="l">
               <a:lnSpc>
-                <a:spcPct val="115000"/>
+                <a:spcPct val="150000"/>
               </a:lnSpc>
               <a:spcBef>
                 <a:spcPts val="0"/>
@@ -9860,15 +11574,15 @@
               <a:buChar char="-"/>
             </a:pPr>
             <a:r>
-              <a:rPr lang="en"/>
+              <a:rPr b="1" lang="en"/>
               <a:t>A program learns from its own results, using thousands of tests to gradually get closer to its goals</a:t>
             </a:r>
-            <a:endParaRPr/>
+            <a:endParaRPr b="1"/>
           </a:p>
           <a:p>
             <a:pPr indent="-342900" lvl="0" marL="457200" rtl="0" algn="l">
               <a:lnSpc>
-                <a:spcPct val="115000"/>
+                <a:spcPct val="150000"/>
               </a:lnSpc>
               <a:spcBef>
                 <a:spcPts val="0"/>
@@ -9904,7 +11618,7 @@
           <a:p>
             <a:pPr indent="-342900" lvl="0" marL="457200" rtl="0" algn="l">
               <a:lnSpc>
-                <a:spcPct val="115000"/>
+                <a:spcPct val="150000"/>
               </a:lnSpc>
               <a:spcBef>
                 <a:spcPts val="0"/>
@@ -9931,161 +11645,8 @@
 </p:sld>
 </file>
 
-<file path=ppt/slides/slide7.xml><?xml version="1.0" encoding="utf-8"?>
-<p:sld xmlns:a="http://schemas.openxmlformats.org/drawingml/2006/main" xmlns:r="http://schemas.openxmlformats.org/officeDocument/2006/relationships" xmlns:mc="http://schemas.openxmlformats.org/markup-compatibility/2006" xmlns:mv="urn:schemas-microsoft-com:mac:vml" xmlns:p="http://schemas.openxmlformats.org/presentationml/2006/main" xmlns:c="http://schemas.openxmlformats.org/drawingml/2006/chart" xmlns:dgm="http://schemas.openxmlformats.org/drawingml/2006/diagram" xmlns:o="urn:schemas-microsoft-com:office:office" xmlns:v="urn:schemas-microsoft-com:vml" xmlns:pvml="urn:schemas-microsoft-com:office:powerpoint" xmlns:com="http://schemas.openxmlformats.org/drawingml/2006/compatibility" xmlns:p14="http://schemas.microsoft.com/office/powerpoint/2010/main" xmlns:p15="http://schemas.microsoft.com/office/powerpoint/2012/main">
-  <p:cSld>
-    <p:spTree>
-      <p:nvGrpSpPr>
-        <p:cNvPr id="101" name="Shape 101"/>
-        <p:cNvGrpSpPr/>
-        <p:nvPr/>
-      </p:nvGrpSpPr>
-      <p:grpSpPr>
-        <a:xfrm>
-          <a:off x="0" y="0"/>
-          <a:ext cx="0" cy="0"/>
-          <a:chOff x="0" y="0"/>
-          <a:chExt cx="0" cy="0"/>
-        </a:xfrm>
-      </p:grpSpPr>
-      <p:sp>
-        <p:nvSpPr>
-          <p:cNvPr id="102" name="Google Shape;102;p19"/>
-          <p:cNvSpPr txBox="1"/>
-          <p:nvPr>
-            <p:ph type="title"/>
-          </p:nvPr>
-        </p:nvSpPr>
-        <p:spPr>
-          <a:xfrm>
-            <a:off x="311700" y="445025"/>
-            <a:ext cx="8520600" cy="707400"/>
-          </a:xfrm>
-          <a:prstGeom prst="rect">
-            <a:avLst/>
-          </a:prstGeom>
-        </p:spPr>
-        <p:txBody>
-          <a:bodyPr anchorCtr="0" anchor="t" bIns="91425" lIns="91425" spcFirstLastPara="1" rIns="91425" wrap="square" tIns="91425">
-            <a:noAutofit/>
-          </a:bodyPr>
-          <a:lstStyle/>
-          <a:p>
-            <a:pPr indent="0" lvl="0" marL="0" rtl="0" algn="l">
-              <a:spcBef>
-                <a:spcPts val="0"/>
-              </a:spcBef>
-              <a:spcAft>
-                <a:spcPts val="0"/>
-              </a:spcAft>
-              <a:buNone/>
-            </a:pPr>
-            <a:r>
-              <a:rPr lang="en"/>
-              <a:t>AI vs ML</a:t>
-            </a:r>
-            <a:endParaRPr/>
-          </a:p>
-        </p:txBody>
-      </p:sp>
-      <p:sp>
-        <p:nvSpPr>
-          <p:cNvPr id="103" name="Google Shape;103;p19"/>
-          <p:cNvSpPr txBox="1"/>
-          <p:nvPr>
-            <p:ph idx="1" type="body"/>
-          </p:nvPr>
-        </p:nvSpPr>
-        <p:spPr>
-          <a:xfrm>
-            <a:off x="311700" y="1266325"/>
-            <a:ext cx="8520600" cy="3302700"/>
-          </a:xfrm>
-          <a:prstGeom prst="rect">
-            <a:avLst/>
-          </a:prstGeom>
-        </p:spPr>
-        <p:txBody>
-          <a:bodyPr anchorCtr="0" anchor="t" bIns="91425" lIns="91425" spcFirstLastPara="1" rIns="91425" wrap="square" tIns="91425">
-            <a:noAutofit/>
-          </a:bodyPr>
-          <a:lstStyle/>
-          <a:p>
-            <a:pPr indent="0" lvl="0" marL="0" rtl="0" algn="l">
-              <a:spcBef>
-                <a:spcPts val="0"/>
-              </a:spcBef>
-              <a:spcAft>
-                <a:spcPts val="0"/>
-              </a:spcAft>
-              <a:buNone/>
-            </a:pPr>
-            <a:r>
-              <a:rPr lang="en"/>
-              <a:t>AI </a:t>
-            </a:r>
-            <a:r>
-              <a:rPr lang="en"/>
-              <a:t>Definition: The simulation of human intelligence in machines that are programmed to think and act like humans.</a:t>
-            </a:r>
-            <a:endParaRPr/>
-          </a:p>
-          <a:p>
-            <a:pPr indent="0" lvl="0" marL="0" rtl="0" algn="l">
-              <a:spcBef>
-                <a:spcPts val="1600"/>
-              </a:spcBef>
-              <a:spcAft>
-                <a:spcPts val="1600"/>
-              </a:spcAft>
-              <a:buNone/>
-            </a:pPr>
-            <a:r>
-              <a:rPr lang="en"/>
-              <a:t>ML Definition: The practice of using algorithms to analyze data, learn from that data, and then make a determination or prediction about new data. </a:t>
-            </a:r>
-            <a:endParaRPr/>
-          </a:p>
-        </p:txBody>
-      </p:sp>
-      <p:pic>
-        <p:nvPicPr>
-          <p:cNvPr id="104" name="Google Shape;104;p19"/>
-          <p:cNvPicPr preferRelativeResize="0"/>
-          <p:nvPr/>
-        </p:nvPicPr>
-        <p:blipFill>
-          <a:blip r:embed="rId3">
-            <a:alphaModFix/>
-          </a:blip>
-          <a:stretch>
-            <a:fillRect/>
-          </a:stretch>
-        </p:blipFill>
-        <p:spPr>
-          <a:xfrm>
-            <a:off x="2831200" y="2865725"/>
-            <a:ext cx="3481599" cy="2145650"/>
-          </a:xfrm>
-          <a:prstGeom prst="rect">
-            <a:avLst/>
-          </a:prstGeom>
-          <a:noFill/>
-          <a:ln>
-            <a:noFill/>
-          </a:ln>
-        </p:spPr>
-      </p:pic>
-    </p:spTree>
-  </p:cSld>
-  <p:clrMapOvr>
-    <a:masterClrMapping/>
-  </p:clrMapOvr>
-</p:sld>
-</file>
-
 <file path=ppt/slides/slide8.xml><?xml version="1.0" encoding="utf-8"?>
-<p:sld xmlns:a="http://schemas.openxmlformats.org/drawingml/2006/main" xmlns:r="http://schemas.openxmlformats.org/officeDocument/2006/relationships" xmlns:mc="http://schemas.openxmlformats.org/markup-compatibility/2006" xmlns:mv="urn:schemas-microsoft-com:mac:vml" xmlns:p="http://schemas.openxmlformats.org/presentationml/2006/main" xmlns:c="http://schemas.openxmlformats.org/drawingml/2006/chart" xmlns:dgm="http://schemas.openxmlformats.org/drawingml/2006/diagram" xmlns:o="urn:schemas-microsoft-com:office:office" xmlns:v="urn:schemas-microsoft-com:vml" xmlns:pvml="urn:schemas-microsoft-com:office:powerpoint" xmlns:com="http://schemas.openxmlformats.org/drawingml/2006/compatibility" xmlns:p14="http://schemas.microsoft.com/office/powerpoint/2010/main" xmlns:p15="http://schemas.microsoft.com/office/powerpoint/2012/main">
+<p:sld xmlns:a="http://schemas.openxmlformats.org/drawingml/2006/main" xmlns:r="http://schemas.openxmlformats.org/officeDocument/2006/relationships" xmlns:mc="http://schemas.openxmlformats.org/markup-compatibility/2006" xmlns:mv="urn:schemas-microsoft-com:mac:vml" xmlns:p="http://schemas.openxmlformats.org/presentationml/2006/main" xmlns:c="http://schemas.openxmlformats.org/drawingml/2006/chart" xmlns:dgm="http://schemas.openxmlformats.org/drawingml/2006/diagram" xmlns:o="urn:schemas-microsoft-com:office:office" xmlns:v="urn:schemas-microsoft-com:vml" xmlns:pvml="urn:schemas-microsoft-com:office:powerpoint" xmlns:com="http://schemas.openxmlformats.org/drawingml/2006/compatibility" xmlns:p14="http://schemas.microsoft.com/office/powerpoint/2010/main" xmlns:p15="http://schemas.microsoft.com/office/powerpoint/2012/main" xmlns:ahyp="http://schemas.microsoft.com/office/drawing/2018/hyperlinkcolor">
   <p:cSld>
     <p:spTree>
       <p:nvGrpSpPr>
@@ -10135,7 +11696,7 @@
             </a:pPr>
             <a:r>
               <a:rPr lang="en"/>
-              <a:t>History of AI</a:t>
+              <a:t>AI vs ML</a:t>
             </a:r>
             <a:endParaRPr/>
           </a:p>
@@ -10151,8 +11712,8 @@
         </p:nvSpPr>
         <p:spPr>
           <a:xfrm>
-            <a:off x="311700" y="1304825"/>
-            <a:ext cx="4123500" cy="3303000"/>
+            <a:off x="311700" y="1266325"/>
+            <a:ext cx="8520600" cy="3302700"/>
           </a:xfrm>
           <a:prstGeom prst="rect">
             <a:avLst/>
@@ -10164,90 +11725,59 @@
           </a:bodyPr>
           <a:lstStyle/>
           <a:p>
-            <a:pPr indent="-323850" lvl="0" marL="457200" rtl="0" algn="l">
-              <a:lnSpc>
-                <a:spcPct val="150000"/>
-              </a:lnSpc>
-              <a:spcBef>
-                <a:spcPts val="0"/>
-              </a:spcBef>
-              <a:spcAft>
-                <a:spcPts val="0"/>
-              </a:spcAft>
-              <a:buSzPts val="1500"/>
-              <a:buChar char="-"/>
-            </a:pPr>
-            <a:r>
-              <a:rPr lang="en" sz="1500"/>
-              <a:t>the field of AI wasn't formally founded until 1956 at a conference at Dartmouth College, where the term "artificial intelligence" was coined.</a:t>
-            </a:r>
-            <a:endParaRPr sz="1500"/>
-          </a:p>
-          <a:p>
-            <a:pPr indent="-323850" lvl="0" marL="457200" rtl="0" algn="l">
-              <a:lnSpc>
-                <a:spcPct val="150000"/>
-              </a:lnSpc>
-              <a:spcBef>
-                <a:spcPts val="0"/>
-              </a:spcBef>
-              <a:spcAft>
-                <a:spcPts val="0"/>
-              </a:spcAft>
-              <a:buSzPts val="1500"/>
-              <a:buChar char="-"/>
-            </a:pPr>
-            <a:r>
-              <a:rPr lang="en" sz="1300">
-                <a:solidFill>
-                  <a:srgbClr val="333333"/>
-                </a:solidFill>
-                <a:highlight>
-                  <a:srgbClr val="FFFFFF"/>
-                </a:highlight>
-              </a:rPr>
-              <a:t>in 1997, IBM's Deep Blue became the first computer to beat a chess champion when it defeated Russian grandmaster Garry Kasparov. And in 2011, the computer giant's question-answering system </a:t>
-            </a:r>
-            <a:r>
-              <a:rPr lang="en" sz="1300">
-                <a:solidFill>
-                  <a:srgbClr val="026CA2"/>
-                </a:solidFill>
-                <a:highlight>
-                  <a:srgbClr val="FFFFFF"/>
-                </a:highlight>
-                <a:uFill>
-                  <a:noFill/>
-                </a:uFill>
-                <a:hlinkClick r:id="rId3"/>
-              </a:rPr>
-              <a:t>Watson won the quiz show "Jeopardy!"</a:t>
-            </a:r>
-            <a:r>
-              <a:rPr lang="en" sz="1300">
-                <a:solidFill>
-                  <a:srgbClr val="333333"/>
-                </a:solidFill>
-                <a:highlight>
-                  <a:srgbClr val="FFFFFF"/>
-                </a:highlight>
-              </a:rPr>
-              <a:t> by beating reigning champions Brad Rutter and Ken Jennings.</a:t>
-            </a:r>
-            <a:endParaRPr sz="1500"/>
+            <a:pPr indent="0" lvl="0" marL="0" rtl="0" algn="l">
+              <a:spcBef>
+                <a:spcPts val="0"/>
+              </a:spcBef>
+              <a:spcAft>
+                <a:spcPts val="0"/>
+              </a:spcAft>
+              <a:buNone/>
+            </a:pPr>
+            <a:r>
+              <a:rPr b="1" lang="en"/>
+              <a:t>AI </a:t>
+            </a:r>
+            <a:r>
+              <a:rPr b="1" lang="en"/>
+              <a:t>Definition: </a:t>
+            </a:r>
+            <a:r>
+              <a:rPr lang="en"/>
+              <a:t>The simulation of human intelligence in machines that are programmed to think and act like humans.</a:t>
+            </a:r>
+            <a:endParaRPr/>
+          </a:p>
+          <a:p>
+            <a:pPr indent="0" lvl="0" marL="0" rtl="0" algn="l">
+              <a:spcBef>
+                <a:spcPts val="1600"/>
+              </a:spcBef>
+              <a:spcAft>
+                <a:spcPts val="1600"/>
+              </a:spcAft>
+              <a:buNone/>
+            </a:pPr>
+            <a:r>
+              <a:rPr b="1" lang="en"/>
+              <a:t>ML Definition:</a:t>
+            </a:r>
+            <a:r>
+              <a:rPr lang="en"/>
+              <a:t> The practice of using algorithms to analyze data, learn from that data, and then make a determination or prediction about new data. </a:t>
+            </a:r>
+            <a:endParaRPr/>
           </a:p>
         </p:txBody>
       </p:sp>
       <p:pic>
         <p:nvPicPr>
-          <p:cNvPr descr="While everyone seems to be talking about artificial intelligence these days, it’s good to remember that this is not something new!" id="111" name="Google Shape;111;p20" title="A Brief History of Artificial Intelligence">
-            <a:hlinkClick r:id="rId4"/>
-          </p:cNvPr>
+          <p:cNvPr id="111" name="Google Shape;111;p20"/>
           <p:cNvPicPr preferRelativeResize="0"/>
           <p:nvPr/>
         </p:nvPicPr>
         <p:blipFill>
-          <a:blip r:embed="rId5">
+          <a:blip r:embed="rId3">
             <a:alphaModFix/>
           </a:blip>
           <a:stretch>
@@ -10256,8 +11786,8 @@
         </p:blipFill>
         <p:spPr>
           <a:xfrm>
-            <a:off x="4587600" y="1304825"/>
-            <a:ext cx="4404000" cy="3303000"/>
+            <a:off x="2831200" y="2865725"/>
+            <a:ext cx="3481599" cy="2145650"/>
           </a:xfrm>
           <a:prstGeom prst="rect">
             <a:avLst/>
@@ -10277,7 +11807,7 @@
 </file>
 
 <file path=ppt/slides/slide9.xml><?xml version="1.0" encoding="utf-8"?>
-<p:sld xmlns:a="http://schemas.openxmlformats.org/drawingml/2006/main" xmlns:r="http://schemas.openxmlformats.org/officeDocument/2006/relationships" xmlns:mc="http://schemas.openxmlformats.org/markup-compatibility/2006" xmlns:mv="urn:schemas-microsoft-com:mac:vml" xmlns:p="http://schemas.openxmlformats.org/presentationml/2006/main" xmlns:c="http://schemas.openxmlformats.org/drawingml/2006/chart" xmlns:dgm="http://schemas.openxmlformats.org/drawingml/2006/diagram" xmlns:o="urn:schemas-microsoft-com:office:office" xmlns:v="urn:schemas-microsoft-com:vml" xmlns:pvml="urn:schemas-microsoft-com:office:powerpoint" xmlns:com="http://schemas.openxmlformats.org/drawingml/2006/compatibility" xmlns:p14="http://schemas.microsoft.com/office/powerpoint/2010/main" xmlns:p15="http://schemas.microsoft.com/office/powerpoint/2012/main">
+<p:sld xmlns:a="http://schemas.openxmlformats.org/drawingml/2006/main" xmlns:r="http://schemas.openxmlformats.org/officeDocument/2006/relationships" xmlns:mc="http://schemas.openxmlformats.org/markup-compatibility/2006" xmlns:mv="urn:schemas-microsoft-com:mac:vml" xmlns:p="http://schemas.openxmlformats.org/presentationml/2006/main" xmlns:c="http://schemas.openxmlformats.org/drawingml/2006/chart" xmlns:dgm="http://schemas.openxmlformats.org/drawingml/2006/diagram" xmlns:o="urn:schemas-microsoft-com:office:office" xmlns:v="urn:schemas-microsoft-com:vml" xmlns:pvml="urn:schemas-microsoft-com:office:powerpoint" xmlns:com="http://schemas.openxmlformats.org/drawingml/2006/compatibility" xmlns:p14="http://schemas.microsoft.com/office/powerpoint/2010/main" xmlns:p15="http://schemas.microsoft.com/office/powerpoint/2012/main" xmlns:ahyp="http://schemas.microsoft.com/office/drawing/2018/hyperlinkcolor">
   <p:cSld>
     <p:spTree>
       <p:nvGrpSpPr>
@@ -10327,7 +11857,7 @@
             </a:pPr>
             <a:r>
               <a:rPr lang="en"/>
-              <a:t>Types of AI</a:t>
+              <a:t>History of AI</a:t>
             </a:r>
             <a:endParaRPr/>
           </a:p>
@@ -10343,8 +11873,8 @@
         </p:nvSpPr>
         <p:spPr>
           <a:xfrm>
-            <a:off x="311700" y="1266325"/>
-            <a:ext cx="8520600" cy="3302700"/>
+            <a:off x="311700" y="1304825"/>
+            <a:ext cx="4123500" cy="3303000"/>
           </a:xfrm>
           <a:prstGeom prst="rect">
             <a:avLst/>
@@ -10356,106 +11886,116 @@
           </a:bodyPr>
           <a:lstStyle/>
           <a:p>
-            <a:pPr indent="-342900" lvl="0" marL="457200" rtl="0" algn="l">
-              <a:spcBef>
-                <a:spcPts val="0"/>
-              </a:spcBef>
-              <a:spcAft>
-                <a:spcPts val="0"/>
-              </a:spcAft>
-              <a:buSzPts val="1800"/>
+            <a:pPr indent="-323850" lvl="0" marL="457200" rtl="0" algn="l">
+              <a:lnSpc>
+                <a:spcPct val="150000"/>
+              </a:lnSpc>
+              <a:spcBef>
+                <a:spcPts val="0"/>
+              </a:spcBef>
+              <a:spcAft>
+                <a:spcPts val="0"/>
+              </a:spcAft>
+              <a:buSzPts val="1500"/>
               <a:buChar char="-"/>
             </a:pPr>
             <a:r>
-              <a:rPr lang="en"/>
-              <a:t>Computer Vision: </a:t>
-            </a:r>
-            <a:r>
-              <a:rPr lang="en" u="sng">
+              <a:rPr lang="en" sz="1500"/>
+              <a:t>The field of AI wasn't formally founded until 1956 at a conference at Dartmouth College, where the term "artificial intelligence" was coined.</a:t>
+            </a:r>
+            <a:endParaRPr sz="1500"/>
+          </a:p>
+          <a:p>
+            <a:pPr indent="-323850" lvl="0" marL="457200" rtl="0" algn="l">
+              <a:lnSpc>
+                <a:spcPct val="150000"/>
+              </a:lnSpc>
+              <a:spcBef>
+                <a:spcPts val="0"/>
+              </a:spcBef>
+              <a:spcAft>
+                <a:spcPts val="0"/>
+              </a:spcAft>
+              <a:buSzPts val="1500"/>
+              <a:buChar char="-"/>
+            </a:pPr>
+            <a:r>
+              <a:rPr lang="en" sz="1300">
                 <a:solidFill>
-                  <a:schemeClr val="hlink"/>
+                  <a:srgbClr val="333333"/>
                 </a:solidFill>
-                <a:hlinkClick r:id="rId3"/>
+                <a:highlight>
+                  <a:srgbClr val="FFFFFF"/>
+                </a:highlight>
               </a:rPr>
-              <a:t>https://machinelearningmastery.com/what-is-computer-vision/</a:t>
-            </a:r>
-            <a:r>
-              <a:rPr lang="en"/>
-              <a:t> </a:t>
-            </a:r>
-            <a:endParaRPr/>
-          </a:p>
-          <a:p>
-            <a:pPr indent="-342900" lvl="0" marL="457200" rtl="0" algn="l">
-              <a:spcBef>
-                <a:spcPts val="0"/>
-              </a:spcBef>
-              <a:spcAft>
-                <a:spcPts val="0"/>
-              </a:spcAft>
-              <a:buSzPts val="1800"/>
-              <a:buChar char="-"/>
-            </a:pPr>
-            <a:r>
-              <a:rPr lang="en"/>
-              <a:t>NLP: </a:t>
-            </a:r>
-            <a:r>
-              <a:rPr lang="en" u="sng">
+              <a:t>In 1997, IBM's Deep Blue became the first computer to beat a chess champion when it defeated Russian grandmaster Garry Kasparov. And in 2011, the computer giant's question-answering system </a:t>
+            </a:r>
+            <a:r>
+              <a:rPr lang="en" sz="1300">
                 <a:solidFill>
-                  <a:schemeClr val="hlink"/>
+                  <a:srgbClr val="026CA2"/>
                 </a:solidFill>
-                <a:hlinkClick r:id="rId4"/>
+                <a:highlight>
+                  <a:srgbClr val="FFFFFF"/>
+                </a:highlight>
+                <a:uFill>
+                  <a:noFill/>
+                </a:uFill>
+                <a:hlinkClick r:id="rId3">
+                  <a:extLst>
+                    <a:ext uri="{A12FA001-AC4F-418D-AE19-62706E023703}">
+                      <ahyp:hlinkClr val="tx"/>
+                    </a:ext>
+                  </a:extLst>
+                </a:hlinkClick>
               </a:rPr>
-              <a:t>https://machinelearningmastery.com/natural-language-processing/</a:t>
-            </a:r>
-            <a:endParaRPr/>
-          </a:p>
-          <a:p>
-            <a:pPr indent="-342900" lvl="0" marL="457200" rtl="0" algn="l">
-              <a:spcBef>
-                <a:spcPts val="0"/>
-              </a:spcBef>
-              <a:spcAft>
-                <a:spcPts val="0"/>
-              </a:spcAft>
-              <a:buSzPts val="1800"/>
-              <a:buChar char="-"/>
-            </a:pPr>
-            <a:r>
-              <a:rPr lang="en"/>
-              <a:t>Recommendation Systems: </a:t>
-            </a:r>
-            <a:r>
-              <a:rPr lang="en" u="sng">
+              <a:t>Watson won the quiz show "Jeopardy!"</a:t>
+            </a:r>
+            <a:r>
+              <a:rPr lang="en" sz="1300">
                 <a:solidFill>
-                  <a:schemeClr val="hlink"/>
+                  <a:srgbClr val="333333"/>
                 </a:solidFill>
-                <a:hlinkClick r:id="rId5"/>
+                <a:highlight>
+                  <a:srgbClr val="FFFFFF"/>
+                </a:highlight>
               </a:rPr>
-              <a:t>https://developers.google.com/machine-learning/recommendation/collaborative/basics</a:t>
-            </a:r>
-            <a:endParaRPr/>
-          </a:p>
-          <a:p>
-            <a:pPr indent="-342900" lvl="0" marL="457200" rtl="0" algn="l">
-              <a:spcBef>
-                <a:spcPts val="0"/>
-              </a:spcBef>
-              <a:spcAft>
-                <a:spcPts val="0"/>
-              </a:spcAft>
-              <a:buSzPts val="1800"/>
-              <a:buChar char="-"/>
-            </a:pPr>
-            <a:r>
-              <a:rPr lang="en"/>
-              <a:t>Deep Learning: https://machinelearningmastery.com/what-is-deep-learning/</a:t>
-            </a:r>
-            <a:endParaRPr/>
+              <a:t> by beating reigning champions Brad Rutter and Ken Jennings.</a:t>
+            </a:r>
+            <a:endParaRPr sz="1500"/>
           </a:p>
         </p:txBody>
       </p:sp>
+      <p:pic>
+        <p:nvPicPr>
+          <p:cNvPr descr="While everyone seems to be talking about artificial intelligence these days, it’s good to remember that this is not something new!" id="118" name="Google Shape;118;p21" title="A Brief History of Artificial Intelligence">
+            <a:hlinkClick r:id="rId4"/>
+          </p:cNvPr>
+          <p:cNvPicPr preferRelativeResize="0"/>
+          <p:nvPr/>
+        </p:nvPicPr>
+        <p:blipFill>
+          <a:blip r:embed="rId5">
+            <a:alphaModFix/>
+          </a:blip>
+          <a:stretch>
+            <a:fillRect/>
+          </a:stretch>
+        </p:blipFill>
+        <p:spPr>
+          <a:xfrm>
+            <a:off x="4587600" y="1304825"/>
+            <a:ext cx="4404000" cy="3303000"/>
+          </a:xfrm>
+          <a:prstGeom prst="rect">
+            <a:avLst/>
+          </a:prstGeom>
+          <a:noFill/>
+          <a:ln>
+            <a:noFill/>
+          </a:ln>
+        </p:spPr>
+      </p:pic>
     </p:spTree>
   </p:cSld>
   <p:clrMapOvr>
@@ -10465,6 +12005,285 @@
 </file>
 
 <file path=ppt/theme/theme1.xml><?xml version="1.0" encoding="utf-8"?>
+<a:theme xmlns:a="http://schemas.openxmlformats.org/drawingml/2006/main" xmlns:r="http://schemas.openxmlformats.org/officeDocument/2006/relationships" name="Tropic">
+  <a:themeElements>
+    <a:clrScheme name="Tropic">
+      <a:dk1>
+        <a:srgbClr val="A1E8D9"/>
+      </a:dk1>
+      <a:lt1>
+        <a:srgbClr val="FFFFFF"/>
+      </a:lt1>
+      <a:dk2>
+        <a:srgbClr val="695D46"/>
+      </a:dk2>
+      <a:lt2>
+        <a:srgbClr val="B3A77D"/>
+      </a:lt2>
+      <a:accent1>
+        <a:srgbClr val="EF6C00"/>
+      </a:accent1>
+      <a:accent2>
+        <a:srgbClr val="009668"/>
+      </a:accent2>
+      <a:accent3>
+        <a:srgbClr val="4DB6AC"/>
+      </a:accent3>
+      <a:accent4>
+        <a:srgbClr val="FF9800"/>
+      </a:accent4>
+      <a:accent5>
+        <a:srgbClr val="CE93D8"/>
+      </a:accent5>
+      <a:accent6>
+        <a:srgbClr val="EEFF41"/>
+      </a:accent6>
+      <a:hlink>
+        <a:srgbClr val="CE93D8"/>
+      </a:hlink>
+      <a:folHlink>
+        <a:srgbClr val="CE93D8"/>
+      </a:folHlink>
+    </a:clrScheme>
+    <a:fontScheme name="Office">
+      <a:majorFont>
+        <a:latin typeface="Arial"/>
+        <a:ea typeface=""/>
+        <a:cs typeface=""/>
+        <a:font script="Jpan" typeface="ＭＳ Ｐゴシック"/>
+        <a:font script="Hang" typeface="맑은 고딕"/>
+        <a:font script="Hans" typeface="宋体"/>
+        <a:font script="Hant" typeface="新細明體"/>
+        <a:font script="Arab" typeface="Times New Roman"/>
+        <a:font script="Hebr" typeface="Times New Roman"/>
+        <a:font script="Thai" typeface="Angsana New"/>
+        <a:font script="Ethi" typeface="Nyala"/>
+        <a:font script="Beng" typeface="Vrinda"/>
+        <a:font script="Gujr" typeface="Shruti"/>
+        <a:font script="Khmr" typeface="MoolBoran"/>
+        <a:font script="Knda" typeface="Tunga"/>
+        <a:font script="Guru" typeface="Raavi"/>
+        <a:font script="Cans" typeface="Euphemia"/>
+        <a:font script="Cher" typeface="Plantagenet Cherokee"/>
+        <a:font script="Yiii" typeface="Microsoft Yi Baiti"/>
+        <a:font script="Tibt" typeface="Microsoft Himalaya"/>
+        <a:font script="Thaa" typeface="MV Boli"/>
+        <a:font script="Deva" typeface="Mangal"/>
+        <a:font script="Telu" typeface="Gautami"/>
+        <a:font script="Taml" typeface="Latha"/>
+        <a:font script="Syrc" typeface="Estrangelo Edessa"/>
+        <a:font script="Orya" typeface="Kalinga"/>
+        <a:font script="Mlym" typeface="Kartika"/>
+        <a:font script="Laoo" typeface="DokChampa"/>
+        <a:font script="Sinh" typeface="Iskoola Pota"/>
+        <a:font script="Mong" typeface="Mongolian Baiti"/>
+        <a:font script="Viet" typeface="Times New Roman"/>
+        <a:font script="Uigh" typeface="Microsoft Uighur"/>
+        <a:font script="Geor" typeface="Sylfaen"/>
+      </a:majorFont>
+      <a:minorFont>
+        <a:latin typeface="Arial"/>
+        <a:ea typeface=""/>
+        <a:cs typeface=""/>
+        <a:font script="Jpan" typeface="ＭＳ Ｐゴシック"/>
+        <a:font script="Hang" typeface="맑은 고딕"/>
+        <a:font script="Hans" typeface="宋体"/>
+        <a:font script="Hant" typeface="新細明體"/>
+        <a:font script="Arab" typeface="Arial"/>
+        <a:font script="Hebr" typeface="Arial"/>
+        <a:font script="Thai" typeface="Cordia New"/>
+        <a:font script="Ethi" typeface="Nyala"/>
+        <a:font script="Beng" typeface="Vrinda"/>
+        <a:font script="Gujr" typeface="Shruti"/>
+        <a:font script="Khmr" typeface="DaunPenh"/>
+        <a:font script="Knda" typeface="Tunga"/>
+        <a:font script="Guru" typeface="Raavi"/>
+        <a:font script="Cans" typeface="Euphemia"/>
+        <a:font script="Cher" typeface="Plantagenet Cherokee"/>
+        <a:font script="Yiii" typeface="Microsoft Yi Baiti"/>
+        <a:font script="Tibt" typeface="Microsoft Himalaya"/>
+        <a:font script="Thaa" typeface="MV Boli"/>
+        <a:font script="Deva" typeface="Mangal"/>
+        <a:font script="Telu" typeface="Gautami"/>
+        <a:font script="Taml" typeface="Latha"/>
+        <a:font script="Syrc" typeface="Estrangelo Edessa"/>
+        <a:font script="Orya" typeface="Kalinga"/>
+        <a:font script="Mlym" typeface="Kartika"/>
+        <a:font script="Laoo" typeface="DokChampa"/>
+        <a:font script="Sinh" typeface="Iskoola Pota"/>
+        <a:font script="Mong" typeface="Mongolian Baiti"/>
+        <a:font script="Viet" typeface="Arial"/>
+        <a:font script="Uigh" typeface="Microsoft Uighur"/>
+        <a:font script="Geor" typeface="Sylfaen"/>
+      </a:minorFont>
+    </a:fontScheme>
+    <a:fmtScheme name="Office">
+      <a:fillStyleLst>
+        <a:solidFill>
+          <a:schemeClr val="phClr"/>
+        </a:solidFill>
+        <a:gradFill rotWithShape="1">
+          <a:gsLst>
+            <a:gs pos="0">
+              <a:schemeClr val="phClr">
+                <a:tint val="50000"/>
+                <a:satMod val="300000"/>
+              </a:schemeClr>
+            </a:gs>
+            <a:gs pos="35000">
+              <a:schemeClr val="phClr">
+                <a:tint val="37000"/>
+                <a:satMod val="300000"/>
+              </a:schemeClr>
+            </a:gs>
+            <a:gs pos="100000">
+              <a:schemeClr val="phClr">
+                <a:tint val="15000"/>
+                <a:satMod val="350000"/>
+              </a:schemeClr>
+            </a:gs>
+          </a:gsLst>
+          <a:lin ang="16200000" scaled="1"/>
+        </a:gradFill>
+        <a:gradFill rotWithShape="1">
+          <a:gsLst>
+            <a:gs pos="0">
+              <a:schemeClr val="phClr">
+                <a:tint val="100000"/>
+                <a:shade val="100000"/>
+                <a:satMod val="130000"/>
+              </a:schemeClr>
+            </a:gs>
+            <a:gs pos="100000">
+              <a:schemeClr val="phClr">
+                <a:tint val="50000"/>
+                <a:shade val="100000"/>
+                <a:satMod val="350000"/>
+              </a:schemeClr>
+            </a:gs>
+          </a:gsLst>
+          <a:lin ang="16200000" scaled="0"/>
+        </a:gradFill>
+      </a:fillStyleLst>
+      <a:lnStyleLst>
+        <a:ln w="9525" cap="flat" cmpd="sng" algn="ctr">
+          <a:solidFill>
+            <a:schemeClr val="phClr">
+              <a:shade val="95000"/>
+              <a:satMod val="105000"/>
+            </a:schemeClr>
+          </a:solidFill>
+          <a:prstDash val="solid"/>
+        </a:ln>
+        <a:ln w="25400" cap="flat" cmpd="sng" algn="ctr">
+          <a:solidFill>
+            <a:schemeClr val="phClr"/>
+          </a:solidFill>
+          <a:prstDash val="solid"/>
+        </a:ln>
+        <a:ln w="38100" cap="flat" cmpd="sng" algn="ctr">
+          <a:solidFill>
+            <a:schemeClr val="phClr"/>
+          </a:solidFill>
+          <a:prstDash val="solid"/>
+        </a:ln>
+      </a:lnStyleLst>
+      <a:effectStyleLst>
+        <a:effectStyle>
+          <a:effectLst>
+            <a:outerShdw blurRad="40000" dist="20000" dir="5400000" rotWithShape="0">
+              <a:srgbClr val="000000">
+                <a:alpha val="38000"/>
+              </a:srgbClr>
+            </a:outerShdw>
+          </a:effectLst>
+        </a:effectStyle>
+        <a:effectStyle>
+          <a:effectLst>
+            <a:outerShdw blurRad="40000" dist="23000" dir="5400000" rotWithShape="0">
+              <a:srgbClr val="000000">
+                <a:alpha val="35000"/>
+              </a:srgbClr>
+            </a:outerShdw>
+          </a:effectLst>
+        </a:effectStyle>
+        <a:effectStyle>
+          <a:effectLst>
+            <a:outerShdw blurRad="40000" dist="23000" dir="5400000" rotWithShape="0">
+              <a:srgbClr val="000000">
+                <a:alpha val="35000"/>
+              </a:srgbClr>
+            </a:outerShdw>
+          </a:effectLst>
+          <a:scene3d>
+            <a:camera prst="orthographicFront">
+              <a:rot lat="0" lon="0" rev="0"/>
+            </a:camera>
+            <a:lightRig rig="threePt" dir="t">
+              <a:rot lat="0" lon="0" rev="1200000"/>
+            </a:lightRig>
+          </a:scene3d>
+          <a:sp3d>
+            <a:bevelT w="63500" h="25400"/>
+          </a:sp3d>
+        </a:effectStyle>
+      </a:effectStyleLst>
+      <a:bgFillStyleLst>
+        <a:solidFill>
+          <a:schemeClr val="phClr"/>
+        </a:solidFill>
+        <a:gradFill rotWithShape="1">
+          <a:gsLst>
+            <a:gs pos="0">
+              <a:schemeClr val="phClr">
+                <a:tint val="40000"/>
+                <a:satMod val="350000"/>
+              </a:schemeClr>
+            </a:gs>
+            <a:gs pos="40000">
+              <a:schemeClr val="phClr">
+                <a:tint val="45000"/>
+                <a:shade val="99000"/>
+                <a:satMod val="350000"/>
+              </a:schemeClr>
+            </a:gs>
+            <a:gs pos="100000">
+              <a:schemeClr val="phClr">
+                <a:shade val="20000"/>
+                <a:satMod val="255000"/>
+              </a:schemeClr>
+            </a:gs>
+          </a:gsLst>
+          <a:path path="circle">
+            <a:fillToRect l="50000" t="-80000" r="50000" b="180000"/>
+          </a:path>
+        </a:gradFill>
+        <a:gradFill rotWithShape="1">
+          <a:gsLst>
+            <a:gs pos="0">
+              <a:schemeClr val="phClr">
+                <a:tint val="80000"/>
+                <a:satMod val="300000"/>
+              </a:schemeClr>
+            </a:gs>
+            <a:gs pos="100000">
+              <a:schemeClr val="phClr">
+                <a:shade val="30000"/>
+                <a:satMod val="200000"/>
+              </a:schemeClr>
+            </a:gs>
+          </a:gsLst>
+          <a:path path="circle">
+            <a:fillToRect l="50000" t="50000" r="50000" b="50000"/>
+          </a:path>
+        </a:gradFill>
+      </a:bgFillStyleLst>
+    </a:fmtScheme>
+  </a:themeElements>
+</a:theme>
+</file>
+
+<file path=ppt/theme/theme2.xml><?xml version="1.0" encoding="utf-8"?>
 <a:theme xmlns:a="http://schemas.openxmlformats.org/drawingml/2006/main" xmlns:r="http://schemas.openxmlformats.org/officeDocument/2006/relationships">
   <a:themeElements>
     <a:clrScheme name="Default">
@@ -10741,283 +12560,4 @@
     </a:fmtScheme>
   </a:themeElements>
 </a:theme>
-</file>
-
-<file path=ppt/theme/theme2.xml><?xml version="1.0" encoding="utf-8"?>
-<a:theme xmlns:a="http://schemas.openxmlformats.org/drawingml/2006/main" xmlns:r="http://schemas.openxmlformats.org/officeDocument/2006/relationships" name="Tropic">
-  <a:themeElements>
-    <a:clrScheme name="Tropic">
-      <a:dk1>
-        <a:srgbClr val="A1E8D9"/>
-      </a:dk1>
-      <a:lt1>
-        <a:srgbClr val="FFFFFF"/>
-      </a:lt1>
-      <a:dk2>
-        <a:srgbClr val="695D46"/>
-      </a:dk2>
-      <a:lt2>
-        <a:srgbClr val="B3A77D"/>
-      </a:lt2>
-      <a:accent1>
-        <a:srgbClr val="EF6C00"/>
-      </a:accent1>
-      <a:accent2>
-        <a:srgbClr val="009668"/>
-      </a:accent2>
-      <a:accent3>
-        <a:srgbClr val="4DB6AC"/>
-      </a:accent3>
-      <a:accent4>
-        <a:srgbClr val="FF9800"/>
-      </a:accent4>
-      <a:accent5>
-        <a:srgbClr val="CE93D8"/>
-      </a:accent5>
-      <a:accent6>
-        <a:srgbClr val="EEFF41"/>
-      </a:accent6>
-      <a:hlink>
-        <a:srgbClr val="CE93D8"/>
-      </a:hlink>
-      <a:folHlink>
-        <a:srgbClr val="CE93D8"/>
-      </a:folHlink>
-    </a:clrScheme>
-    <a:fontScheme name="Office">
-      <a:majorFont>
-        <a:latin typeface="Arial"/>
-        <a:ea typeface=""/>
-        <a:cs typeface=""/>
-        <a:font script="Jpan" typeface="ＭＳ Ｐゴシック"/>
-        <a:font script="Hang" typeface="맑은 고딕"/>
-        <a:font script="Hans" typeface="宋体"/>
-        <a:font script="Hant" typeface="新細明體"/>
-        <a:font script="Arab" typeface="Times New Roman"/>
-        <a:font script="Hebr" typeface="Times New Roman"/>
-        <a:font script="Thai" typeface="Angsana New"/>
-        <a:font script="Ethi" typeface="Nyala"/>
-        <a:font script="Beng" typeface="Vrinda"/>
-        <a:font script="Gujr" typeface="Shruti"/>
-        <a:font script="Khmr" typeface="MoolBoran"/>
-        <a:font script="Knda" typeface="Tunga"/>
-        <a:font script="Guru" typeface="Raavi"/>
-        <a:font script="Cans" typeface="Euphemia"/>
-        <a:font script="Cher" typeface="Plantagenet Cherokee"/>
-        <a:font script="Yiii" typeface="Microsoft Yi Baiti"/>
-        <a:font script="Tibt" typeface="Microsoft Himalaya"/>
-        <a:font script="Thaa" typeface="MV Boli"/>
-        <a:font script="Deva" typeface="Mangal"/>
-        <a:font script="Telu" typeface="Gautami"/>
-        <a:font script="Taml" typeface="Latha"/>
-        <a:font script="Syrc" typeface="Estrangelo Edessa"/>
-        <a:font script="Orya" typeface="Kalinga"/>
-        <a:font script="Mlym" typeface="Kartika"/>
-        <a:font script="Laoo" typeface="DokChampa"/>
-        <a:font script="Sinh" typeface="Iskoola Pota"/>
-        <a:font script="Mong" typeface="Mongolian Baiti"/>
-        <a:font script="Viet" typeface="Times New Roman"/>
-        <a:font script="Uigh" typeface="Microsoft Uighur"/>
-        <a:font script="Geor" typeface="Sylfaen"/>
-      </a:majorFont>
-      <a:minorFont>
-        <a:latin typeface="Arial"/>
-        <a:ea typeface=""/>
-        <a:cs typeface=""/>
-        <a:font script="Jpan" typeface="ＭＳ Ｐゴシック"/>
-        <a:font script="Hang" typeface="맑은 고딕"/>
-        <a:font script="Hans" typeface="宋体"/>
-        <a:font script="Hant" typeface="新細明體"/>
-        <a:font script="Arab" typeface="Arial"/>
-        <a:font script="Hebr" typeface="Arial"/>
-        <a:font script="Thai" typeface="Cordia New"/>
-        <a:font script="Ethi" typeface="Nyala"/>
-        <a:font script="Beng" typeface="Vrinda"/>
-        <a:font script="Gujr" typeface="Shruti"/>
-        <a:font script="Khmr" typeface="DaunPenh"/>
-        <a:font script="Knda" typeface="Tunga"/>
-        <a:font script="Guru" typeface="Raavi"/>
-        <a:font script="Cans" typeface="Euphemia"/>
-        <a:font script="Cher" typeface="Plantagenet Cherokee"/>
-        <a:font script="Yiii" typeface="Microsoft Yi Baiti"/>
-        <a:font script="Tibt" typeface="Microsoft Himalaya"/>
-        <a:font script="Thaa" typeface="MV Boli"/>
-        <a:font script="Deva" typeface="Mangal"/>
-        <a:font script="Telu" typeface="Gautami"/>
-        <a:font script="Taml" typeface="Latha"/>
-        <a:font script="Syrc" typeface="Estrangelo Edessa"/>
-        <a:font script="Orya" typeface="Kalinga"/>
-        <a:font script="Mlym" typeface="Kartika"/>
-        <a:font script="Laoo" typeface="DokChampa"/>
-        <a:font script="Sinh" typeface="Iskoola Pota"/>
-        <a:font script="Mong" typeface="Mongolian Baiti"/>
-        <a:font script="Viet" typeface="Arial"/>
-        <a:font script="Uigh" typeface="Microsoft Uighur"/>
-        <a:font script="Geor" typeface="Sylfaen"/>
-      </a:minorFont>
-    </a:fontScheme>
-    <a:fmtScheme name="Office">
-      <a:fillStyleLst>
-        <a:solidFill>
-          <a:schemeClr val="phClr"/>
-        </a:solidFill>
-        <a:gradFill rotWithShape="1">
-          <a:gsLst>
-            <a:gs pos="0">
-              <a:schemeClr val="phClr">
-                <a:tint val="50000"/>
-                <a:satMod val="300000"/>
-              </a:schemeClr>
-            </a:gs>
-            <a:gs pos="35000">
-              <a:schemeClr val="phClr">
-                <a:tint val="37000"/>
-                <a:satMod val="300000"/>
-              </a:schemeClr>
-            </a:gs>
-            <a:gs pos="100000">
-              <a:schemeClr val="phClr">
-                <a:tint val="15000"/>
-                <a:satMod val="350000"/>
-              </a:schemeClr>
-            </a:gs>
-          </a:gsLst>
-          <a:lin ang="16200000" scaled="1"/>
-        </a:gradFill>
-        <a:gradFill rotWithShape="1">
-          <a:gsLst>
-            <a:gs pos="0">
-              <a:schemeClr val="phClr">
-                <a:tint val="100000"/>
-                <a:shade val="100000"/>
-                <a:satMod val="130000"/>
-              </a:schemeClr>
-            </a:gs>
-            <a:gs pos="100000">
-              <a:schemeClr val="phClr">
-                <a:tint val="50000"/>
-                <a:shade val="100000"/>
-                <a:satMod val="350000"/>
-              </a:schemeClr>
-            </a:gs>
-          </a:gsLst>
-          <a:lin ang="16200000" scaled="0"/>
-        </a:gradFill>
-      </a:fillStyleLst>
-      <a:lnStyleLst>
-        <a:ln w="9525" cap="flat" cmpd="sng" algn="ctr">
-          <a:solidFill>
-            <a:schemeClr val="phClr">
-              <a:shade val="95000"/>
-              <a:satMod val="105000"/>
-            </a:schemeClr>
-          </a:solidFill>
-          <a:prstDash val="solid"/>
-        </a:ln>
-        <a:ln w="25400" cap="flat" cmpd="sng" algn="ctr">
-          <a:solidFill>
-            <a:schemeClr val="phClr"/>
-          </a:solidFill>
-          <a:prstDash val="solid"/>
-        </a:ln>
-        <a:ln w="38100" cap="flat" cmpd="sng" algn="ctr">
-          <a:solidFill>
-            <a:schemeClr val="phClr"/>
-          </a:solidFill>
-          <a:prstDash val="solid"/>
-        </a:ln>
-      </a:lnStyleLst>
-      <a:effectStyleLst>
-        <a:effectStyle>
-          <a:effectLst>
-            <a:outerShdw blurRad="40000" dist="20000" dir="5400000" rotWithShape="0">
-              <a:srgbClr val="000000">
-                <a:alpha val="38000"/>
-              </a:srgbClr>
-            </a:outerShdw>
-          </a:effectLst>
-        </a:effectStyle>
-        <a:effectStyle>
-          <a:effectLst>
-            <a:outerShdw blurRad="40000" dist="23000" dir="5400000" rotWithShape="0">
-              <a:srgbClr val="000000">
-                <a:alpha val="35000"/>
-              </a:srgbClr>
-            </a:outerShdw>
-          </a:effectLst>
-        </a:effectStyle>
-        <a:effectStyle>
-          <a:effectLst>
-            <a:outerShdw blurRad="40000" dist="23000" dir="5400000" rotWithShape="0">
-              <a:srgbClr val="000000">
-                <a:alpha val="35000"/>
-              </a:srgbClr>
-            </a:outerShdw>
-          </a:effectLst>
-          <a:scene3d>
-            <a:camera prst="orthographicFront">
-              <a:rot lat="0" lon="0" rev="0"/>
-            </a:camera>
-            <a:lightRig rig="threePt" dir="t">
-              <a:rot lat="0" lon="0" rev="1200000"/>
-            </a:lightRig>
-          </a:scene3d>
-          <a:sp3d>
-            <a:bevelT w="63500" h="25400"/>
-          </a:sp3d>
-        </a:effectStyle>
-      </a:effectStyleLst>
-      <a:bgFillStyleLst>
-        <a:solidFill>
-          <a:schemeClr val="phClr"/>
-        </a:solidFill>
-        <a:gradFill rotWithShape="1">
-          <a:gsLst>
-            <a:gs pos="0">
-              <a:schemeClr val="phClr">
-                <a:tint val="40000"/>
-                <a:satMod val="350000"/>
-              </a:schemeClr>
-            </a:gs>
-            <a:gs pos="40000">
-              <a:schemeClr val="phClr">
-                <a:tint val="45000"/>
-                <a:shade val="99000"/>
-                <a:satMod val="350000"/>
-              </a:schemeClr>
-            </a:gs>
-            <a:gs pos="100000">
-              <a:schemeClr val="phClr">
-                <a:shade val="20000"/>
-                <a:satMod val="255000"/>
-              </a:schemeClr>
-            </a:gs>
-          </a:gsLst>
-          <a:path path="circle">
-            <a:fillToRect l="50000" t="-80000" r="50000" b="180000"/>
-          </a:path>
-        </a:gradFill>
-        <a:gradFill rotWithShape="1">
-          <a:gsLst>
-            <a:gs pos="0">
-              <a:schemeClr val="phClr">
-                <a:tint val="80000"/>
-                <a:satMod val="300000"/>
-              </a:schemeClr>
-            </a:gs>
-            <a:gs pos="100000">
-              <a:schemeClr val="phClr">
-                <a:shade val="30000"/>
-                <a:satMod val="200000"/>
-              </a:schemeClr>
-            </a:gs>
-          </a:gsLst>
-          <a:path path="circle">
-            <a:fillToRect l="50000" t="50000" r="50000" b="50000"/>
-          </a:path>
-        </a:gradFill>
-      </a:bgFillStyleLst>
-    </a:fmtScheme>
-  </a:themeElements>
-</a:theme>
 </file>
--- a/1_AI Course Presentation.pptx
+++ b/1_AI Course Presentation.pptx
@@ -10534,7 +10534,7 @@
             </a:pPr>
             <a:r>
               <a:rPr b="1" lang="en"/>
-              <a:t>Week 3: </a:t>
+              <a:t>Week 4: </a:t>
             </a:r>
             <a:r>
               <a:rPr lang="en"/>
